--- a/Codegen 2021/GettingStartedWithASPNETCore.Documents/Getting started with ASP.NET Core.pptx
+++ b/Codegen 2021/GettingStartedWithASPNETCore.Documents/Getting started with ASP.NET Core.pptx
@@ -221,7 +221,7 @@
           <a:p>
             <a:fld id="{D62C66B6-8005-43F3-9A3A-43C51FF373BB}" type="datetimeFigureOut">
               <a:rPr lang="en-US" smtClean="0"/>
-              <a:t>1/27/2021</a:t>
+              <a:t>2/3/2021</a:t>
             </a:fld>
             <a:endParaRPr lang="en-US"/>
           </a:p>
@@ -1028,7 +1028,7 @@
           <a:p>
             <a:fld id="{D18B56EA-E28F-4F92-9F16-7A6F2501B303}" type="datetime8">
               <a:rPr lang="en-US" smtClean="0"/>
-              <a:t>1/27/2021 5:43 PM</a:t>
+              <a:t>2/3/2021 8:41 PM</a:t>
             </a:fld>
             <a:endParaRPr lang="en-US" dirty="0"/>
           </a:p>
@@ -1231,7 +1231,7 @@
           <a:p>
             <a:fld id="{D18B56EA-E28F-4F92-9F16-7A6F2501B303}" type="datetime8">
               <a:rPr lang="en-US" smtClean="0"/>
-              <a:t>1/27/2021 5:43 PM</a:t>
+              <a:t>2/3/2021 8:41 PM</a:t>
             </a:fld>
             <a:endParaRPr lang="en-US" dirty="0"/>
           </a:p>
@@ -1318,128 +1318,13 @@
           <a:bodyPr/>
           <a:lstStyle/>
           <a:p>
-            <a:pPr marL="0" marR="0" algn="just">
-              <a:lnSpc>
-                <a:spcPct val="107000"/>
-              </a:lnSpc>
-              <a:spcBef>
-                <a:spcPts val="0"/>
-              </a:spcBef>
-              <a:spcAft>
-                <a:spcPts val="800"/>
-              </a:spcAft>
-              <a:tabLst>
-                <a:tab pos="1333500" algn="l"/>
-              </a:tabLst>
-            </a:pPr>
-            <a:endParaRPr lang="en-US" sz="1800" dirty="0">
-              <a:effectLst/>
-              <a:latin typeface="Calibri" panose="020F0502020204030204" pitchFamily="34" charset="0"/>
-              <a:ea typeface="Calibri" panose="020F0502020204030204" pitchFamily="34" charset="0"/>
-              <a:cs typeface="Times New Roman" panose="02020603050405020304" pitchFamily="18" charset="0"/>
-            </a:endParaRPr>
+            <a:endParaRPr lang="en-US" dirty="0"/>
           </a:p>
         </p:txBody>
       </p:sp>
       <p:sp>
         <p:nvSpPr>
-          <p:cNvPr id="4" name="Header Placeholder 3"/>
-          <p:cNvSpPr>
-            <a:spLocks noGrp="1"/>
-          </p:cNvSpPr>
-          <p:nvPr>
-            <p:ph type="hdr" sz="quarter"/>
-          </p:nvPr>
-        </p:nvSpPr>
-        <p:spPr/>
-        <p:txBody>
-          <a:bodyPr/>
-          <a:lstStyle/>
-          <a:p>
-            <a:endParaRPr lang="en-US" dirty="0"/>
-          </a:p>
-        </p:txBody>
-      </p:sp>
-      <p:sp>
-        <p:nvSpPr>
-          <p:cNvPr id="5" name="Footer Placeholder 4"/>
-          <p:cNvSpPr>
-            <a:spLocks noGrp="1"/>
-          </p:cNvSpPr>
-          <p:nvPr>
-            <p:ph type="ftr" sz="quarter" idx="4"/>
-          </p:nvPr>
-        </p:nvSpPr>
-        <p:spPr/>
-        <p:txBody>
-          <a:bodyPr/>
-          <a:lstStyle/>
-          <a:p>
-            <a:pPr defTabSz="914099" eaLnBrk="0" hangingPunct="0"/>
-            <a:r>
-              <a:rPr lang="en-US" sz="400">
-                <a:gradFill>
-                  <a:gsLst>
-                    <a:gs pos="0">
-                      <a:prstClr val="black"/>
-                    </a:gs>
-                    <a:gs pos="100000">
-                      <a:prstClr val="black"/>
-                    </a:gs>
-                  </a:gsLst>
-                  <a:lin ang="5400000" scaled="0"/>
-                </a:gradFill>
-                <a:latin typeface="Segoe UI" pitchFamily="34" charset="0"/>
-                <a:ea typeface="Segoe UI" pitchFamily="34" charset="0"/>
-                <a:cs typeface="Segoe UI" pitchFamily="34" charset="0"/>
-              </a:rPr>
-              <a:t>© Microsoft Corporation. All rights reserved. MICROSOFT MAKES NO WARRANTIES, EXPRESS, IMPLIED OR STATUTORY, AS TO THE INFORMATION IN THIS PRESENTATION.</a:t>
-            </a:r>
-            <a:endParaRPr lang="en-US" sz="400" dirty="0">
-              <a:gradFill>
-                <a:gsLst>
-                  <a:gs pos="0">
-                    <a:prstClr val="black"/>
-                  </a:gs>
-                  <a:gs pos="100000">
-                    <a:prstClr val="black"/>
-                  </a:gs>
-                </a:gsLst>
-                <a:lin ang="5400000" scaled="0"/>
-              </a:gradFill>
-              <a:latin typeface="Segoe UI" pitchFamily="34" charset="0"/>
-              <a:ea typeface="Segoe UI" pitchFamily="34" charset="0"/>
-              <a:cs typeface="Segoe UI" pitchFamily="34" charset="0"/>
-            </a:endParaRPr>
-          </a:p>
-        </p:txBody>
-      </p:sp>
-      <p:sp>
-        <p:nvSpPr>
-          <p:cNvPr id="6" name="Date Placeholder 5"/>
-          <p:cNvSpPr>
-            <a:spLocks noGrp="1"/>
-          </p:cNvSpPr>
-          <p:nvPr>
-            <p:ph type="dt" idx="1"/>
-          </p:nvPr>
-        </p:nvSpPr>
-        <p:spPr/>
-        <p:txBody>
-          <a:bodyPr/>
-          <a:lstStyle/>
-          <a:p>
-            <a:fld id="{D18B56EA-E28F-4F92-9F16-7A6F2501B303}" type="datetime8">
-              <a:rPr lang="en-US" smtClean="0"/>
-              <a:t>1/27/2021 5:44 PM</a:t>
-            </a:fld>
-            <a:endParaRPr lang="en-US" dirty="0"/>
-          </a:p>
-        </p:txBody>
-      </p:sp>
-      <p:sp>
-        <p:nvSpPr>
-          <p:cNvPr id="7" name="Slide Number Placeholder 6"/>
+          <p:cNvPr id="4" name="Slide Number Placeholder 3"/>
           <p:cNvSpPr>
             <a:spLocks noGrp="1"/>
           </p:cNvSpPr>
@@ -1452,19 +1337,18 @@
           <a:bodyPr/>
           <a:lstStyle/>
           <a:p>
-            <a:fld id="{B4008EB6-D09E-4580-8CD6-DDB14511944F}" type="slidenum">
+            <a:fld id="{F3A82D5B-3CB3-42EA-B4C3-3CE82A6E669A}" type="slidenum">
               <a:rPr lang="en-US" smtClean="0"/>
-              <a:pPr/>
-              <a:t>18</a:t>
+              <a:t>17</a:t>
             </a:fld>
-            <a:endParaRPr lang="en-US" dirty="0"/>
+            <a:endParaRPr lang="en-US"/>
           </a:p>
         </p:txBody>
       </p:sp>
     </p:spTree>
     <p:extLst>
       <p:ext uri="{BB962C8B-B14F-4D97-AF65-F5344CB8AC3E}">
-        <p14:creationId xmlns:p14="http://schemas.microsoft.com/office/powerpoint/2010/main" val="3713404095"/>
+        <p14:creationId xmlns:p14="http://schemas.microsoft.com/office/powerpoint/2010/main" val="1211868449"/>
       </p:ext>
     </p:extLst>
   </p:cSld>
@@ -1539,7 +1423,7 @@
                 <a:ea typeface="Calibri" panose="020F0502020204030204" pitchFamily="34" charset="0"/>
                 <a:cs typeface="Times New Roman" panose="02020603050405020304" pitchFamily="18" charset="0"/>
               </a:rPr>
-              <a:t>No matter what project type you choose, a .NET Core application will always start from the same entry point, a Main method in the </a:t>
+              <a:t>IL Code: Developer Command Prompt for VS 2019 - </a:t>
             </a:r>
             <a:r>
               <a:rPr lang="en-US" sz="1800" dirty="0" err="1">
@@ -1548,17 +1432,14 @@
                 <a:ea typeface="Calibri" panose="020F0502020204030204" pitchFamily="34" charset="0"/>
                 <a:cs typeface="Times New Roman" panose="02020603050405020304" pitchFamily="18" charset="0"/>
               </a:rPr>
-              <a:t>program.cs</a:t>
-            </a:r>
-            <a:r>
-              <a:rPr lang="en-US" sz="1800" dirty="0">
-                <a:effectLst/>
-                <a:latin typeface="Calibri" panose="020F0502020204030204" pitchFamily="34" charset="0"/>
-                <a:ea typeface="Calibri" panose="020F0502020204030204" pitchFamily="34" charset="0"/>
-                <a:cs typeface="Times New Roman" panose="02020603050405020304" pitchFamily="18" charset="0"/>
-              </a:rPr>
-              <a:t> file.</a:t>
-            </a:r>
+              <a:t>ildasm</a:t>
+            </a:r>
+            <a:endParaRPr lang="en-US" sz="1800" dirty="0">
+              <a:effectLst/>
+              <a:latin typeface="Calibri" panose="020F0502020204030204" pitchFamily="34" charset="0"/>
+              <a:ea typeface="Calibri" panose="020F0502020204030204" pitchFamily="34" charset="0"/>
+              <a:cs typeface="Times New Roman" panose="02020603050405020304" pitchFamily="18" charset="0"/>
+            </a:endParaRPr>
           </a:p>
           <a:p>
             <a:pPr marL="0" marR="0" algn="just">
@@ -1582,25 +1463,7 @@
                 <a:ea typeface="Calibri" panose="020F0502020204030204" pitchFamily="34" charset="0"/>
                 <a:cs typeface="Times New Roman" panose="02020603050405020304" pitchFamily="18" charset="0"/>
               </a:rPr>
-              <a:t> In fact, an .NET Core application is nothing more than a console application launched by the </a:t>
-            </a:r>
-            <a:r>
-              <a:rPr lang="en-US" sz="1800" b="1" dirty="0">
-                <a:effectLst/>
-                <a:latin typeface="Calibri" panose="020F0502020204030204" pitchFamily="34" charset="0"/>
-                <a:ea typeface="Calibri" panose="020F0502020204030204" pitchFamily="34" charset="0"/>
-                <a:cs typeface="Times New Roman" panose="02020603050405020304" pitchFamily="18" charset="0"/>
-              </a:rPr>
-              <a:t>dotnet </a:t>
-            </a:r>
-            <a:r>
-              <a:rPr lang="en-US" sz="1800" dirty="0">
-                <a:effectLst/>
-                <a:latin typeface="Calibri" panose="020F0502020204030204" pitchFamily="34" charset="0"/>
-                <a:ea typeface="Calibri" panose="020F0502020204030204" pitchFamily="34" charset="0"/>
-                <a:cs typeface="Times New Roman" panose="02020603050405020304" pitchFamily="18" charset="0"/>
-              </a:rPr>
-              <a:t>driver tool. </a:t>
+              <a:t>Native Code: Start Debug – Debug – Window- Disassembly</a:t>
             </a:r>
           </a:p>
         </p:txBody>
@@ -1695,7 +1558,7 @@
           <a:p>
             <a:fld id="{D18B56EA-E28F-4F92-9F16-7A6F2501B303}" type="datetime8">
               <a:rPr lang="en-US" smtClean="0"/>
-              <a:t>1/27/2021 5:45 PM</a:t>
+              <a:t>2/3/2021 8:41 PM</a:t>
             </a:fld>
             <a:endParaRPr lang="en-US" dirty="0"/>
           </a:p>
@@ -1719,7 +1582,7 @@
             <a:fld id="{B4008EB6-D09E-4580-8CD6-DDB14511944F}" type="slidenum">
               <a:rPr lang="en-US" smtClean="0"/>
               <a:pPr/>
-              <a:t>19</a:t>
+              <a:t>18</a:t>
             </a:fld>
             <a:endParaRPr lang="en-US" dirty="0"/>
           </a:p>
@@ -1728,7 +1591,7 @@
     </p:spTree>
     <p:extLst>
       <p:ext uri="{BB962C8B-B14F-4D97-AF65-F5344CB8AC3E}">
-        <p14:creationId xmlns:p14="http://schemas.microsoft.com/office/powerpoint/2010/main" val="3904338091"/>
+        <p14:creationId xmlns:p14="http://schemas.microsoft.com/office/powerpoint/2010/main" val="3713404095"/>
       </p:ext>
     </p:extLst>
   </p:cSld>
@@ -1803,7 +1666,25 @@
                 <a:ea typeface="Calibri" panose="020F0502020204030204" pitchFamily="34" charset="0"/>
                 <a:cs typeface="Times New Roman" panose="02020603050405020304" pitchFamily="18" charset="0"/>
               </a:rPr>
-              <a:t>With .NET Core, all framework and third-party libraries can be added to our project as NuGet packages. </a:t>
+              <a:t>No matter what project type you choose, a .NET Core application will always start from the same entry point, a Main method in the </a:t>
+            </a:r>
+            <a:r>
+              <a:rPr lang="en-US" sz="1800" dirty="0" err="1">
+                <a:effectLst/>
+                <a:latin typeface="Calibri" panose="020F0502020204030204" pitchFamily="34" charset="0"/>
+                <a:ea typeface="Calibri" panose="020F0502020204030204" pitchFamily="34" charset="0"/>
+                <a:cs typeface="Times New Roman" panose="02020603050405020304" pitchFamily="18" charset="0"/>
+              </a:rPr>
+              <a:t>program.cs</a:t>
+            </a:r>
+            <a:r>
+              <a:rPr lang="en-US" sz="1800" dirty="0">
+                <a:effectLst/>
+                <a:latin typeface="Calibri" panose="020F0502020204030204" pitchFamily="34" charset="0"/>
+                <a:ea typeface="Calibri" panose="020F0502020204030204" pitchFamily="34" charset="0"/>
+                <a:cs typeface="Times New Roman" panose="02020603050405020304" pitchFamily="18" charset="0"/>
+              </a:rPr>
+              <a:t> file.</a:t>
             </a:r>
           </a:p>
           <a:p>
@@ -1822,36 +1703,23 @@
               </a:tabLst>
             </a:pPr>
             <a:r>
+              <a:rPr lang="en-US" sz="1800" dirty="0">
+                <a:effectLst/>
+                <a:latin typeface="Calibri" panose="020F0502020204030204" pitchFamily="34" charset="0"/>
+                <a:ea typeface="Calibri" panose="020F0502020204030204" pitchFamily="34" charset="0"/>
+                <a:cs typeface="Times New Roman" panose="02020603050405020304" pitchFamily="18" charset="0"/>
+              </a:rPr>
+              <a:t> In fact, an .NET Core application is nothing more than a console application launched by the </a:t>
+            </a:r>
+            <a:r>
               <a:rPr lang="en-US" sz="1800" b="1" dirty="0">
                 <a:effectLst/>
                 <a:latin typeface="Calibri" panose="020F0502020204030204" pitchFamily="34" charset="0"/>
                 <a:ea typeface="Calibri" panose="020F0502020204030204" pitchFamily="34" charset="0"/>
                 <a:cs typeface="Times New Roman" panose="02020603050405020304" pitchFamily="18" charset="0"/>
               </a:rPr>
-              <a:t>Problem</a:t>
-            </a:r>
-            <a:endParaRPr lang="en-US" sz="1800" dirty="0">
-              <a:effectLst/>
-              <a:latin typeface="Calibri" panose="020F0502020204030204" pitchFamily="34" charset="0"/>
-              <a:ea typeface="Calibri" panose="020F0502020204030204" pitchFamily="34" charset="0"/>
-              <a:cs typeface="Times New Roman" panose="02020603050405020304" pitchFamily="18" charset="0"/>
-            </a:endParaRPr>
-          </a:p>
-          <a:p>
-            <a:pPr marL="0" marR="0" algn="just">
-              <a:lnSpc>
-                <a:spcPct val="107000"/>
-              </a:lnSpc>
-              <a:spcBef>
-                <a:spcPts val="0"/>
-              </a:spcBef>
-              <a:spcAft>
-                <a:spcPts val="800"/>
-              </a:spcAft>
-              <a:tabLst>
-                <a:tab pos="1333500" algn="l"/>
-              </a:tabLst>
-            </a:pPr>
+              <a:t>dotnet </a:t>
+            </a:r>
             <a:r>
               <a:rPr lang="en-US" sz="1800" dirty="0">
                 <a:effectLst/>
@@ -1859,93 +1727,7 @@
                 <a:ea typeface="Calibri" panose="020F0502020204030204" pitchFamily="34" charset="0"/>
                 <a:cs typeface="Times New Roman" panose="02020603050405020304" pitchFamily="18" charset="0"/>
               </a:rPr>
-              <a:t>With large sized applications that refer many libraries, adding each library one by one is a cumbersome process. </a:t>
-            </a:r>
-          </a:p>
-          <a:p>
-            <a:pPr marL="0" marR="0" algn="just">
-              <a:lnSpc>
-                <a:spcPct val="107000"/>
-              </a:lnSpc>
-              <a:spcBef>
-                <a:spcPts val="0"/>
-              </a:spcBef>
-              <a:spcAft>
-                <a:spcPts val="800"/>
-              </a:spcAft>
-              <a:tabLst>
-                <a:tab pos="1333500" algn="l"/>
-              </a:tabLst>
-            </a:pPr>
-            <a:r>
-              <a:rPr lang="en-US" sz="1800" dirty="0">
-                <a:effectLst/>
-                <a:latin typeface="Calibri" panose="020F0502020204030204" pitchFamily="34" charset="0"/>
-                <a:ea typeface="Calibri" panose="020F0502020204030204" pitchFamily="34" charset="0"/>
-                <a:cs typeface="Times New Roman" panose="02020603050405020304" pitchFamily="18" charset="0"/>
-              </a:rPr>
-              <a:t>.NET Core 2.0 has simplified the packaging mechanism and has introduced </a:t>
-            </a:r>
-            <a:r>
-              <a:rPr lang="en-US" sz="1800" b="1" dirty="0">
-                <a:effectLst/>
-                <a:latin typeface="Calibri" panose="020F0502020204030204" pitchFamily="34" charset="0"/>
-                <a:ea typeface="Calibri" panose="020F0502020204030204" pitchFamily="34" charset="0"/>
-                <a:cs typeface="Times New Roman" panose="02020603050405020304" pitchFamily="18" charset="0"/>
-              </a:rPr>
-              <a:t>meta-packages</a:t>
-            </a:r>
-            <a:r>
-              <a:rPr lang="en-US" sz="1800" dirty="0">
-                <a:effectLst/>
-                <a:latin typeface="Calibri" panose="020F0502020204030204" pitchFamily="34" charset="0"/>
-                <a:ea typeface="Calibri" panose="020F0502020204030204" pitchFamily="34" charset="0"/>
-                <a:cs typeface="Times New Roman" panose="02020603050405020304" pitchFamily="18" charset="0"/>
-              </a:rPr>
-              <a:t> that can be added as one single package and contains all the assemblies that are linked to it. </a:t>
-            </a:r>
-          </a:p>
-          <a:p>
-            <a:pPr marL="0" marR="0" algn="just">
-              <a:lnSpc>
-                <a:spcPct val="107000"/>
-              </a:lnSpc>
-              <a:spcBef>
-                <a:spcPts val="0"/>
-              </a:spcBef>
-              <a:spcAft>
-                <a:spcPts val="800"/>
-              </a:spcAft>
-              <a:tabLst>
-                <a:tab pos="1333500" algn="l"/>
-              </a:tabLst>
-            </a:pPr>
-            <a:r>
-              <a:rPr lang="en-US" sz="1800" dirty="0">
-                <a:effectLst/>
-                <a:latin typeface="Calibri" panose="020F0502020204030204" pitchFamily="34" charset="0"/>
-                <a:ea typeface="Calibri" panose="020F0502020204030204" pitchFamily="34" charset="0"/>
-                <a:cs typeface="Times New Roman" panose="02020603050405020304" pitchFamily="18" charset="0"/>
-              </a:rPr>
-              <a:t>For example, if you wanted to work on ASP.NET Core in .NET Core 2.0, you just have to add one single package, </a:t>
-            </a:r>
-            <a:r>
-              <a:rPr lang="en-US" sz="1800" dirty="0" err="1">
-                <a:effectLst/>
-                <a:latin typeface="Calibri" panose="020F0502020204030204" pitchFamily="34" charset="0"/>
-                <a:ea typeface="Calibri" panose="020F0502020204030204" pitchFamily="34" charset="0"/>
-                <a:cs typeface="Times New Roman" panose="02020603050405020304" pitchFamily="18" charset="0"/>
-              </a:rPr>
-              <a:t>Microsoft.AspNetCore.All</a:t>
-            </a:r>
-            <a:r>
-              <a:rPr lang="en-US" sz="1800" dirty="0">
-                <a:effectLst/>
-                <a:latin typeface="Calibri" panose="020F0502020204030204" pitchFamily="34" charset="0"/>
-                <a:ea typeface="Calibri" panose="020F0502020204030204" pitchFamily="34" charset="0"/>
-                <a:cs typeface="Times New Roman" panose="02020603050405020304" pitchFamily="18" charset="0"/>
-              </a:rPr>
-              <a:t>, using NuGet. </a:t>
+              <a:t>driver tool. </a:t>
             </a:r>
           </a:p>
         </p:txBody>
@@ -2040,7 +1822,7 @@
           <a:p>
             <a:fld id="{D18B56EA-E28F-4F92-9F16-7A6F2501B303}" type="datetime8">
               <a:rPr lang="en-US" smtClean="0"/>
-              <a:t>1/27/2021 5:45 PM</a:t>
+              <a:t>2/3/2021 8:41 PM</a:t>
             </a:fld>
             <a:endParaRPr lang="en-US" dirty="0"/>
           </a:p>
@@ -2064,7 +1846,7 @@
             <a:fld id="{B4008EB6-D09E-4580-8CD6-DDB14511944F}" type="slidenum">
               <a:rPr lang="en-US" smtClean="0"/>
               <a:pPr/>
-              <a:t>20</a:t>
+              <a:t>19</a:t>
             </a:fld>
             <a:endParaRPr lang="en-US" dirty="0"/>
           </a:p>
@@ -2073,7 +1855,7 @@
     </p:spTree>
     <p:extLst>
       <p:ext uri="{BB962C8B-B14F-4D97-AF65-F5344CB8AC3E}">
-        <p14:creationId xmlns:p14="http://schemas.microsoft.com/office/powerpoint/2010/main" val="4273941900"/>
+        <p14:creationId xmlns:p14="http://schemas.microsoft.com/office/powerpoint/2010/main" val="3904338091"/>
       </p:ext>
     </p:extLst>
   </p:cSld>
@@ -2148,7 +1930,7 @@
                 <a:ea typeface="Calibri" panose="020F0502020204030204" pitchFamily="34" charset="0"/>
                 <a:cs typeface="Times New Roman" panose="02020603050405020304" pitchFamily="18" charset="0"/>
               </a:rPr>
-              <a:t>What are the benefits of these two deployment methods?</a:t>
+              <a:t>With .NET Core, all framework and third-party libraries can be added to our project as NuGet packages. </a:t>
             </a:r>
           </a:p>
           <a:p>
@@ -2173,7 +1955,7 @@
                 <a:ea typeface="Calibri" panose="020F0502020204030204" pitchFamily="34" charset="0"/>
                 <a:cs typeface="Times New Roman" panose="02020603050405020304" pitchFamily="18" charset="0"/>
               </a:rPr>
-              <a:t>Pros of a self-contained deployment</a:t>
+              <a:t>Problem</a:t>
             </a:r>
             <a:endParaRPr lang="en-US" sz="1800" dirty="0">
               <a:effectLst/>
@@ -2181,87 +1963,6 @@
               <a:ea typeface="Calibri" panose="020F0502020204030204" pitchFamily="34" charset="0"/>
               <a:cs typeface="Times New Roman" panose="02020603050405020304" pitchFamily="18" charset="0"/>
             </a:endParaRPr>
-          </a:p>
-          <a:p>
-            <a:pPr marL="342900" marR="0" lvl="0" indent="-342900" algn="just">
-              <a:lnSpc>
-                <a:spcPct val="107000"/>
-              </a:lnSpc>
-              <a:spcBef>
-                <a:spcPts val="0"/>
-              </a:spcBef>
-              <a:spcAft>
-                <a:spcPts val="0"/>
-              </a:spcAft>
-              <a:buFont typeface="Symbol" panose="05050102010706020507" pitchFamily="18" charset="2"/>
-              <a:buChar char=""/>
-              <a:tabLst>
-                <a:tab pos="1333500" algn="l"/>
-              </a:tabLst>
-            </a:pPr>
-            <a:r>
-              <a:rPr lang="en-US" sz="1800" dirty="0">
-                <a:effectLst/>
-                <a:latin typeface="Calibri" panose="020F0502020204030204" pitchFamily="34" charset="0"/>
-                <a:ea typeface="Calibri" panose="020F0502020204030204" pitchFamily="34" charset="0"/>
-                <a:cs typeface="Times New Roman" panose="02020603050405020304" pitchFamily="18" charset="0"/>
-              </a:rPr>
-              <a:t>Control the exact version of .NET Core used at runtime.</a:t>
-            </a:r>
-          </a:p>
-          <a:p>
-            <a:pPr marL="342900" marR="0" lvl="0" indent="-342900" algn="just">
-              <a:lnSpc>
-                <a:spcPct val="107000"/>
-              </a:lnSpc>
-              <a:spcBef>
-                <a:spcPts val="0"/>
-              </a:spcBef>
-              <a:spcAft>
-                <a:spcPts val="0"/>
-              </a:spcAft>
-              <a:buFont typeface="Symbol" panose="05050102010706020507" pitchFamily="18" charset="2"/>
-              <a:buChar char=""/>
-              <a:tabLst>
-                <a:tab pos="1333500" algn="l"/>
-              </a:tabLst>
-            </a:pPr>
-            <a:r>
-              <a:rPr lang="en-US" sz="1800" dirty="0">
-                <a:effectLst/>
-                <a:latin typeface="Calibri" panose="020F0502020204030204" pitchFamily="34" charset="0"/>
-                <a:ea typeface="Calibri" panose="020F0502020204030204" pitchFamily="34" charset="0"/>
-                <a:cs typeface="Times New Roman" panose="02020603050405020304" pitchFamily="18" charset="0"/>
-              </a:rPr>
-              <a:t>Increase reliability by controlling when to upgrade each individual application.</a:t>
-            </a:r>
-          </a:p>
-          <a:p>
-            <a:pPr marL="342900" marR="0" lvl="0" indent="-342900" algn="just">
-              <a:lnSpc>
-                <a:spcPct val="107000"/>
-              </a:lnSpc>
-              <a:spcBef>
-                <a:spcPts val="0"/>
-              </a:spcBef>
-              <a:spcAft>
-                <a:spcPts val="800"/>
-              </a:spcAft>
-              <a:buFont typeface="Symbol" panose="05050102010706020507" pitchFamily="18" charset="2"/>
-              <a:buChar char=""/>
-              <a:tabLst>
-                <a:tab pos="1333500" algn="l"/>
-              </a:tabLst>
-            </a:pPr>
-            <a:r>
-              <a:rPr lang="en-US" sz="1800" dirty="0">
-                <a:effectLst/>
-                <a:latin typeface="Calibri" panose="020F0502020204030204" pitchFamily="34" charset="0"/>
-                <a:ea typeface="Calibri" panose="020F0502020204030204" pitchFamily="34" charset="0"/>
-                <a:cs typeface="Times New Roman" panose="02020603050405020304" pitchFamily="18" charset="0"/>
-              </a:rPr>
-              <a:t>Upgrade different applications at different times.</a:t>
-            </a:r>
           </a:p>
           <a:p>
             <a:pPr marL="0" marR="0" algn="just">
@@ -2279,77 +1980,17 @@
               </a:tabLst>
             </a:pPr>
             <a:r>
-              <a:rPr lang="en-US" sz="1800" b="1" dirty="0">
-                <a:effectLst/>
-                <a:latin typeface="Calibri" panose="020F0502020204030204" pitchFamily="34" charset="0"/>
-                <a:ea typeface="Calibri" panose="020F0502020204030204" pitchFamily="34" charset="0"/>
-                <a:cs typeface="Times New Roman" panose="02020603050405020304" pitchFamily="18" charset="0"/>
-              </a:rPr>
-              <a:t>Pros of a framework-dependent deployment</a:t>
-            </a:r>
-            <a:endParaRPr lang="en-US" sz="1800" dirty="0">
-              <a:effectLst/>
-              <a:latin typeface="Calibri" panose="020F0502020204030204" pitchFamily="34" charset="0"/>
-              <a:ea typeface="Calibri" panose="020F0502020204030204" pitchFamily="34" charset="0"/>
-              <a:cs typeface="Times New Roman" panose="02020603050405020304" pitchFamily="18" charset="0"/>
-            </a:endParaRPr>
-          </a:p>
-          <a:p>
-            <a:pPr marL="342900" marR="0" lvl="0" indent="-342900" algn="just">
-              <a:lnSpc>
-                <a:spcPct val="107000"/>
-              </a:lnSpc>
-              <a:spcBef>
-                <a:spcPts val="0"/>
-              </a:spcBef>
-              <a:spcAft>
-                <a:spcPts val="0"/>
-              </a:spcAft>
-              <a:buFont typeface="Symbol" panose="05050102010706020507" pitchFamily="18" charset="2"/>
-              <a:buChar char=""/>
-              <a:tabLst>
-                <a:tab pos="1333500" algn="l"/>
-              </a:tabLst>
-            </a:pPr>
-            <a:r>
               <a:rPr lang="en-US" sz="1800" dirty="0">
                 <a:effectLst/>
                 <a:latin typeface="Calibri" panose="020F0502020204030204" pitchFamily="34" charset="0"/>
                 <a:ea typeface="Calibri" panose="020F0502020204030204" pitchFamily="34" charset="0"/>
                 <a:cs typeface="Times New Roman" panose="02020603050405020304" pitchFamily="18" charset="0"/>
               </a:rPr>
-              <a:t>Smaller size of the deployment</a:t>
-            </a:r>
-          </a:p>
-          <a:p>
-            <a:pPr marL="342900" marR="0" lvl="0" indent="-342900" algn="just">
-              <a:lnSpc>
-                <a:spcPct val="107000"/>
-              </a:lnSpc>
-              <a:spcBef>
-                <a:spcPts val="0"/>
-              </a:spcBef>
-              <a:spcAft>
-                <a:spcPts val="0"/>
-              </a:spcAft>
-              <a:buFont typeface="Symbol" panose="05050102010706020507" pitchFamily="18" charset="2"/>
-              <a:buChar char=""/>
-              <a:tabLst>
-                <a:tab pos="1333500" algn="l"/>
-              </a:tabLst>
-            </a:pPr>
-            <a:r>
-              <a:rPr lang="en-US" sz="1800" dirty="0">
-                <a:effectLst/>
-                <a:latin typeface="Calibri" panose="020F0502020204030204" pitchFamily="34" charset="0"/>
-                <a:ea typeface="Calibri" panose="020F0502020204030204" pitchFamily="34" charset="0"/>
-                <a:cs typeface="Times New Roman" panose="02020603050405020304" pitchFamily="18" charset="0"/>
-              </a:rPr>
-              <a:t>Lower disk and memory usage</a:t>
-            </a:r>
-          </a:p>
-          <a:p>
-            <a:pPr marL="342900" marR="0" lvl="0" indent="-342900" algn="just">
+              <a:t>With large sized applications that refer many libraries, adding each library one by one is a cumbersome process. </a:t>
+            </a:r>
+          </a:p>
+          <a:p>
+            <a:pPr marL="0" marR="0" algn="just">
               <a:lnSpc>
                 <a:spcPct val="107000"/>
               </a:lnSpc>
@@ -2359,8 +2000,6 @@
               <a:spcAft>
                 <a:spcPts val="800"/>
               </a:spcAft>
-              <a:buFont typeface="Symbol" panose="05050102010706020507" pitchFamily="18" charset="2"/>
-              <a:buChar char=""/>
               <a:tabLst>
                 <a:tab pos="1333500" algn="l"/>
               </a:tabLst>
@@ -2372,7 +2011,68 @@
                 <a:ea typeface="Calibri" panose="020F0502020204030204" pitchFamily="34" charset="0"/>
                 <a:cs typeface="Times New Roman" panose="02020603050405020304" pitchFamily="18" charset="0"/>
               </a:rPr>
-              <a:t>Get security patches, and bug fixes by later releases without recompiling and republishing the application.</a:t>
+              <a:t>.NET Core 2.0 has simplified the packaging mechanism and has introduced </a:t>
+            </a:r>
+            <a:r>
+              <a:rPr lang="en-US" sz="1800" b="1" dirty="0">
+                <a:effectLst/>
+                <a:latin typeface="Calibri" panose="020F0502020204030204" pitchFamily="34" charset="0"/>
+                <a:ea typeface="Calibri" panose="020F0502020204030204" pitchFamily="34" charset="0"/>
+                <a:cs typeface="Times New Roman" panose="02020603050405020304" pitchFamily="18" charset="0"/>
+              </a:rPr>
+              <a:t>meta-packages</a:t>
+            </a:r>
+            <a:r>
+              <a:rPr lang="en-US" sz="1800" dirty="0">
+                <a:effectLst/>
+                <a:latin typeface="Calibri" panose="020F0502020204030204" pitchFamily="34" charset="0"/>
+                <a:ea typeface="Calibri" panose="020F0502020204030204" pitchFamily="34" charset="0"/>
+                <a:cs typeface="Times New Roman" panose="02020603050405020304" pitchFamily="18" charset="0"/>
+              </a:rPr>
+              <a:t> that can be added as one single package and contains all the assemblies that are linked to it. </a:t>
+            </a:r>
+          </a:p>
+          <a:p>
+            <a:pPr marL="0" marR="0" algn="just">
+              <a:lnSpc>
+                <a:spcPct val="107000"/>
+              </a:lnSpc>
+              <a:spcBef>
+                <a:spcPts val="0"/>
+              </a:spcBef>
+              <a:spcAft>
+                <a:spcPts val="800"/>
+              </a:spcAft>
+              <a:tabLst>
+                <a:tab pos="1333500" algn="l"/>
+              </a:tabLst>
+            </a:pPr>
+            <a:r>
+              <a:rPr lang="en-US" sz="1800" dirty="0">
+                <a:effectLst/>
+                <a:latin typeface="Calibri" panose="020F0502020204030204" pitchFamily="34" charset="0"/>
+                <a:ea typeface="Calibri" panose="020F0502020204030204" pitchFamily="34" charset="0"/>
+                <a:cs typeface="Times New Roman" panose="02020603050405020304" pitchFamily="18" charset="0"/>
+              </a:rPr>
+              <a:t>For example, if you wanted to work on ASP.NET Core in .NET Core 2.0, you just have to add one single package, </a:t>
+            </a:r>
+            <a:r>
+              <a:rPr lang="en-US" sz="1800" dirty="0" err="1">
+                <a:effectLst/>
+                <a:latin typeface="Calibri" panose="020F0502020204030204" pitchFamily="34" charset="0"/>
+                <a:ea typeface="Calibri" panose="020F0502020204030204" pitchFamily="34" charset="0"/>
+                <a:cs typeface="Times New Roman" panose="02020603050405020304" pitchFamily="18" charset="0"/>
+              </a:rPr>
+              <a:t>Microsoft.AspNetCore.All</a:t>
+            </a:r>
+            <a:r>
+              <a:rPr lang="en-US" sz="1800" dirty="0">
+                <a:effectLst/>
+                <a:latin typeface="Calibri" panose="020F0502020204030204" pitchFamily="34" charset="0"/>
+                <a:ea typeface="Calibri" panose="020F0502020204030204" pitchFamily="34" charset="0"/>
+                <a:cs typeface="Times New Roman" panose="02020603050405020304" pitchFamily="18" charset="0"/>
+              </a:rPr>
+              <a:t>, using NuGet. </a:t>
             </a:r>
           </a:p>
         </p:txBody>
@@ -2467,7 +2167,7 @@
           <a:p>
             <a:fld id="{D18B56EA-E28F-4F92-9F16-7A6F2501B303}" type="datetime8">
               <a:rPr lang="en-US" smtClean="0"/>
-              <a:t>1/27/2021 5:45 PM</a:t>
+              <a:t>2/3/2021 8:41 PM</a:t>
             </a:fld>
             <a:endParaRPr lang="en-US" dirty="0"/>
           </a:p>
@@ -2491,7 +2191,7 @@
             <a:fld id="{B4008EB6-D09E-4580-8CD6-DDB14511944F}" type="slidenum">
               <a:rPr lang="en-US" smtClean="0"/>
               <a:pPr/>
-              <a:t>21</a:t>
+              <a:t>20</a:t>
             </a:fld>
             <a:endParaRPr lang="en-US" dirty="0"/>
           </a:p>
@@ -2500,7 +2200,7 @@
     </p:spTree>
     <p:extLst>
       <p:ext uri="{BB962C8B-B14F-4D97-AF65-F5344CB8AC3E}">
-        <p14:creationId xmlns:p14="http://schemas.microsoft.com/office/powerpoint/2010/main" val="2401497892"/>
+        <p14:creationId xmlns:p14="http://schemas.microsoft.com/office/powerpoint/2010/main" val="4273941900"/>
       </p:ext>
     </p:extLst>
   </p:cSld>
@@ -2568,12 +2268,239 @@
                 <a:tab pos="1333500" algn="l"/>
               </a:tabLst>
             </a:pPr>
+            <a:r>
+              <a:rPr lang="en-US" sz="1800" dirty="0">
+                <a:effectLst/>
+                <a:latin typeface="Calibri" panose="020F0502020204030204" pitchFamily="34" charset="0"/>
+                <a:ea typeface="Calibri" panose="020F0502020204030204" pitchFamily="34" charset="0"/>
+                <a:cs typeface="Times New Roman" panose="02020603050405020304" pitchFamily="18" charset="0"/>
+              </a:rPr>
+              <a:t>What are the benefits of these two deployment methods?</a:t>
+            </a:r>
+          </a:p>
+          <a:p>
+            <a:pPr marL="0" marR="0" algn="just">
+              <a:lnSpc>
+                <a:spcPct val="107000"/>
+              </a:lnSpc>
+              <a:spcBef>
+                <a:spcPts val="0"/>
+              </a:spcBef>
+              <a:spcAft>
+                <a:spcPts val="800"/>
+              </a:spcAft>
+              <a:tabLst>
+                <a:tab pos="1333500" algn="l"/>
+              </a:tabLst>
+            </a:pPr>
+            <a:r>
+              <a:rPr lang="en-US" sz="1800" b="1" dirty="0">
+                <a:effectLst/>
+                <a:latin typeface="Calibri" panose="020F0502020204030204" pitchFamily="34" charset="0"/>
+                <a:ea typeface="Calibri" panose="020F0502020204030204" pitchFamily="34" charset="0"/>
+                <a:cs typeface="Times New Roman" panose="02020603050405020304" pitchFamily="18" charset="0"/>
+              </a:rPr>
+              <a:t>Pros of a self-contained deployment</a:t>
+            </a:r>
             <a:endParaRPr lang="en-US" sz="1800" dirty="0">
               <a:effectLst/>
               <a:latin typeface="Calibri" panose="020F0502020204030204" pitchFamily="34" charset="0"/>
               <a:ea typeface="Calibri" panose="020F0502020204030204" pitchFamily="34" charset="0"/>
               <a:cs typeface="Times New Roman" panose="02020603050405020304" pitchFamily="18" charset="0"/>
             </a:endParaRPr>
+          </a:p>
+          <a:p>
+            <a:pPr marL="342900" marR="0" lvl="0" indent="-342900" algn="just">
+              <a:lnSpc>
+                <a:spcPct val="107000"/>
+              </a:lnSpc>
+              <a:spcBef>
+                <a:spcPts val="0"/>
+              </a:spcBef>
+              <a:spcAft>
+                <a:spcPts val="0"/>
+              </a:spcAft>
+              <a:buFont typeface="Symbol" panose="05050102010706020507" pitchFamily="18" charset="2"/>
+              <a:buChar char=""/>
+              <a:tabLst>
+                <a:tab pos="1333500" algn="l"/>
+              </a:tabLst>
+            </a:pPr>
+            <a:r>
+              <a:rPr lang="en-US" sz="1800" dirty="0">
+                <a:effectLst/>
+                <a:latin typeface="Calibri" panose="020F0502020204030204" pitchFamily="34" charset="0"/>
+                <a:ea typeface="Calibri" panose="020F0502020204030204" pitchFamily="34" charset="0"/>
+                <a:cs typeface="Times New Roman" panose="02020603050405020304" pitchFamily="18" charset="0"/>
+              </a:rPr>
+              <a:t>Control the exact version of .NET Core used at runtime.</a:t>
+            </a:r>
+          </a:p>
+          <a:p>
+            <a:pPr marL="342900" marR="0" lvl="0" indent="-342900" algn="just">
+              <a:lnSpc>
+                <a:spcPct val="107000"/>
+              </a:lnSpc>
+              <a:spcBef>
+                <a:spcPts val="0"/>
+              </a:spcBef>
+              <a:spcAft>
+                <a:spcPts val="0"/>
+              </a:spcAft>
+              <a:buFont typeface="Symbol" panose="05050102010706020507" pitchFamily="18" charset="2"/>
+              <a:buChar char=""/>
+              <a:tabLst>
+                <a:tab pos="1333500" algn="l"/>
+              </a:tabLst>
+            </a:pPr>
+            <a:r>
+              <a:rPr lang="en-US" sz="1800" dirty="0">
+                <a:effectLst/>
+                <a:latin typeface="Calibri" panose="020F0502020204030204" pitchFamily="34" charset="0"/>
+                <a:ea typeface="Calibri" panose="020F0502020204030204" pitchFamily="34" charset="0"/>
+                <a:cs typeface="Times New Roman" panose="02020603050405020304" pitchFamily="18" charset="0"/>
+              </a:rPr>
+              <a:t>Increase reliability by controlling when to upgrade each individual application.</a:t>
+            </a:r>
+          </a:p>
+          <a:p>
+            <a:pPr marL="342900" marR="0" lvl="0" indent="-342900" algn="just">
+              <a:lnSpc>
+                <a:spcPct val="107000"/>
+              </a:lnSpc>
+              <a:spcBef>
+                <a:spcPts val="0"/>
+              </a:spcBef>
+              <a:spcAft>
+                <a:spcPts val="800"/>
+              </a:spcAft>
+              <a:buFont typeface="Symbol" panose="05050102010706020507" pitchFamily="18" charset="2"/>
+              <a:buChar char=""/>
+              <a:tabLst>
+                <a:tab pos="1333500" algn="l"/>
+              </a:tabLst>
+            </a:pPr>
+            <a:r>
+              <a:rPr lang="en-US" sz="1800" dirty="0">
+                <a:effectLst/>
+                <a:latin typeface="Calibri" panose="020F0502020204030204" pitchFamily="34" charset="0"/>
+                <a:ea typeface="Calibri" panose="020F0502020204030204" pitchFamily="34" charset="0"/>
+                <a:cs typeface="Times New Roman" panose="02020603050405020304" pitchFamily="18" charset="0"/>
+              </a:rPr>
+              <a:t>Upgrade different applications at different times.</a:t>
+            </a:r>
+          </a:p>
+          <a:p>
+            <a:pPr marL="0" marR="0" algn="just">
+              <a:lnSpc>
+                <a:spcPct val="107000"/>
+              </a:lnSpc>
+              <a:spcBef>
+                <a:spcPts val="0"/>
+              </a:spcBef>
+              <a:spcAft>
+                <a:spcPts val="800"/>
+              </a:spcAft>
+              <a:tabLst>
+                <a:tab pos="1333500" algn="l"/>
+              </a:tabLst>
+            </a:pPr>
+            <a:r>
+              <a:rPr lang="en-US" sz="1800" b="1" dirty="0">
+                <a:effectLst/>
+                <a:latin typeface="Calibri" panose="020F0502020204030204" pitchFamily="34" charset="0"/>
+                <a:ea typeface="Calibri" panose="020F0502020204030204" pitchFamily="34" charset="0"/>
+                <a:cs typeface="Times New Roman" panose="02020603050405020304" pitchFamily="18" charset="0"/>
+              </a:rPr>
+              <a:t>Pros of a framework-dependent deployment</a:t>
+            </a:r>
+            <a:endParaRPr lang="en-US" sz="1800" dirty="0">
+              <a:effectLst/>
+              <a:latin typeface="Calibri" panose="020F0502020204030204" pitchFamily="34" charset="0"/>
+              <a:ea typeface="Calibri" panose="020F0502020204030204" pitchFamily="34" charset="0"/>
+              <a:cs typeface="Times New Roman" panose="02020603050405020304" pitchFamily="18" charset="0"/>
+            </a:endParaRPr>
+          </a:p>
+          <a:p>
+            <a:pPr marL="342900" marR="0" lvl="0" indent="-342900" algn="just">
+              <a:lnSpc>
+                <a:spcPct val="107000"/>
+              </a:lnSpc>
+              <a:spcBef>
+                <a:spcPts val="0"/>
+              </a:spcBef>
+              <a:spcAft>
+                <a:spcPts val="0"/>
+              </a:spcAft>
+              <a:buFont typeface="Symbol" panose="05050102010706020507" pitchFamily="18" charset="2"/>
+              <a:buChar char=""/>
+              <a:tabLst>
+                <a:tab pos="1333500" algn="l"/>
+              </a:tabLst>
+            </a:pPr>
+            <a:r>
+              <a:rPr lang="en-US" sz="1800" dirty="0">
+                <a:effectLst/>
+                <a:latin typeface="Calibri" panose="020F0502020204030204" pitchFamily="34" charset="0"/>
+                <a:ea typeface="Calibri" panose="020F0502020204030204" pitchFamily="34" charset="0"/>
+                <a:cs typeface="Times New Roman" panose="02020603050405020304" pitchFamily="18" charset="0"/>
+              </a:rPr>
+              <a:t>Smaller size of the deployment</a:t>
+            </a:r>
+          </a:p>
+          <a:p>
+            <a:pPr marL="342900" marR="0" lvl="0" indent="-342900" algn="just">
+              <a:lnSpc>
+                <a:spcPct val="107000"/>
+              </a:lnSpc>
+              <a:spcBef>
+                <a:spcPts val="0"/>
+              </a:spcBef>
+              <a:spcAft>
+                <a:spcPts val="0"/>
+              </a:spcAft>
+              <a:buFont typeface="Symbol" panose="05050102010706020507" pitchFamily="18" charset="2"/>
+              <a:buChar char=""/>
+              <a:tabLst>
+                <a:tab pos="1333500" algn="l"/>
+              </a:tabLst>
+            </a:pPr>
+            <a:r>
+              <a:rPr lang="en-US" sz="1800" dirty="0">
+                <a:effectLst/>
+                <a:latin typeface="Calibri" panose="020F0502020204030204" pitchFamily="34" charset="0"/>
+                <a:ea typeface="Calibri" panose="020F0502020204030204" pitchFamily="34" charset="0"/>
+                <a:cs typeface="Times New Roman" panose="02020603050405020304" pitchFamily="18" charset="0"/>
+              </a:rPr>
+              <a:t>Lower disk and memory usage</a:t>
+            </a:r>
+          </a:p>
+          <a:p>
+            <a:pPr marL="342900" marR="0" lvl="0" indent="-342900" algn="just">
+              <a:lnSpc>
+                <a:spcPct val="107000"/>
+              </a:lnSpc>
+              <a:spcBef>
+                <a:spcPts val="0"/>
+              </a:spcBef>
+              <a:spcAft>
+                <a:spcPts val="800"/>
+              </a:spcAft>
+              <a:buFont typeface="Symbol" panose="05050102010706020507" pitchFamily="18" charset="2"/>
+              <a:buChar char=""/>
+              <a:tabLst>
+                <a:tab pos="1333500" algn="l"/>
+              </a:tabLst>
+            </a:pPr>
+            <a:r>
+              <a:rPr lang="en-US" sz="1800" dirty="0">
+                <a:effectLst/>
+                <a:latin typeface="Calibri" panose="020F0502020204030204" pitchFamily="34" charset="0"/>
+                <a:ea typeface="Calibri" panose="020F0502020204030204" pitchFamily="34" charset="0"/>
+                <a:cs typeface="Times New Roman" panose="02020603050405020304" pitchFamily="18" charset="0"/>
+              </a:rPr>
+              <a:t>Get security patches, and bug fixes by later releases without recompiling and republishing the application.</a:t>
+            </a:r>
           </a:p>
         </p:txBody>
       </p:sp>
@@ -2667,7 +2594,207 @@
           <a:p>
             <a:fld id="{D18B56EA-E28F-4F92-9F16-7A6F2501B303}" type="datetime8">
               <a:rPr lang="en-US" smtClean="0"/>
-              <a:t>1/27/2021 5:45 PM</a:t>
+              <a:t>2/3/2021 8:41 PM</a:t>
+            </a:fld>
+            <a:endParaRPr lang="en-US" dirty="0"/>
+          </a:p>
+        </p:txBody>
+      </p:sp>
+      <p:sp>
+        <p:nvSpPr>
+          <p:cNvPr id="7" name="Slide Number Placeholder 6"/>
+          <p:cNvSpPr>
+            <a:spLocks noGrp="1"/>
+          </p:cNvSpPr>
+          <p:nvPr>
+            <p:ph type="sldNum" sz="quarter" idx="5"/>
+          </p:nvPr>
+        </p:nvSpPr>
+        <p:spPr/>
+        <p:txBody>
+          <a:bodyPr/>
+          <a:lstStyle/>
+          <a:p>
+            <a:fld id="{B4008EB6-D09E-4580-8CD6-DDB14511944F}" type="slidenum">
+              <a:rPr lang="en-US" smtClean="0"/>
+              <a:pPr/>
+              <a:t>21</a:t>
+            </a:fld>
+            <a:endParaRPr lang="en-US" dirty="0"/>
+          </a:p>
+        </p:txBody>
+      </p:sp>
+    </p:spTree>
+    <p:extLst>
+      <p:ext uri="{BB962C8B-B14F-4D97-AF65-F5344CB8AC3E}">
+        <p14:creationId xmlns:p14="http://schemas.microsoft.com/office/powerpoint/2010/main" val="2401497892"/>
+      </p:ext>
+    </p:extLst>
+  </p:cSld>
+  <p:clrMapOvr>
+    <a:masterClrMapping/>
+  </p:clrMapOvr>
+</p:notes>
+</file>
+
+<file path=ppt/notesSlides/notesSlide17.xml><?xml version="1.0" encoding="utf-8"?>
+<p:notes xmlns:a="http://schemas.openxmlformats.org/drawingml/2006/main" xmlns:r="http://schemas.openxmlformats.org/officeDocument/2006/relationships" xmlns:p="http://schemas.openxmlformats.org/presentationml/2006/main">
+  <p:cSld>
+    <p:spTree>
+      <p:nvGrpSpPr>
+        <p:cNvPr id="1" name=""/>
+        <p:cNvGrpSpPr/>
+        <p:nvPr/>
+      </p:nvGrpSpPr>
+      <p:grpSpPr>
+        <a:xfrm>
+          <a:off x="0" y="0"/>
+          <a:ext cx="0" cy="0"/>
+          <a:chOff x="0" y="0"/>
+          <a:chExt cx="0" cy="0"/>
+        </a:xfrm>
+      </p:grpSpPr>
+      <p:sp>
+        <p:nvSpPr>
+          <p:cNvPr id="2" name="Slide Image Placeholder 1"/>
+          <p:cNvSpPr>
+            <a:spLocks noGrp="1" noRot="1" noChangeAspect="1"/>
+          </p:cNvSpPr>
+          <p:nvPr>
+            <p:ph type="sldImg"/>
+          </p:nvPr>
+        </p:nvSpPr>
+        <p:spPr/>
+      </p:sp>
+      <p:sp>
+        <p:nvSpPr>
+          <p:cNvPr id="3" name="Notes Placeholder 2"/>
+          <p:cNvSpPr>
+            <a:spLocks noGrp="1"/>
+          </p:cNvSpPr>
+          <p:nvPr>
+            <p:ph type="body" idx="1"/>
+          </p:nvPr>
+        </p:nvSpPr>
+        <p:spPr/>
+        <p:txBody>
+          <a:bodyPr/>
+          <a:lstStyle/>
+          <a:p>
+            <a:pPr marL="0" marR="0" algn="just">
+              <a:lnSpc>
+                <a:spcPct val="107000"/>
+              </a:lnSpc>
+              <a:spcBef>
+                <a:spcPts val="0"/>
+              </a:spcBef>
+              <a:spcAft>
+                <a:spcPts val="800"/>
+              </a:spcAft>
+              <a:tabLst>
+                <a:tab pos="1333500" algn="l"/>
+              </a:tabLst>
+            </a:pPr>
+            <a:endParaRPr lang="en-US" sz="1800" dirty="0">
+              <a:effectLst/>
+              <a:latin typeface="Calibri" panose="020F0502020204030204" pitchFamily="34" charset="0"/>
+              <a:ea typeface="Calibri" panose="020F0502020204030204" pitchFamily="34" charset="0"/>
+              <a:cs typeface="Times New Roman" panose="02020603050405020304" pitchFamily="18" charset="0"/>
+            </a:endParaRPr>
+          </a:p>
+        </p:txBody>
+      </p:sp>
+      <p:sp>
+        <p:nvSpPr>
+          <p:cNvPr id="4" name="Header Placeholder 3"/>
+          <p:cNvSpPr>
+            <a:spLocks noGrp="1"/>
+          </p:cNvSpPr>
+          <p:nvPr>
+            <p:ph type="hdr" sz="quarter"/>
+          </p:nvPr>
+        </p:nvSpPr>
+        <p:spPr/>
+        <p:txBody>
+          <a:bodyPr/>
+          <a:lstStyle/>
+          <a:p>
+            <a:endParaRPr lang="en-US" dirty="0"/>
+          </a:p>
+        </p:txBody>
+      </p:sp>
+      <p:sp>
+        <p:nvSpPr>
+          <p:cNvPr id="5" name="Footer Placeholder 4"/>
+          <p:cNvSpPr>
+            <a:spLocks noGrp="1"/>
+          </p:cNvSpPr>
+          <p:nvPr>
+            <p:ph type="ftr" sz="quarter" idx="4"/>
+          </p:nvPr>
+        </p:nvSpPr>
+        <p:spPr/>
+        <p:txBody>
+          <a:bodyPr/>
+          <a:lstStyle/>
+          <a:p>
+            <a:pPr defTabSz="914099" eaLnBrk="0" hangingPunct="0"/>
+            <a:r>
+              <a:rPr lang="en-US" sz="400">
+                <a:gradFill>
+                  <a:gsLst>
+                    <a:gs pos="0">
+                      <a:prstClr val="black"/>
+                    </a:gs>
+                    <a:gs pos="100000">
+                      <a:prstClr val="black"/>
+                    </a:gs>
+                  </a:gsLst>
+                  <a:lin ang="5400000" scaled="0"/>
+                </a:gradFill>
+                <a:latin typeface="Segoe UI" pitchFamily="34" charset="0"/>
+                <a:ea typeface="Segoe UI" pitchFamily="34" charset="0"/>
+                <a:cs typeface="Segoe UI" pitchFamily="34" charset="0"/>
+              </a:rPr>
+              <a:t>© Microsoft Corporation. All rights reserved. MICROSOFT MAKES NO WARRANTIES, EXPRESS, IMPLIED OR STATUTORY, AS TO THE INFORMATION IN THIS PRESENTATION.</a:t>
+            </a:r>
+            <a:endParaRPr lang="en-US" sz="400" dirty="0">
+              <a:gradFill>
+                <a:gsLst>
+                  <a:gs pos="0">
+                    <a:prstClr val="black"/>
+                  </a:gs>
+                  <a:gs pos="100000">
+                    <a:prstClr val="black"/>
+                  </a:gs>
+                </a:gsLst>
+                <a:lin ang="5400000" scaled="0"/>
+              </a:gradFill>
+              <a:latin typeface="Segoe UI" pitchFamily="34" charset="0"/>
+              <a:ea typeface="Segoe UI" pitchFamily="34" charset="0"/>
+              <a:cs typeface="Segoe UI" pitchFamily="34" charset="0"/>
+            </a:endParaRPr>
+          </a:p>
+        </p:txBody>
+      </p:sp>
+      <p:sp>
+        <p:nvSpPr>
+          <p:cNvPr id="6" name="Date Placeholder 5"/>
+          <p:cNvSpPr>
+            <a:spLocks noGrp="1"/>
+          </p:cNvSpPr>
+          <p:nvPr>
+            <p:ph type="dt" idx="1"/>
+          </p:nvPr>
+        </p:nvSpPr>
+        <p:spPr/>
+        <p:txBody>
+          <a:bodyPr/>
+          <a:lstStyle/>
+          <a:p>
+            <a:fld id="{D18B56EA-E28F-4F92-9F16-7A6F2501B303}" type="datetime8">
+              <a:rPr lang="en-US" smtClean="0"/>
+              <a:t>2/3/2021 8:41 PM</a:t>
             </a:fld>
             <a:endParaRPr lang="en-US" dirty="0"/>
           </a:p>
@@ -3280,7 +3407,7 @@
           <a:p>
             <a:fld id="{D18B56EA-E28F-4F92-9F16-7A6F2501B303}" type="datetime8">
               <a:rPr lang="en-US" smtClean="0"/>
-              <a:t>1/27/2021 5:43 PM</a:t>
+              <a:t>2/3/2021 8:41 PM</a:t>
             </a:fld>
             <a:endParaRPr lang="en-US" dirty="0"/>
           </a:p>
@@ -3645,7 +3772,7 @@
           <a:p>
             <a:fld id="{D18B56EA-E28F-4F92-9F16-7A6F2501B303}" type="datetime8">
               <a:rPr lang="en-US" smtClean="0"/>
-              <a:t>1/27/2021 5:43 PM</a:t>
+              <a:t>2/3/2021 8:41 PM</a:t>
             </a:fld>
             <a:endParaRPr lang="en-US" dirty="0"/>
           </a:p>
@@ -4235,7 +4362,7 @@
           <a:p>
             <a:fld id="{D18B56EA-E28F-4F92-9F16-7A6F2501B303}" type="datetime8">
               <a:rPr lang="en-US" smtClean="0"/>
-              <a:t>1/27/2021 5:43 PM</a:t>
+              <a:t>2/3/2021 8:41 PM</a:t>
             </a:fld>
             <a:endParaRPr lang="en-US" dirty="0"/>
           </a:p>
@@ -4714,7 +4841,7 @@
           <a:p>
             <a:fld id="{D18B56EA-E28F-4F92-9F16-7A6F2501B303}" type="datetime8">
               <a:rPr lang="en-US" smtClean="0"/>
-              <a:t>1/27/2021 5:43 PM</a:t>
+              <a:t>2/3/2021 8:41 PM</a:t>
             </a:fld>
             <a:endParaRPr lang="en-US" dirty="0"/>
           </a:p>
@@ -4942,7 +5069,7 @@
           <a:p>
             <a:fld id="{D18B56EA-E28F-4F92-9F16-7A6F2501B303}" type="datetime8">
               <a:rPr lang="en-US" smtClean="0"/>
-              <a:t>1/27/2021 5:43 PM</a:t>
+              <a:t>2/3/2021 8:41 PM</a:t>
             </a:fld>
             <a:endParaRPr lang="en-US" dirty="0"/>
           </a:p>
@@ -5213,7 +5340,7 @@
           <a:p>
             <a:fld id="{D18B56EA-E28F-4F92-9F16-7A6F2501B303}" type="datetime8">
               <a:rPr lang="en-US" smtClean="0"/>
-              <a:t>1/27/2021 5:43 PM</a:t>
+              <a:t>2/3/2021 8:41 PM</a:t>
             </a:fld>
             <a:endParaRPr lang="en-US" dirty="0"/>
           </a:p>
@@ -5628,7 +5755,7 @@
           <a:p>
             <a:fld id="{D18B56EA-E28F-4F92-9F16-7A6F2501B303}" type="datetime8">
               <a:rPr lang="en-US" smtClean="0"/>
-              <a:t>1/27/2021 5:43 PM</a:t>
+              <a:t>2/3/2021 8:41 PM</a:t>
             </a:fld>
             <a:endParaRPr lang="en-US" dirty="0"/>
           </a:p>
@@ -5809,7 +5936,7 @@
           <a:p>
             <a:fld id="{D18B56EA-E28F-4F92-9F16-7A6F2501B303}" type="datetime8">
               <a:rPr lang="en-US" smtClean="0"/>
-              <a:t>1/27/2021 5:43 PM</a:t>
+              <a:t>2/3/2021 8:41 PM</a:t>
             </a:fld>
             <a:endParaRPr lang="en-US" dirty="0"/>
           </a:p>
@@ -6826,7 +6953,7 @@
           <a:p>
             <a:fld id="{0AE94EDD-D22A-4702-AFE1-732A7AD641D0}" type="datetimeFigureOut">
               <a:rPr lang="en-US" smtClean="0"/>
-              <a:t>1/27/2021</a:t>
+              <a:t>2/3/2021</a:t>
             </a:fld>
             <a:endParaRPr lang="en-US"/>
           </a:p>
@@ -14744,7 +14871,7 @@
           <a:p>
             <a:fld id="{0AE94EDD-D22A-4702-AFE1-732A7AD641D0}" type="datetimeFigureOut">
               <a:rPr lang="en-US" smtClean="0"/>
-              <a:t>1/27/2021</a:t>
+              <a:t>2/3/2021</a:t>
             </a:fld>
             <a:endParaRPr lang="en-US"/>
           </a:p>

--- a/Codegen 2021/GettingStartedWithASPNETCore.Documents/Getting started with ASP.NET Core.pptx
+++ b/Codegen 2021/GettingStartedWithASPNETCore.Documents/Getting started with ASP.NET Core.pptx
@@ -13,13 +13,13 @@
     <p:sldId id="328" r:id="rId4"/>
     <p:sldId id="329" r:id="rId5"/>
     <p:sldId id="309" r:id="rId6"/>
-    <p:sldId id="311" r:id="rId7"/>
-    <p:sldId id="330" r:id="rId8"/>
-    <p:sldId id="318" r:id="rId9"/>
-    <p:sldId id="319" r:id="rId10"/>
-    <p:sldId id="310" r:id="rId11"/>
-    <p:sldId id="331" r:id="rId12"/>
-    <p:sldId id="332" r:id="rId13"/>
+    <p:sldId id="319" r:id="rId7"/>
+    <p:sldId id="311" r:id="rId8"/>
+    <p:sldId id="330" r:id="rId9"/>
+    <p:sldId id="332" r:id="rId10"/>
+    <p:sldId id="318" r:id="rId11"/>
+    <p:sldId id="310" r:id="rId12"/>
+    <p:sldId id="331" r:id="rId13"/>
     <p:sldId id="322" r:id="rId14"/>
     <p:sldId id="315" r:id="rId15"/>
     <p:sldId id="321" r:id="rId16"/>
@@ -221,7 +221,7 @@
           <a:p>
             <a:fld id="{D62C66B6-8005-43F3-9A3A-43C51FF373BB}" type="datetimeFigureOut">
               <a:rPr lang="en-US" smtClean="0"/>
-              <a:t>2/3/2021</a:t>
+              <a:t>2/4/2021</a:t>
             </a:fld>
             <a:endParaRPr lang="en-US"/>
           </a:p>
@@ -532,303 +532,36 @@
           <a:bodyPr/>
           <a:lstStyle/>
           <a:p>
-            <a:pPr marL="0" marR="0">
-              <a:lnSpc>
-                <a:spcPct val="107000"/>
-              </a:lnSpc>
-              <a:spcBef>
-                <a:spcPts val="0"/>
-              </a:spcBef>
-              <a:spcAft>
-                <a:spcPts val="800"/>
-              </a:spcAft>
-            </a:pPr>
-            <a:r>
-              <a:rPr lang="en-US" sz="1200" dirty="0">
-                <a:effectLst/>
-                <a:latin typeface="Calibri" panose="020F0502020204030204" pitchFamily="34" charset="0"/>
-                <a:ea typeface="Calibri" panose="020F0502020204030204" pitchFamily="34" charset="0"/>
-                <a:cs typeface="Times New Roman" panose="02020603050405020304" pitchFamily="18" charset="0"/>
-              </a:rPr>
-              <a:t>.NET is a platform developed by Microsoft, and thanks to its many implementations allows developers to create web, mobile, desktop, games, and even IoT applications. </a:t>
-            </a:r>
-          </a:p>
-          <a:p>
-            <a:pPr marL="0" marR="0">
-              <a:lnSpc>
-                <a:spcPct val="107000"/>
-              </a:lnSpc>
-              <a:spcBef>
-                <a:spcPts val="0"/>
-              </a:spcBef>
-              <a:spcAft>
-                <a:spcPts val="800"/>
-              </a:spcAft>
-            </a:pPr>
-            <a:r>
-              <a:rPr lang="en-US" sz="1200" dirty="0">
-                <a:effectLst/>
-                <a:latin typeface="Calibri" panose="020F0502020204030204" pitchFamily="34" charset="0"/>
-                <a:ea typeface="Calibri" panose="020F0502020204030204" pitchFamily="34" charset="0"/>
-                <a:cs typeface="Times New Roman" panose="02020603050405020304" pitchFamily="18" charset="0"/>
-              </a:rPr>
-              <a:t>.NET has several implementations:</a:t>
-            </a:r>
-          </a:p>
-          <a:p>
-            <a:pPr marL="342900" marR="0" lvl="0" indent="-342900">
-              <a:lnSpc>
-                <a:spcPct val="107000"/>
-              </a:lnSpc>
-              <a:spcBef>
-                <a:spcPts val="0"/>
-              </a:spcBef>
-              <a:spcAft>
-                <a:spcPts val="800"/>
-              </a:spcAft>
-              <a:buFont typeface="Arial" panose="020B0604020202020204" pitchFamily="34" charset="0"/>
-              <a:buChar char="•"/>
-              <a:tabLst>
-                <a:tab pos="457200" algn="l"/>
-              </a:tabLst>
-            </a:pPr>
-            <a:r>
-              <a:rPr lang="en-US" sz="1200" b="1" dirty="0">
-                <a:effectLst/>
-                <a:latin typeface="Calibri" panose="020F0502020204030204" pitchFamily="34" charset="0"/>
-                <a:ea typeface="Calibri" panose="020F0502020204030204" pitchFamily="34" charset="0"/>
-                <a:cs typeface="Times New Roman" panose="02020603050405020304" pitchFamily="18" charset="0"/>
-              </a:rPr>
-              <a:t>.NET Core</a:t>
-            </a:r>
-            <a:r>
-              <a:rPr lang="en-US" sz="1200" dirty="0">
-                <a:effectLst/>
-                <a:latin typeface="Calibri" panose="020F0502020204030204" pitchFamily="34" charset="0"/>
-                <a:ea typeface="Calibri" panose="020F0502020204030204" pitchFamily="34" charset="0"/>
-                <a:cs typeface="Times New Roman" panose="02020603050405020304" pitchFamily="18" charset="0"/>
-              </a:rPr>
-              <a:t> supports websites, servers, and console apps on Windows, Linux, and macOS (cross-platform implementation capabilities).</a:t>
-            </a:r>
-          </a:p>
-          <a:p>
-            <a:pPr marL="342900" marR="0" lvl="0" indent="-342900">
-              <a:lnSpc>
-                <a:spcPct val="107000"/>
-              </a:lnSpc>
-              <a:spcBef>
-                <a:spcPts val="0"/>
-              </a:spcBef>
-              <a:spcAft>
-                <a:spcPts val="800"/>
-              </a:spcAft>
-              <a:buFont typeface="Arial" panose="020B0604020202020204" pitchFamily="34" charset="0"/>
-              <a:buChar char="•"/>
-              <a:tabLst>
-                <a:tab pos="457200" algn="l"/>
-              </a:tabLst>
-            </a:pPr>
-            <a:r>
-              <a:rPr lang="en-US" sz="1200" b="1" dirty="0">
-                <a:effectLst/>
-                <a:latin typeface="Calibri" panose="020F0502020204030204" pitchFamily="34" charset="0"/>
-                <a:ea typeface="Calibri" panose="020F0502020204030204" pitchFamily="34" charset="0"/>
-                <a:cs typeface="Times New Roman" panose="02020603050405020304" pitchFamily="18" charset="0"/>
-              </a:rPr>
-              <a:t>.NET Framework</a:t>
-            </a:r>
-            <a:r>
-              <a:rPr lang="en-US" sz="1200" dirty="0">
-                <a:effectLst/>
-                <a:latin typeface="Calibri" panose="020F0502020204030204" pitchFamily="34" charset="0"/>
-                <a:ea typeface="Calibri" panose="020F0502020204030204" pitchFamily="34" charset="0"/>
-                <a:cs typeface="Times New Roman" panose="02020603050405020304" pitchFamily="18" charset="0"/>
-              </a:rPr>
-              <a:t> supports websites, services, desktop apps only on Windows.</a:t>
-            </a:r>
-          </a:p>
-          <a:p>
-            <a:pPr marL="342900" marR="0" lvl="0" indent="-342900">
-              <a:lnSpc>
-                <a:spcPct val="107000"/>
-              </a:lnSpc>
-              <a:spcBef>
-                <a:spcPts val="0"/>
-              </a:spcBef>
-              <a:spcAft>
-                <a:spcPts val="800"/>
-              </a:spcAft>
-              <a:buFont typeface="Arial" panose="020B0604020202020204" pitchFamily="34" charset="0"/>
-              <a:buChar char="•"/>
-              <a:tabLst>
-                <a:tab pos="457200" algn="l"/>
-              </a:tabLst>
-            </a:pPr>
-            <a:r>
-              <a:rPr lang="en-US" sz="1200" b="1" dirty="0">
-                <a:effectLst/>
-                <a:latin typeface="Calibri" panose="020F0502020204030204" pitchFamily="34" charset="0"/>
-                <a:ea typeface="Calibri" panose="020F0502020204030204" pitchFamily="34" charset="0"/>
-                <a:cs typeface="Times New Roman" panose="02020603050405020304" pitchFamily="18" charset="0"/>
-              </a:rPr>
-              <a:t>Xamarin</a:t>
-            </a:r>
-            <a:r>
-              <a:rPr lang="en-US" sz="1200" dirty="0">
-                <a:effectLst/>
-                <a:latin typeface="Calibri" panose="020F0502020204030204" pitchFamily="34" charset="0"/>
-                <a:ea typeface="Calibri" panose="020F0502020204030204" pitchFamily="34" charset="0"/>
-                <a:cs typeface="Times New Roman" panose="02020603050405020304" pitchFamily="18" charset="0"/>
-              </a:rPr>
-              <a:t> which is a .NET implementation for mobile development</a:t>
-            </a:r>
-          </a:p>
-          <a:p>
-            <a:pPr marL="0" marR="0">
-              <a:lnSpc>
-                <a:spcPct val="107000"/>
-              </a:lnSpc>
-              <a:spcBef>
-                <a:spcPts val="0"/>
-              </a:spcBef>
-              <a:spcAft>
-                <a:spcPts val="800"/>
-              </a:spcAft>
-            </a:pPr>
-            <a:r>
-              <a:rPr lang="en-US" sz="1200" dirty="0">
-                <a:effectLst/>
-                <a:latin typeface="Calibri" panose="020F0502020204030204" pitchFamily="34" charset="0"/>
-                <a:ea typeface="Calibri" panose="020F0502020204030204" pitchFamily="34" charset="0"/>
-                <a:cs typeface="Times New Roman" panose="02020603050405020304" pitchFamily="18" charset="0"/>
-              </a:rPr>
-              <a:t>.NET supports multiple programming languages like C++, C#, F#, and Visual Basic. This allows developers to use code written in different languages for the same application.</a:t>
-            </a:r>
-          </a:p>
-          <a:p>
-            <a:pPr marL="0" marR="0">
-              <a:lnSpc>
-                <a:spcPct val="107000"/>
-              </a:lnSpc>
-              <a:spcBef>
-                <a:spcPts val="0"/>
-              </a:spcBef>
-              <a:spcAft>
-                <a:spcPts val="800"/>
-              </a:spcAft>
-            </a:pPr>
-            <a:r>
-              <a:rPr lang="en-US" sz="1200" b="1" dirty="0">
-                <a:effectLst/>
-                <a:latin typeface="Calibri" panose="020F0502020204030204" pitchFamily="34" charset="0"/>
-                <a:ea typeface="Calibri" panose="020F0502020204030204" pitchFamily="34" charset="0"/>
-                <a:cs typeface="Times New Roman" panose="02020603050405020304" pitchFamily="18" charset="0"/>
-              </a:rPr>
-              <a:t>Open-source</a:t>
-            </a:r>
-            <a:endParaRPr lang="en-US" sz="1200" dirty="0">
-              <a:effectLst/>
-              <a:latin typeface="Calibri" panose="020F0502020204030204" pitchFamily="34" charset="0"/>
-              <a:ea typeface="Calibri" panose="020F0502020204030204" pitchFamily="34" charset="0"/>
-              <a:cs typeface="Times New Roman" panose="02020603050405020304" pitchFamily="18" charset="0"/>
-            </a:endParaRPr>
-          </a:p>
-          <a:p>
-            <a:pPr marL="0" marR="0">
-              <a:lnSpc>
-                <a:spcPct val="107000"/>
-              </a:lnSpc>
-              <a:spcBef>
-                <a:spcPts val="0"/>
-              </a:spcBef>
-              <a:spcAft>
-                <a:spcPts val="800"/>
-              </a:spcAft>
-            </a:pPr>
-            <a:r>
-              <a:rPr lang="en-US" sz="1200" dirty="0">
-                <a:effectLst/>
-                <a:latin typeface="Calibri" panose="020F0502020204030204" pitchFamily="34" charset="0"/>
-                <a:ea typeface="Calibri" panose="020F0502020204030204" pitchFamily="34" charset="0"/>
-                <a:cs typeface="Times New Roman" panose="02020603050405020304" pitchFamily="18" charset="0"/>
-              </a:rPr>
-              <a:t>The .NET platform development and collaborations are organized by the .NET Foundation. Currently, over 60,000 developers from over 3,700 companies outside Microsoft are contributing to .NET open source.</a:t>
-            </a:r>
-          </a:p>
-          <a:p>
-            <a:pPr marL="0" marR="0">
-              <a:lnSpc>
-                <a:spcPct val="107000"/>
-              </a:lnSpc>
-              <a:spcBef>
-                <a:spcPts val="0"/>
-              </a:spcBef>
-              <a:spcAft>
-                <a:spcPts val="800"/>
-              </a:spcAft>
-            </a:pPr>
-            <a:r>
-              <a:rPr lang="en-US" sz="1200" b="1" dirty="0">
-                <a:effectLst/>
-                <a:latin typeface="Calibri" panose="020F0502020204030204" pitchFamily="34" charset="0"/>
-                <a:ea typeface="Calibri" panose="020F0502020204030204" pitchFamily="34" charset="0"/>
-                <a:cs typeface="Times New Roman" panose="02020603050405020304" pitchFamily="18" charset="0"/>
-              </a:rPr>
-              <a:t>Companies</a:t>
-            </a:r>
-            <a:endParaRPr lang="en-US" sz="1200" dirty="0">
-              <a:effectLst/>
-              <a:latin typeface="Calibri" panose="020F0502020204030204" pitchFamily="34" charset="0"/>
-              <a:ea typeface="Calibri" panose="020F0502020204030204" pitchFamily="34" charset="0"/>
-              <a:cs typeface="Times New Roman" panose="02020603050405020304" pitchFamily="18" charset="0"/>
-            </a:endParaRPr>
-          </a:p>
-          <a:p>
-            <a:pPr marL="0" marR="0">
-              <a:lnSpc>
-                <a:spcPct val="107000"/>
-              </a:lnSpc>
-              <a:spcBef>
-                <a:spcPts val="0"/>
-              </a:spcBef>
-              <a:spcAft>
-                <a:spcPts val="800"/>
-              </a:spcAft>
-            </a:pPr>
-            <a:r>
-              <a:rPr lang="en-US" sz="1200" dirty="0">
-                <a:effectLst/>
-                <a:latin typeface="Calibri" panose="020F0502020204030204" pitchFamily="34" charset="0"/>
-                <a:ea typeface="Calibri" panose="020F0502020204030204" pitchFamily="34" charset="0"/>
-                <a:cs typeface="Times New Roman" panose="02020603050405020304" pitchFamily="18" charset="0"/>
-              </a:rPr>
-              <a:t>.NET is currently used by companies like Stack Overflow, UPS, GoDaddy, and many more. </a:t>
-            </a:r>
-          </a:p>
-          <a:p>
-            <a:pPr marL="0" marR="0">
-              <a:lnSpc>
-                <a:spcPct val="107000"/>
-              </a:lnSpc>
-              <a:spcBef>
-                <a:spcPts val="0"/>
-              </a:spcBef>
-              <a:spcAft>
-                <a:spcPts val="800"/>
-              </a:spcAft>
-            </a:pPr>
-            <a:r>
-              <a:rPr lang="en-US" sz="1200" dirty="0">
-                <a:effectLst/>
-                <a:latin typeface="Calibri" panose="020F0502020204030204" pitchFamily="34" charset="0"/>
-                <a:ea typeface="Calibri" panose="020F0502020204030204" pitchFamily="34" charset="0"/>
-                <a:cs typeface="Times New Roman" panose="02020603050405020304" pitchFamily="18" charset="0"/>
-              </a:rPr>
-              <a:t>Stack Overflow serves 5.3M page views a day on just 9 servers.</a:t>
+            <a:r>
+              <a:rPr lang="en-US" dirty="0"/>
+              <a:t>Hello everyone, welcome to </a:t>
+            </a:r>
+            <a:r>
+              <a:rPr lang="en-US" dirty="0" err="1"/>
+              <a:t>CloudGen</a:t>
+            </a:r>
+            <a:r>
+              <a:rPr lang="en-US" dirty="0"/>
+              <a:t> 2021.</a:t>
             </a:r>
           </a:p>
           <a:p>
             <a:endParaRPr lang="en-US" dirty="0"/>
+          </a:p>
+          <a:p>
+            <a:r>
+              <a:rPr lang="en-US" dirty="0"/>
+              <a:t>I bet that this is a new way to attend to tech convention. Hopefully in 2022 we will be able to do in person.</a:t>
+            </a:r>
+          </a:p>
+          <a:p>
+            <a:endParaRPr lang="en-US" dirty="0"/>
+          </a:p>
+          <a:p>
+            <a:r>
+              <a:rPr lang="en-US" dirty="0"/>
+              <a:t>Anyway, today I’m going to talk about .NET core both in theory and I prepared some demos as well.</a:t>
+            </a:r>
           </a:p>
         </p:txBody>
       </p:sp>
@@ -849,7 +582,7 @@
           <a:p>
             <a:fld id="{F3A82D5B-3CB3-42EA-B4C3-3CE82A6E669A}" type="slidenum">
               <a:rPr lang="en-US" smtClean="0"/>
-              <a:t>4</a:t>
+              <a:t>1</a:t>
             </a:fld>
             <a:endParaRPr lang="en-US"/>
           </a:p>
@@ -858,7 +591,7 @@
     </p:spTree>
     <p:extLst>
       <p:ext uri="{BB962C8B-B14F-4D97-AF65-F5344CB8AC3E}">
-        <p14:creationId xmlns:p14="http://schemas.microsoft.com/office/powerpoint/2010/main" val="2291161802"/>
+        <p14:creationId xmlns:p14="http://schemas.microsoft.com/office/powerpoint/2010/main" val="1894608528"/>
       </p:ext>
     </p:extLst>
   </p:cSld>
@@ -933,7 +666,32 @@
                 <a:ea typeface="Calibri" panose="020F0502020204030204" pitchFamily="34" charset="0"/>
                 <a:cs typeface="Times New Roman" panose="02020603050405020304" pitchFamily="18" charset="0"/>
               </a:rPr>
-              <a:t>Because the only component exposed to the internet is the reverse-proxy, the underlining web servers are hidden to the client. This results in an improvement of the security and performances as well as decoupling the application from the underlining operative system.</a:t>
+              <a:t>Starting with ASP.NET Core 2.1 Microsoft stopped supporting ASP.NET Core on .NET Framework.</a:t>
+            </a:r>
+          </a:p>
+          <a:p>
+            <a:pPr marL="0" marR="0" algn="just">
+              <a:lnSpc>
+                <a:spcPct val="107000"/>
+              </a:lnSpc>
+              <a:spcBef>
+                <a:spcPts val="0"/>
+              </a:spcBef>
+              <a:spcAft>
+                <a:spcPts val="800"/>
+              </a:spcAft>
+              <a:tabLst>
+                <a:tab pos="1333500" algn="l"/>
+              </a:tabLst>
+            </a:pPr>
+            <a:r>
+              <a:rPr lang="en-US" sz="1800" dirty="0">
+                <a:effectLst/>
+                <a:latin typeface="Calibri" panose="020F0502020204030204" pitchFamily="34" charset="0"/>
+                <a:ea typeface="Calibri" panose="020F0502020204030204" pitchFamily="34" charset="0"/>
+                <a:cs typeface="Times New Roman" panose="02020603050405020304" pitchFamily="18" charset="0"/>
+              </a:rPr>
+              <a:t>However, ASP.NET Core 2.1 LTS will enjoy the same indefinite level of support as the rest of the .NET Framework.  </a:t>
             </a:r>
           </a:p>
         </p:txBody>
@@ -1028,7 +786,7 @@
           <a:p>
             <a:fld id="{D18B56EA-E28F-4F92-9F16-7A6F2501B303}" type="datetime8">
               <a:rPr lang="en-US" smtClean="0"/>
-              <a:t>2/3/2021 8:41 PM</a:t>
+              <a:t>2/4/2021 8:00 PM</a:t>
             </a:fld>
             <a:endParaRPr lang="en-US" dirty="0"/>
           </a:p>
@@ -1052,7 +810,7 @@
             <a:fld id="{B4008EB6-D09E-4580-8CD6-DDB14511944F}" type="slidenum">
               <a:rPr lang="en-US" smtClean="0"/>
               <a:pPr/>
-              <a:t>15</a:t>
+              <a:t>11</a:t>
             </a:fld>
             <a:endParaRPr lang="en-US" dirty="0"/>
           </a:p>
@@ -1061,7 +819,7 @@
     </p:spTree>
     <p:extLst>
       <p:ext uri="{BB962C8B-B14F-4D97-AF65-F5344CB8AC3E}">
-        <p14:creationId xmlns:p14="http://schemas.microsoft.com/office/powerpoint/2010/main" val="366231179"/>
+        <p14:creationId xmlns:p14="http://schemas.microsoft.com/office/powerpoint/2010/main" val="1773132112"/>
       </p:ext>
     </p:extLst>
   </p:cSld>
@@ -1136,7 +894,75 @@
                 <a:ea typeface="Calibri" panose="020F0502020204030204" pitchFamily="34" charset="0"/>
                 <a:cs typeface="Times New Roman" panose="02020603050405020304" pitchFamily="18" charset="0"/>
               </a:rPr>
-              <a:t>It is important to understand that Middleware can only use objects that are created by previous middleware in the pipeline. For example, you can perform authorization only after the authorization middleware. </a:t>
+              <a:t>The .NET platform was originally forked to fit the needs of single platforms. Each implementation had its own base class libraries.</a:t>
+            </a:r>
+          </a:p>
+          <a:p>
+            <a:pPr marL="0" marR="0" algn="just">
+              <a:lnSpc>
+                <a:spcPct val="107000"/>
+              </a:lnSpc>
+              <a:spcBef>
+                <a:spcPts val="0"/>
+              </a:spcBef>
+              <a:spcAft>
+                <a:spcPts val="800"/>
+              </a:spcAft>
+              <a:tabLst>
+                <a:tab pos="1333500" algn="l"/>
+              </a:tabLst>
+            </a:pPr>
+            <a:r>
+              <a:rPr lang="en-US" sz="1800" dirty="0">
+                <a:effectLst/>
+                <a:latin typeface="Calibri" panose="020F0502020204030204" pitchFamily="34" charset="0"/>
+                <a:ea typeface="Calibri" panose="020F0502020204030204" pitchFamily="34" charset="0"/>
+                <a:cs typeface="Times New Roman" panose="02020603050405020304" pitchFamily="18" charset="0"/>
+              </a:rPr>
+              <a:t>This lack of a unified class library made hard for developers to share code between multiple .NET implementations. </a:t>
+            </a:r>
+          </a:p>
+          <a:p>
+            <a:pPr marL="0" marR="0" algn="just">
+              <a:lnSpc>
+                <a:spcPct val="107000"/>
+              </a:lnSpc>
+              <a:spcBef>
+                <a:spcPts val="0"/>
+              </a:spcBef>
+              <a:spcAft>
+                <a:spcPts val="800"/>
+              </a:spcAft>
+              <a:tabLst>
+                <a:tab pos="1333500" algn="l"/>
+              </a:tabLst>
+            </a:pPr>
+            <a:r>
+              <a:rPr lang="en-US" sz="1800" dirty="0">
+                <a:effectLst/>
+                <a:latin typeface="Calibri" panose="020F0502020204030204" pitchFamily="34" charset="0"/>
+                <a:ea typeface="Calibri" panose="020F0502020204030204" pitchFamily="34" charset="0"/>
+                <a:cs typeface="Times New Roman" panose="02020603050405020304" pitchFamily="18" charset="0"/>
+              </a:rPr>
+              <a:t>.NET standard solved the code sharing problem by defining a </a:t>
+            </a:r>
+            <a:r>
+              <a:rPr lang="en-US" sz="1800" b="1" dirty="0">
+                <a:effectLst/>
+                <a:latin typeface="Calibri" panose="020F0502020204030204" pitchFamily="34" charset="0"/>
+                <a:ea typeface="Calibri" panose="020F0502020204030204" pitchFamily="34" charset="0"/>
+                <a:cs typeface="Times New Roman" panose="02020603050405020304" pitchFamily="18" charset="0"/>
+              </a:rPr>
+              <a:t>uniform set of Base Class Libraries (BCL) available to all .NET </a:t>
+            </a:r>
+            <a:r>
+              <a:rPr lang="en-US" sz="1800" dirty="0">
+                <a:effectLst/>
+                <a:latin typeface="Calibri" panose="020F0502020204030204" pitchFamily="34" charset="0"/>
+                <a:ea typeface="Calibri" panose="020F0502020204030204" pitchFamily="34" charset="0"/>
+                <a:cs typeface="Times New Roman" panose="02020603050405020304" pitchFamily="18" charset="0"/>
+              </a:rPr>
+              <a:t>implementations independent of the workload.</a:t>
             </a:r>
           </a:p>
         </p:txBody>
@@ -1231,7 +1057,7 @@
           <a:p>
             <a:fld id="{D18B56EA-E28F-4F92-9F16-7A6F2501B303}" type="datetime8">
               <a:rPr lang="en-US" smtClean="0"/>
-              <a:t>2/3/2021 8:41 PM</a:t>
+              <a:t>2/4/2021 8:00 PM</a:t>
             </a:fld>
             <a:endParaRPr lang="en-US" dirty="0"/>
           </a:p>
@@ -1255,7 +1081,7 @@
             <a:fld id="{B4008EB6-D09E-4580-8CD6-DDB14511944F}" type="slidenum">
               <a:rPr lang="en-US" smtClean="0"/>
               <a:pPr/>
-              <a:t>16</a:t>
+              <a:t>12</a:t>
             </a:fld>
             <a:endParaRPr lang="en-US" dirty="0"/>
           </a:p>
@@ -1264,7 +1090,7 @@
     </p:spTree>
     <p:extLst>
       <p:ext uri="{BB962C8B-B14F-4D97-AF65-F5344CB8AC3E}">
-        <p14:creationId xmlns:p14="http://schemas.microsoft.com/office/powerpoint/2010/main" val="230612697"/>
+        <p14:creationId xmlns:p14="http://schemas.microsoft.com/office/powerpoint/2010/main" val="2733836830"/>
       </p:ext>
     </p:extLst>
   </p:cSld>
@@ -1324,7 +1150,103 @@
       </p:sp>
       <p:sp>
         <p:nvSpPr>
-          <p:cNvPr id="4" name="Slide Number Placeholder 3"/>
+          <p:cNvPr id="4" name="Header Placeholder 3"/>
+          <p:cNvSpPr>
+            <a:spLocks noGrp="1"/>
+          </p:cNvSpPr>
+          <p:nvPr>
+            <p:ph type="hdr" sz="quarter"/>
+          </p:nvPr>
+        </p:nvSpPr>
+        <p:spPr/>
+        <p:txBody>
+          <a:bodyPr/>
+          <a:lstStyle/>
+          <a:p>
+            <a:endParaRPr lang="en-US" dirty="0"/>
+          </a:p>
+        </p:txBody>
+      </p:sp>
+      <p:sp>
+        <p:nvSpPr>
+          <p:cNvPr id="5" name="Footer Placeholder 4"/>
+          <p:cNvSpPr>
+            <a:spLocks noGrp="1"/>
+          </p:cNvSpPr>
+          <p:nvPr>
+            <p:ph type="ftr" sz="quarter" idx="4"/>
+          </p:nvPr>
+        </p:nvSpPr>
+        <p:spPr/>
+        <p:txBody>
+          <a:bodyPr/>
+          <a:lstStyle/>
+          <a:p>
+            <a:pPr defTabSz="914099" eaLnBrk="0" hangingPunct="0"/>
+            <a:r>
+              <a:rPr lang="en-US" sz="400">
+                <a:gradFill>
+                  <a:gsLst>
+                    <a:gs pos="0">
+                      <a:prstClr val="black"/>
+                    </a:gs>
+                    <a:gs pos="100000">
+                      <a:prstClr val="black"/>
+                    </a:gs>
+                  </a:gsLst>
+                  <a:lin ang="5400000" scaled="0"/>
+                </a:gradFill>
+                <a:latin typeface="Segoe UI" pitchFamily="34" charset="0"/>
+                <a:ea typeface="Segoe UI" pitchFamily="34" charset="0"/>
+                <a:cs typeface="Segoe UI" pitchFamily="34" charset="0"/>
+              </a:rPr>
+              <a:t>© Microsoft Corporation. All rights reserved. MICROSOFT MAKES NO WARRANTIES, EXPRESS, IMPLIED OR STATUTORY, AS TO THE INFORMATION IN THIS PRESENTATION.</a:t>
+            </a:r>
+            <a:endParaRPr lang="en-US" sz="400" dirty="0">
+              <a:gradFill>
+                <a:gsLst>
+                  <a:gs pos="0">
+                    <a:prstClr val="black"/>
+                  </a:gs>
+                  <a:gs pos="100000">
+                    <a:prstClr val="black"/>
+                  </a:gs>
+                </a:gsLst>
+                <a:lin ang="5400000" scaled="0"/>
+              </a:gradFill>
+              <a:latin typeface="Segoe UI" pitchFamily="34" charset="0"/>
+              <a:ea typeface="Segoe UI" pitchFamily="34" charset="0"/>
+              <a:cs typeface="Segoe UI" pitchFamily="34" charset="0"/>
+            </a:endParaRPr>
+          </a:p>
+        </p:txBody>
+      </p:sp>
+      <p:sp>
+        <p:nvSpPr>
+          <p:cNvPr id="6" name="Date Placeholder 5"/>
+          <p:cNvSpPr>
+            <a:spLocks noGrp="1"/>
+          </p:cNvSpPr>
+          <p:nvPr>
+            <p:ph type="dt" idx="1"/>
+          </p:nvPr>
+        </p:nvSpPr>
+        <p:spPr/>
+        <p:txBody>
+          <a:bodyPr/>
+          <a:lstStyle/>
+          <a:p>
+            <a:fld id="{D18B56EA-E28F-4F92-9F16-7A6F2501B303}" type="datetime8">
+              <a:rPr lang="en-US" smtClean="0"/>
+              <a:t>2/4/2021 8:00 PM</a:t>
+            </a:fld>
+            <a:endParaRPr lang="en-US" dirty="0"/>
+          </a:p>
+        </p:txBody>
+      </p:sp>
+      <p:sp>
+        <p:nvSpPr>
+          <p:cNvPr id="7" name="Slide Number Placeholder 6"/>
           <p:cNvSpPr>
             <a:spLocks noGrp="1"/>
           </p:cNvSpPr>
@@ -1337,18 +1259,19 @@
           <a:bodyPr/>
           <a:lstStyle/>
           <a:p>
-            <a:fld id="{F3A82D5B-3CB3-42EA-B4C3-3CE82A6E669A}" type="slidenum">
+            <a:fld id="{B4008EB6-D09E-4580-8CD6-DDB14511944F}" type="slidenum">
               <a:rPr lang="en-US" smtClean="0"/>
-              <a:t>17</a:t>
+              <a:pPr/>
+              <a:t>13</a:t>
             </a:fld>
-            <a:endParaRPr lang="en-US"/>
+            <a:endParaRPr lang="en-US" dirty="0"/>
           </a:p>
         </p:txBody>
       </p:sp>
     </p:spTree>
     <p:extLst>
       <p:ext uri="{BB962C8B-B14F-4D97-AF65-F5344CB8AC3E}">
-        <p14:creationId xmlns:p14="http://schemas.microsoft.com/office/powerpoint/2010/main" val="1211868449"/>
+        <p14:creationId xmlns:p14="http://schemas.microsoft.com/office/powerpoint/2010/main" val="2038571955"/>
       </p:ext>
     </p:extLst>
   </p:cSld>
@@ -1423,47 +1346,7 @@
                 <a:ea typeface="Calibri" panose="020F0502020204030204" pitchFamily="34" charset="0"/>
                 <a:cs typeface="Times New Roman" panose="02020603050405020304" pitchFamily="18" charset="0"/>
               </a:rPr>
-              <a:t>IL Code: Developer Command Prompt for VS 2019 - </a:t>
-            </a:r>
-            <a:r>
-              <a:rPr lang="en-US" sz="1800" dirty="0" err="1">
-                <a:effectLst/>
-                <a:latin typeface="Calibri" panose="020F0502020204030204" pitchFamily="34" charset="0"/>
-                <a:ea typeface="Calibri" panose="020F0502020204030204" pitchFamily="34" charset="0"/>
-                <a:cs typeface="Times New Roman" panose="02020603050405020304" pitchFamily="18" charset="0"/>
-              </a:rPr>
-              <a:t>ildasm</a:t>
-            </a:r>
-            <a:endParaRPr lang="en-US" sz="1800" dirty="0">
-              <a:effectLst/>
-              <a:latin typeface="Calibri" panose="020F0502020204030204" pitchFamily="34" charset="0"/>
-              <a:ea typeface="Calibri" panose="020F0502020204030204" pitchFamily="34" charset="0"/>
-              <a:cs typeface="Times New Roman" panose="02020603050405020304" pitchFamily="18" charset="0"/>
-            </a:endParaRPr>
-          </a:p>
-          <a:p>
-            <a:pPr marL="0" marR="0" algn="just">
-              <a:lnSpc>
-                <a:spcPct val="107000"/>
-              </a:lnSpc>
-              <a:spcBef>
-                <a:spcPts val="0"/>
-              </a:spcBef>
-              <a:spcAft>
-                <a:spcPts val="800"/>
-              </a:spcAft>
-              <a:tabLst>
-                <a:tab pos="1333500" algn="l"/>
-              </a:tabLst>
-            </a:pPr>
-            <a:r>
-              <a:rPr lang="en-US" sz="1800" dirty="0">
-                <a:effectLst/>
-                <a:latin typeface="Calibri" panose="020F0502020204030204" pitchFamily="34" charset="0"/>
-                <a:ea typeface="Calibri" panose="020F0502020204030204" pitchFamily="34" charset="0"/>
-                <a:cs typeface="Times New Roman" panose="02020603050405020304" pitchFamily="18" charset="0"/>
-              </a:rPr>
-              <a:t>Native Code: Start Debug – Debug – Window- Disassembly</a:t>
+              <a:t>Because the only component exposed to the internet is the reverse-proxy, the underlining web servers are hidden to the client. This results in an improvement of the security and performances as well as decoupling the application from the underlining operative system.</a:t>
             </a:r>
           </a:p>
         </p:txBody>
@@ -1558,7 +1441,7 @@
           <a:p>
             <a:fld id="{D18B56EA-E28F-4F92-9F16-7A6F2501B303}" type="datetime8">
               <a:rPr lang="en-US" smtClean="0"/>
-              <a:t>2/3/2021 8:41 PM</a:t>
+              <a:t>2/4/2021 8:00 PM</a:t>
             </a:fld>
             <a:endParaRPr lang="en-US" dirty="0"/>
           </a:p>
@@ -1582,7 +1465,7 @@
             <a:fld id="{B4008EB6-D09E-4580-8CD6-DDB14511944F}" type="slidenum">
               <a:rPr lang="en-US" smtClean="0"/>
               <a:pPr/>
-              <a:t>18</a:t>
+              <a:t>15</a:t>
             </a:fld>
             <a:endParaRPr lang="en-US" dirty="0"/>
           </a:p>
@@ -1591,7 +1474,7 @@
     </p:spTree>
     <p:extLst>
       <p:ext uri="{BB962C8B-B14F-4D97-AF65-F5344CB8AC3E}">
-        <p14:creationId xmlns:p14="http://schemas.microsoft.com/office/powerpoint/2010/main" val="3713404095"/>
+        <p14:creationId xmlns:p14="http://schemas.microsoft.com/office/powerpoint/2010/main" val="366231179"/>
       </p:ext>
     </p:extLst>
   </p:cSld>
@@ -1666,68 +1549,7 @@
                 <a:ea typeface="Calibri" panose="020F0502020204030204" pitchFamily="34" charset="0"/>
                 <a:cs typeface="Times New Roman" panose="02020603050405020304" pitchFamily="18" charset="0"/>
               </a:rPr>
-              <a:t>No matter what project type you choose, a .NET Core application will always start from the same entry point, a Main method in the </a:t>
-            </a:r>
-            <a:r>
-              <a:rPr lang="en-US" sz="1800" dirty="0" err="1">
-                <a:effectLst/>
-                <a:latin typeface="Calibri" panose="020F0502020204030204" pitchFamily="34" charset="0"/>
-                <a:ea typeface="Calibri" panose="020F0502020204030204" pitchFamily="34" charset="0"/>
-                <a:cs typeface="Times New Roman" panose="02020603050405020304" pitchFamily="18" charset="0"/>
-              </a:rPr>
-              <a:t>program.cs</a:t>
-            </a:r>
-            <a:r>
-              <a:rPr lang="en-US" sz="1800" dirty="0">
-                <a:effectLst/>
-                <a:latin typeface="Calibri" panose="020F0502020204030204" pitchFamily="34" charset="0"/>
-                <a:ea typeface="Calibri" panose="020F0502020204030204" pitchFamily="34" charset="0"/>
-                <a:cs typeface="Times New Roman" panose="02020603050405020304" pitchFamily="18" charset="0"/>
-              </a:rPr>
-              <a:t> file.</a:t>
-            </a:r>
-          </a:p>
-          <a:p>
-            <a:pPr marL="0" marR="0" algn="just">
-              <a:lnSpc>
-                <a:spcPct val="107000"/>
-              </a:lnSpc>
-              <a:spcBef>
-                <a:spcPts val="0"/>
-              </a:spcBef>
-              <a:spcAft>
-                <a:spcPts val="800"/>
-              </a:spcAft>
-              <a:tabLst>
-                <a:tab pos="1333500" algn="l"/>
-              </a:tabLst>
-            </a:pPr>
-            <a:r>
-              <a:rPr lang="en-US" sz="1800" dirty="0">
-                <a:effectLst/>
-                <a:latin typeface="Calibri" panose="020F0502020204030204" pitchFamily="34" charset="0"/>
-                <a:ea typeface="Calibri" panose="020F0502020204030204" pitchFamily="34" charset="0"/>
-                <a:cs typeface="Times New Roman" panose="02020603050405020304" pitchFamily="18" charset="0"/>
-              </a:rPr>
-              <a:t> In fact, an .NET Core application is nothing more than a console application launched by the </a:t>
-            </a:r>
-            <a:r>
-              <a:rPr lang="en-US" sz="1800" b="1" dirty="0">
-                <a:effectLst/>
-                <a:latin typeface="Calibri" panose="020F0502020204030204" pitchFamily="34" charset="0"/>
-                <a:ea typeface="Calibri" panose="020F0502020204030204" pitchFamily="34" charset="0"/>
-                <a:cs typeface="Times New Roman" panose="02020603050405020304" pitchFamily="18" charset="0"/>
-              </a:rPr>
-              <a:t>dotnet </a:t>
-            </a:r>
-            <a:r>
-              <a:rPr lang="en-US" sz="1800" dirty="0">
-                <a:effectLst/>
-                <a:latin typeface="Calibri" panose="020F0502020204030204" pitchFamily="34" charset="0"/>
-                <a:ea typeface="Calibri" panose="020F0502020204030204" pitchFamily="34" charset="0"/>
-                <a:cs typeface="Times New Roman" panose="02020603050405020304" pitchFamily="18" charset="0"/>
-              </a:rPr>
-              <a:t>driver tool. </a:t>
+              <a:t>It is important to understand that Middleware can only use objects that are created by previous middleware in the pipeline. For example, you can perform authorization only after the authorization middleware. </a:t>
             </a:r>
           </a:p>
         </p:txBody>
@@ -1822,7 +1644,7 @@
           <a:p>
             <a:fld id="{D18B56EA-E28F-4F92-9F16-7A6F2501B303}" type="datetime8">
               <a:rPr lang="en-US" smtClean="0"/>
-              <a:t>2/3/2021 8:41 PM</a:t>
+              <a:t>2/4/2021 8:00 PM</a:t>
             </a:fld>
             <a:endParaRPr lang="en-US" dirty="0"/>
           </a:p>
@@ -1846,7 +1668,7 @@
             <a:fld id="{B4008EB6-D09E-4580-8CD6-DDB14511944F}" type="slidenum">
               <a:rPr lang="en-US" smtClean="0"/>
               <a:pPr/>
-              <a:t>19</a:t>
+              <a:t>16</a:t>
             </a:fld>
             <a:endParaRPr lang="en-US" dirty="0"/>
           </a:p>
@@ -1855,7 +1677,7 @@
     </p:spTree>
     <p:extLst>
       <p:ext uri="{BB962C8B-B14F-4D97-AF65-F5344CB8AC3E}">
-        <p14:creationId xmlns:p14="http://schemas.microsoft.com/office/powerpoint/2010/main" val="3904338091"/>
+        <p14:creationId xmlns:p14="http://schemas.microsoft.com/office/powerpoint/2010/main" val="230612697"/>
       </p:ext>
     </p:extLst>
   </p:cSld>
@@ -1909,273 +1731,13 @@
           <a:bodyPr/>
           <a:lstStyle/>
           <a:p>
-            <a:pPr marL="0" marR="0" algn="just">
-              <a:lnSpc>
-                <a:spcPct val="107000"/>
-              </a:lnSpc>
-              <a:spcBef>
-                <a:spcPts val="0"/>
-              </a:spcBef>
-              <a:spcAft>
-                <a:spcPts val="800"/>
-              </a:spcAft>
-              <a:tabLst>
-                <a:tab pos="1333500" algn="l"/>
-              </a:tabLst>
-            </a:pPr>
-            <a:r>
-              <a:rPr lang="en-US" sz="1800" dirty="0">
-                <a:effectLst/>
-                <a:latin typeface="Calibri" panose="020F0502020204030204" pitchFamily="34" charset="0"/>
-                <a:ea typeface="Calibri" panose="020F0502020204030204" pitchFamily="34" charset="0"/>
-                <a:cs typeface="Times New Roman" panose="02020603050405020304" pitchFamily="18" charset="0"/>
-              </a:rPr>
-              <a:t>With .NET Core, all framework and third-party libraries can be added to our project as NuGet packages. </a:t>
-            </a:r>
-          </a:p>
-          <a:p>
-            <a:pPr marL="0" marR="0" algn="just">
-              <a:lnSpc>
-                <a:spcPct val="107000"/>
-              </a:lnSpc>
-              <a:spcBef>
-                <a:spcPts val="0"/>
-              </a:spcBef>
-              <a:spcAft>
-                <a:spcPts val="800"/>
-              </a:spcAft>
-              <a:tabLst>
-                <a:tab pos="1333500" algn="l"/>
-              </a:tabLst>
-            </a:pPr>
-            <a:r>
-              <a:rPr lang="en-US" sz="1800" b="1" dirty="0">
-                <a:effectLst/>
-                <a:latin typeface="Calibri" panose="020F0502020204030204" pitchFamily="34" charset="0"/>
-                <a:ea typeface="Calibri" panose="020F0502020204030204" pitchFamily="34" charset="0"/>
-                <a:cs typeface="Times New Roman" panose="02020603050405020304" pitchFamily="18" charset="0"/>
-              </a:rPr>
-              <a:t>Problem</a:t>
-            </a:r>
-            <a:endParaRPr lang="en-US" sz="1800" dirty="0">
-              <a:effectLst/>
-              <a:latin typeface="Calibri" panose="020F0502020204030204" pitchFamily="34" charset="0"/>
-              <a:ea typeface="Calibri" panose="020F0502020204030204" pitchFamily="34" charset="0"/>
-              <a:cs typeface="Times New Roman" panose="02020603050405020304" pitchFamily="18" charset="0"/>
-            </a:endParaRPr>
-          </a:p>
-          <a:p>
-            <a:pPr marL="0" marR="0" algn="just">
-              <a:lnSpc>
-                <a:spcPct val="107000"/>
-              </a:lnSpc>
-              <a:spcBef>
-                <a:spcPts val="0"/>
-              </a:spcBef>
-              <a:spcAft>
-                <a:spcPts val="800"/>
-              </a:spcAft>
-              <a:tabLst>
-                <a:tab pos="1333500" algn="l"/>
-              </a:tabLst>
-            </a:pPr>
-            <a:r>
-              <a:rPr lang="en-US" sz="1800" dirty="0">
-                <a:effectLst/>
-                <a:latin typeface="Calibri" panose="020F0502020204030204" pitchFamily="34" charset="0"/>
-                <a:ea typeface="Calibri" panose="020F0502020204030204" pitchFamily="34" charset="0"/>
-                <a:cs typeface="Times New Roman" panose="02020603050405020304" pitchFamily="18" charset="0"/>
-              </a:rPr>
-              <a:t>With large sized applications that refer many libraries, adding each library one by one is a cumbersome process. </a:t>
-            </a:r>
-          </a:p>
-          <a:p>
-            <a:pPr marL="0" marR="0" algn="just">
-              <a:lnSpc>
-                <a:spcPct val="107000"/>
-              </a:lnSpc>
-              <a:spcBef>
-                <a:spcPts val="0"/>
-              </a:spcBef>
-              <a:spcAft>
-                <a:spcPts val="800"/>
-              </a:spcAft>
-              <a:tabLst>
-                <a:tab pos="1333500" algn="l"/>
-              </a:tabLst>
-            </a:pPr>
-            <a:r>
-              <a:rPr lang="en-US" sz="1800" dirty="0">
-                <a:effectLst/>
-                <a:latin typeface="Calibri" panose="020F0502020204030204" pitchFamily="34" charset="0"/>
-                <a:ea typeface="Calibri" panose="020F0502020204030204" pitchFamily="34" charset="0"/>
-                <a:cs typeface="Times New Roman" panose="02020603050405020304" pitchFamily="18" charset="0"/>
-              </a:rPr>
-              <a:t>.NET Core 2.0 has simplified the packaging mechanism and has introduced </a:t>
-            </a:r>
-            <a:r>
-              <a:rPr lang="en-US" sz="1800" b="1" dirty="0">
-                <a:effectLst/>
-                <a:latin typeface="Calibri" panose="020F0502020204030204" pitchFamily="34" charset="0"/>
-                <a:ea typeface="Calibri" panose="020F0502020204030204" pitchFamily="34" charset="0"/>
-                <a:cs typeface="Times New Roman" panose="02020603050405020304" pitchFamily="18" charset="0"/>
-              </a:rPr>
-              <a:t>meta-packages</a:t>
-            </a:r>
-            <a:r>
-              <a:rPr lang="en-US" sz="1800" dirty="0">
-                <a:effectLst/>
-                <a:latin typeface="Calibri" panose="020F0502020204030204" pitchFamily="34" charset="0"/>
-                <a:ea typeface="Calibri" panose="020F0502020204030204" pitchFamily="34" charset="0"/>
-                <a:cs typeface="Times New Roman" panose="02020603050405020304" pitchFamily="18" charset="0"/>
-              </a:rPr>
-              <a:t> that can be added as one single package and contains all the assemblies that are linked to it. </a:t>
-            </a:r>
-          </a:p>
-          <a:p>
-            <a:pPr marL="0" marR="0" algn="just">
-              <a:lnSpc>
-                <a:spcPct val="107000"/>
-              </a:lnSpc>
-              <a:spcBef>
-                <a:spcPts val="0"/>
-              </a:spcBef>
-              <a:spcAft>
-                <a:spcPts val="800"/>
-              </a:spcAft>
-              <a:tabLst>
-                <a:tab pos="1333500" algn="l"/>
-              </a:tabLst>
-            </a:pPr>
-            <a:r>
-              <a:rPr lang="en-US" sz="1800" dirty="0">
-                <a:effectLst/>
-                <a:latin typeface="Calibri" panose="020F0502020204030204" pitchFamily="34" charset="0"/>
-                <a:ea typeface="Calibri" panose="020F0502020204030204" pitchFamily="34" charset="0"/>
-                <a:cs typeface="Times New Roman" panose="02020603050405020304" pitchFamily="18" charset="0"/>
-              </a:rPr>
-              <a:t>For example, if you wanted to work on ASP.NET Core in .NET Core 2.0, you just have to add one single package, </a:t>
-            </a:r>
-            <a:r>
-              <a:rPr lang="en-US" sz="1800" dirty="0" err="1">
-                <a:effectLst/>
-                <a:latin typeface="Calibri" panose="020F0502020204030204" pitchFamily="34" charset="0"/>
-                <a:ea typeface="Calibri" panose="020F0502020204030204" pitchFamily="34" charset="0"/>
-                <a:cs typeface="Times New Roman" panose="02020603050405020304" pitchFamily="18" charset="0"/>
-              </a:rPr>
-              <a:t>Microsoft.AspNetCore.All</a:t>
-            </a:r>
-            <a:r>
-              <a:rPr lang="en-US" sz="1800" dirty="0">
-                <a:effectLst/>
-                <a:latin typeface="Calibri" panose="020F0502020204030204" pitchFamily="34" charset="0"/>
-                <a:ea typeface="Calibri" panose="020F0502020204030204" pitchFamily="34" charset="0"/>
-                <a:cs typeface="Times New Roman" panose="02020603050405020304" pitchFamily="18" charset="0"/>
-              </a:rPr>
-              <a:t>, using NuGet. </a:t>
-            </a:r>
+            <a:endParaRPr lang="en-US" dirty="0"/>
           </a:p>
         </p:txBody>
       </p:sp>
       <p:sp>
         <p:nvSpPr>
-          <p:cNvPr id="4" name="Header Placeholder 3"/>
-          <p:cNvSpPr>
-            <a:spLocks noGrp="1"/>
-          </p:cNvSpPr>
-          <p:nvPr>
-            <p:ph type="hdr" sz="quarter"/>
-          </p:nvPr>
-        </p:nvSpPr>
-        <p:spPr/>
-        <p:txBody>
-          <a:bodyPr/>
-          <a:lstStyle/>
-          <a:p>
-            <a:endParaRPr lang="en-US" dirty="0"/>
-          </a:p>
-        </p:txBody>
-      </p:sp>
-      <p:sp>
-        <p:nvSpPr>
-          <p:cNvPr id="5" name="Footer Placeholder 4"/>
-          <p:cNvSpPr>
-            <a:spLocks noGrp="1"/>
-          </p:cNvSpPr>
-          <p:nvPr>
-            <p:ph type="ftr" sz="quarter" idx="4"/>
-          </p:nvPr>
-        </p:nvSpPr>
-        <p:spPr/>
-        <p:txBody>
-          <a:bodyPr/>
-          <a:lstStyle/>
-          <a:p>
-            <a:pPr defTabSz="914099" eaLnBrk="0" hangingPunct="0"/>
-            <a:r>
-              <a:rPr lang="en-US" sz="400">
-                <a:gradFill>
-                  <a:gsLst>
-                    <a:gs pos="0">
-                      <a:prstClr val="black"/>
-                    </a:gs>
-                    <a:gs pos="100000">
-                      <a:prstClr val="black"/>
-                    </a:gs>
-                  </a:gsLst>
-                  <a:lin ang="5400000" scaled="0"/>
-                </a:gradFill>
-                <a:latin typeface="Segoe UI" pitchFamily="34" charset="0"/>
-                <a:ea typeface="Segoe UI" pitchFamily="34" charset="0"/>
-                <a:cs typeface="Segoe UI" pitchFamily="34" charset="0"/>
-              </a:rPr>
-              <a:t>© Microsoft Corporation. All rights reserved. MICROSOFT MAKES NO WARRANTIES, EXPRESS, IMPLIED OR STATUTORY, AS TO THE INFORMATION IN THIS PRESENTATION.</a:t>
-            </a:r>
-            <a:endParaRPr lang="en-US" sz="400" dirty="0">
-              <a:gradFill>
-                <a:gsLst>
-                  <a:gs pos="0">
-                    <a:prstClr val="black"/>
-                  </a:gs>
-                  <a:gs pos="100000">
-                    <a:prstClr val="black"/>
-                  </a:gs>
-                </a:gsLst>
-                <a:lin ang="5400000" scaled="0"/>
-              </a:gradFill>
-              <a:latin typeface="Segoe UI" pitchFamily="34" charset="0"/>
-              <a:ea typeface="Segoe UI" pitchFamily="34" charset="0"/>
-              <a:cs typeface="Segoe UI" pitchFamily="34" charset="0"/>
-            </a:endParaRPr>
-          </a:p>
-        </p:txBody>
-      </p:sp>
-      <p:sp>
-        <p:nvSpPr>
-          <p:cNvPr id="6" name="Date Placeholder 5"/>
-          <p:cNvSpPr>
-            <a:spLocks noGrp="1"/>
-          </p:cNvSpPr>
-          <p:nvPr>
-            <p:ph type="dt" idx="1"/>
-          </p:nvPr>
-        </p:nvSpPr>
-        <p:spPr/>
-        <p:txBody>
-          <a:bodyPr/>
-          <a:lstStyle/>
-          <a:p>
-            <a:fld id="{D18B56EA-E28F-4F92-9F16-7A6F2501B303}" type="datetime8">
-              <a:rPr lang="en-US" smtClean="0"/>
-              <a:t>2/3/2021 8:41 PM</a:t>
-            </a:fld>
-            <a:endParaRPr lang="en-US" dirty="0"/>
-          </a:p>
-        </p:txBody>
-      </p:sp>
-      <p:sp>
-        <p:nvSpPr>
-          <p:cNvPr id="7" name="Slide Number Placeholder 6"/>
+          <p:cNvPr id="4" name="Slide Number Placeholder 3"/>
           <p:cNvSpPr>
             <a:spLocks noGrp="1"/>
           </p:cNvSpPr>
@@ -2188,19 +1750,18 @@
           <a:bodyPr/>
           <a:lstStyle/>
           <a:p>
-            <a:fld id="{B4008EB6-D09E-4580-8CD6-DDB14511944F}" type="slidenum">
+            <a:fld id="{F3A82D5B-3CB3-42EA-B4C3-3CE82A6E669A}" type="slidenum">
               <a:rPr lang="en-US" smtClean="0"/>
-              <a:pPr/>
-              <a:t>20</a:t>
+              <a:t>17</a:t>
             </a:fld>
-            <a:endParaRPr lang="en-US" dirty="0"/>
+            <a:endParaRPr lang="en-US"/>
           </a:p>
         </p:txBody>
       </p:sp>
     </p:spTree>
     <p:extLst>
       <p:ext uri="{BB962C8B-B14F-4D97-AF65-F5344CB8AC3E}">
-        <p14:creationId xmlns:p14="http://schemas.microsoft.com/office/powerpoint/2010/main" val="4273941900"/>
+        <p14:creationId xmlns:p14="http://schemas.microsoft.com/office/powerpoint/2010/main" val="1211868449"/>
       </p:ext>
     </p:extLst>
   </p:cSld>
@@ -2275,8 +1836,23 @@
                 <a:ea typeface="Calibri" panose="020F0502020204030204" pitchFamily="34" charset="0"/>
                 <a:cs typeface="Times New Roman" panose="02020603050405020304" pitchFamily="18" charset="0"/>
               </a:rPr>
-              <a:t>What are the benefits of these two deployment methods?</a:t>
-            </a:r>
+              <a:t>IL Code: Developer Command Prompt for VS 2019 - </a:t>
+            </a:r>
+            <a:r>
+              <a:rPr lang="en-US" sz="1800" dirty="0" err="1">
+                <a:effectLst/>
+                <a:latin typeface="Calibri" panose="020F0502020204030204" pitchFamily="34" charset="0"/>
+                <a:ea typeface="Calibri" panose="020F0502020204030204" pitchFamily="34" charset="0"/>
+                <a:cs typeface="Times New Roman" panose="02020603050405020304" pitchFamily="18" charset="0"/>
+              </a:rPr>
+              <a:t>ildasm</a:t>
+            </a:r>
+            <a:endParaRPr lang="en-US" sz="1800" dirty="0">
+              <a:effectLst/>
+              <a:latin typeface="Calibri" panose="020F0502020204030204" pitchFamily="34" charset="0"/>
+              <a:ea typeface="Calibri" panose="020F0502020204030204" pitchFamily="34" charset="0"/>
+              <a:cs typeface="Times New Roman" panose="02020603050405020304" pitchFamily="18" charset="0"/>
+            </a:endParaRPr>
           </a:p>
           <a:p>
             <a:pPr marL="0" marR="0" algn="just">
@@ -2294,212 +1870,13 @@
               </a:tabLst>
             </a:pPr>
             <a:r>
-              <a:rPr lang="en-US" sz="1800" b="1" dirty="0">
-                <a:effectLst/>
-                <a:latin typeface="Calibri" panose="020F0502020204030204" pitchFamily="34" charset="0"/>
-                <a:ea typeface="Calibri" panose="020F0502020204030204" pitchFamily="34" charset="0"/>
-                <a:cs typeface="Times New Roman" panose="02020603050405020304" pitchFamily="18" charset="0"/>
-              </a:rPr>
-              <a:t>Pros of a self-contained deployment</a:t>
-            </a:r>
-            <a:endParaRPr lang="en-US" sz="1800" dirty="0">
-              <a:effectLst/>
-              <a:latin typeface="Calibri" panose="020F0502020204030204" pitchFamily="34" charset="0"/>
-              <a:ea typeface="Calibri" panose="020F0502020204030204" pitchFamily="34" charset="0"/>
-              <a:cs typeface="Times New Roman" panose="02020603050405020304" pitchFamily="18" charset="0"/>
-            </a:endParaRPr>
-          </a:p>
-          <a:p>
-            <a:pPr marL="342900" marR="0" lvl="0" indent="-342900" algn="just">
-              <a:lnSpc>
-                <a:spcPct val="107000"/>
-              </a:lnSpc>
-              <a:spcBef>
-                <a:spcPts val="0"/>
-              </a:spcBef>
-              <a:spcAft>
-                <a:spcPts val="0"/>
-              </a:spcAft>
-              <a:buFont typeface="Symbol" panose="05050102010706020507" pitchFamily="18" charset="2"/>
-              <a:buChar char=""/>
-              <a:tabLst>
-                <a:tab pos="1333500" algn="l"/>
-              </a:tabLst>
-            </a:pPr>
-            <a:r>
               <a:rPr lang="en-US" sz="1800" dirty="0">
                 <a:effectLst/>
                 <a:latin typeface="Calibri" panose="020F0502020204030204" pitchFamily="34" charset="0"/>
                 <a:ea typeface="Calibri" panose="020F0502020204030204" pitchFamily="34" charset="0"/>
                 <a:cs typeface="Times New Roman" panose="02020603050405020304" pitchFamily="18" charset="0"/>
               </a:rPr>
-              <a:t>Control the exact version of .NET Core used at runtime.</a:t>
-            </a:r>
-          </a:p>
-          <a:p>
-            <a:pPr marL="342900" marR="0" lvl="0" indent="-342900" algn="just">
-              <a:lnSpc>
-                <a:spcPct val="107000"/>
-              </a:lnSpc>
-              <a:spcBef>
-                <a:spcPts val="0"/>
-              </a:spcBef>
-              <a:spcAft>
-                <a:spcPts val="0"/>
-              </a:spcAft>
-              <a:buFont typeface="Symbol" panose="05050102010706020507" pitchFamily="18" charset="2"/>
-              <a:buChar char=""/>
-              <a:tabLst>
-                <a:tab pos="1333500" algn="l"/>
-              </a:tabLst>
-            </a:pPr>
-            <a:r>
-              <a:rPr lang="en-US" sz="1800" dirty="0">
-                <a:effectLst/>
-                <a:latin typeface="Calibri" panose="020F0502020204030204" pitchFamily="34" charset="0"/>
-                <a:ea typeface="Calibri" panose="020F0502020204030204" pitchFamily="34" charset="0"/>
-                <a:cs typeface="Times New Roman" panose="02020603050405020304" pitchFamily="18" charset="0"/>
-              </a:rPr>
-              <a:t>Increase reliability by controlling when to upgrade each individual application.</a:t>
-            </a:r>
-          </a:p>
-          <a:p>
-            <a:pPr marL="342900" marR="0" lvl="0" indent="-342900" algn="just">
-              <a:lnSpc>
-                <a:spcPct val="107000"/>
-              </a:lnSpc>
-              <a:spcBef>
-                <a:spcPts val="0"/>
-              </a:spcBef>
-              <a:spcAft>
-                <a:spcPts val="800"/>
-              </a:spcAft>
-              <a:buFont typeface="Symbol" panose="05050102010706020507" pitchFamily="18" charset="2"/>
-              <a:buChar char=""/>
-              <a:tabLst>
-                <a:tab pos="1333500" algn="l"/>
-              </a:tabLst>
-            </a:pPr>
-            <a:r>
-              <a:rPr lang="en-US" sz="1800" dirty="0">
-                <a:effectLst/>
-                <a:latin typeface="Calibri" panose="020F0502020204030204" pitchFamily="34" charset="0"/>
-                <a:ea typeface="Calibri" panose="020F0502020204030204" pitchFamily="34" charset="0"/>
-                <a:cs typeface="Times New Roman" panose="02020603050405020304" pitchFamily="18" charset="0"/>
-              </a:rPr>
-              <a:t>Upgrade different applications at different times.</a:t>
-            </a:r>
-          </a:p>
-          <a:p>
-            <a:pPr marL="0" marR="0" algn="just">
-              <a:lnSpc>
-                <a:spcPct val="107000"/>
-              </a:lnSpc>
-              <a:spcBef>
-                <a:spcPts val="0"/>
-              </a:spcBef>
-              <a:spcAft>
-                <a:spcPts val="800"/>
-              </a:spcAft>
-              <a:tabLst>
-                <a:tab pos="1333500" algn="l"/>
-              </a:tabLst>
-            </a:pPr>
-            <a:r>
-              <a:rPr lang="en-US" sz="1800" b="1" dirty="0">
-                <a:effectLst/>
-                <a:latin typeface="Calibri" panose="020F0502020204030204" pitchFamily="34" charset="0"/>
-                <a:ea typeface="Calibri" panose="020F0502020204030204" pitchFamily="34" charset="0"/>
-                <a:cs typeface="Times New Roman" panose="02020603050405020304" pitchFamily="18" charset="0"/>
-              </a:rPr>
-              <a:t>Pros of a framework-dependent deployment</a:t>
-            </a:r>
-            <a:endParaRPr lang="en-US" sz="1800" dirty="0">
-              <a:effectLst/>
-              <a:latin typeface="Calibri" panose="020F0502020204030204" pitchFamily="34" charset="0"/>
-              <a:ea typeface="Calibri" panose="020F0502020204030204" pitchFamily="34" charset="0"/>
-              <a:cs typeface="Times New Roman" panose="02020603050405020304" pitchFamily="18" charset="0"/>
-            </a:endParaRPr>
-          </a:p>
-          <a:p>
-            <a:pPr marL="342900" marR="0" lvl="0" indent="-342900" algn="just">
-              <a:lnSpc>
-                <a:spcPct val="107000"/>
-              </a:lnSpc>
-              <a:spcBef>
-                <a:spcPts val="0"/>
-              </a:spcBef>
-              <a:spcAft>
-                <a:spcPts val="0"/>
-              </a:spcAft>
-              <a:buFont typeface="Symbol" panose="05050102010706020507" pitchFamily="18" charset="2"/>
-              <a:buChar char=""/>
-              <a:tabLst>
-                <a:tab pos="1333500" algn="l"/>
-              </a:tabLst>
-            </a:pPr>
-            <a:r>
-              <a:rPr lang="en-US" sz="1800" dirty="0">
-                <a:effectLst/>
-                <a:latin typeface="Calibri" panose="020F0502020204030204" pitchFamily="34" charset="0"/>
-                <a:ea typeface="Calibri" panose="020F0502020204030204" pitchFamily="34" charset="0"/>
-                <a:cs typeface="Times New Roman" panose="02020603050405020304" pitchFamily="18" charset="0"/>
-              </a:rPr>
-              <a:t>Smaller size of the deployment</a:t>
-            </a:r>
-          </a:p>
-          <a:p>
-            <a:pPr marL="342900" marR="0" lvl="0" indent="-342900" algn="just">
-              <a:lnSpc>
-                <a:spcPct val="107000"/>
-              </a:lnSpc>
-              <a:spcBef>
-                <a:spcPts val="0"/>
-              </a:spcBef>
-              <a:spcAft>
-                <a:spcPts val="0"/>
-              </a:spcAft>
-              <a:buFont typeface="Symbol" panose="05050102010706020507" pitchFamily="18" charset="2"/>
-              <a:buChar char=""/>
-              <a:tabLst>
-                <a:tab pos="1333500" algn="l"/>
-              </a:tabLst>
-            </a:pPr>
-            <a:r>
-              <a:rPr lang="en-US" sz="1800" dirty="0">
-                <a:effectLst/>
-                <a:latin typeface="Calibri" panose="020F0502020204030204" pitchFamily="34" charset="0"/>
-                <a:ea typeface="Calibri" panose="020F0502020204030204" pitchFamily="34" charset="0"/>
-                <a:cs typeface="Times New Roman" panose="02020603050405020304" pitchFamily="18" charset="0"/>
-              </a:rPr>
-              <a:t>Lower disk and memory usage</a:t>
-            </a:r>
-          </a:p>
-          <a:p>
-            <a:pPr marL="342900" marR="0" lvl="0" indent="-342900" algn="just">
-              <a:lnSpc>
-                <a:spcPct val="107000"/>
-              </a:lnSpc>
-              <a:spcBef>
-                <a:spcPts val="0"/>
-              </a:spcBef>
-              <a:spcAft>
-                <a:spcPts val="800"/>
-              </a:spcAft>
-              <a:buFont typeface="Symbol" panose="05050102010706020507" pitchFamily="18" charset="2"/>
-              <a:buChar char=""/>
-              <a:tabLst>
-                <a:tab pos="1333500" algn="l"/>
-              </a:tabLst>
-            </a:pPr>
-            <a:r>
-              <a:rPr lang="en-US" sz="1800" dirty="0">
-                <a:effectLst/>
-                <a:latin typeface="Calibri" panose="020F0502020204030204" pitchFamily="34" charset="0"/>
-                <a:ea typeface="Calibri" panose="020F0502020204030204" pitchFamily="34" charset="0"/>
-                <a:cs typeface="Times New Roman" panose="02020603050405020304" pitchFamily="18" charset="0"/>
-              </a:rPr>
-              <a:t>Get security patches, and bug fixes by later releases without recompiling and republishing the application.</a:t>
+              <a:t>Native Code: Start Debug – Debug – Window- Disassembly</a:t>
             </a:r>
           </a:p>
         </p:txBody>
@@ -2594,7 +1971,7 @@
           <a:p>
             <a:fld id="{D18B56EA-E28F-4F92-9F16-7A6F2501B303}" type="datetime8">
               <a:rPr lang="en-US" smtClean="0"/>
-              <a:t>2/3/2021 8:41 PM</a:t>
+              <a:t>2/4/2021 8:00 PM</a:t>
             </a:fld>
             <a:endParaRPr lang="en-US" dirty="0"/>
           </a:p>
@@ -2618,7 +1995,7 @@
             <a:fld id="{B4008EB6-D09E-4580-8CD6-DDB14511944F}" type="slidenum">
               <a:rPr lang="en-US" smtClean="0"/>
               <a:pPr/>
-              <a:t>21</a:t>
+              <a:t>18</a:t>
             </a:fld>
             <a:endParaRPr lang="en-US" dirty="0"/>
           </a:p>
@@ -2627,7 +2004,7 @@
     </p:spTree>
     <p:extLst>
       <p:ext uri="{BB962C8B-B14F-4D97-AF65-F5344CB8AC3E}">
-        <p14:creationId xmlns:p14="http://schemas.microsoft.com/office/powerpoint/2010/main" val="2401497892"/>
+        <p14:creationId xmlns:p14="http://schemas.microsoft.com/office/powerpoint/2010/main" val="3713404095"/>
       </p:ext>
     </p:extLst>
   </p:cSld>
@@ -2695,12 +2072,76 @@
                 <a:tab pos="1333500" algn="l"/>
               </a:tabLst>
             </a:pPr>
-            <a:endParaRPr lang="en-US" sz="1800" dirty="0">
-              <a:effectLst/>
-              <a:latin typeface="Calibri" panose="020F0502020204030204" pitchFamily="34" charset="0"/>
-              <a:ea typeface="Calibri" panose="020F0502020204030204" pitchFamily="34" charset="0"/>
-              <a:cs typeface="Times New Roman" panose="02020603050405020304" pitchFamily="18" charset="0"/>
-            </a:endParaRPr>
+            <a:r>
+              <a:rPr lang="en-US" sz="1800" dirty="0">
+                <a:effectLst/>
+                <a:latin typeface="Calibri" panose="020F0502020204030204" pitchFamily="34" charset="0"/>
+                <a:ea typeface="Calibri" panose="020F0502020204030204" pitchFamily="34" charset="0"/>
+                <a:cs typeface="Times New Roman" panose="02020603050405020304" pitchFamily="18" charset="0"/>
+              </a:rPr>
+              <a:t>No matter what project type you choose, a .NET Core application will always start from the same entry point, a Main method in the </a:t>
+            </a:r>
+            <a:r>
+              <a:rPr lang="en-US" sz="1800" dirty="0" err="1">
+                <a:effectLst/>
+                <a:latin typeface="Calibri" panose="020F0502020204030204" pitchFamily="34" charset="0"/>
+                <a:ea typeface="Calibri" panose="020F0502020204030204" pitchFamily="34" charset="0"/>
+                <a:cs typeface="Times New Roman" panose="02020603050405020304" pitchFamily="18" charset="0"/>
+              </a:rPr>
+              <a:t>program.cs</a:t>
+            </a:r>
+            <a:r>
+              <a:rPr lang="en-US" sz="1800" dirty="0">
+                <a:effectLst/>
+                <a:latin typeface="Calibri" panose="020F0502020204030204" pitchFamily="34" charset="0"/>
+                <a:ea typeface="Calibri" panose="020F0502020204030204" pitchFamily="34" charset="0"/>
+                <a:cs typeface="Times New Roman" panose="02020603050405020304" pitchFamily="18" charset="0"/>
+              </a:rPr>
+              <a:t> file.</a:t>
+            </a:r>
+          </a:p>
+          <a:p>
+            <a:pPr marL="0" marR="0" algn="just">
+              <a:lnSpc>
+                <a:spcPct val="107000"/>
+              </a:lnSpc>
+              <a:spcBef>
+                <a:spcPts val="0"/>
+              </a:spcBef>
+              <a:spcAft>
+                <a:spcPts val="800"/>
+              </a:spcAft>
+              <a:tabLst>
+                <a:tab pos="1333500" algn="l"/>
+              </a:tabLst>
+            </a:pPr>
+            <a:r>
+              <a:rPr lang="en-US" sz="1800" dirty="0">
+                <a:effectLst/>
+                <a:latin typeface="Calibri" panose="020F0502020204030204" pitchFamily="34" charset="0"/>
+                <a:ea typeface="Calibri" panose="020F0502020204030204" pitchFamily="34" charset="0"/>
+                <a:cs typeface="Times New Roman" panose="02020603050405020304" pitchFamily="18" charset="0"/>
+              </a:rPr>
+              <a:t> In fact, an .NET Core application is nothing more than a console application launched by the </a:t>
+            </a:r>
+            <a:r>
+              <a:rPr lang="en-US" sz="1800" b="1" dirty="0">
+                <a:effectLst/>
+                <a:latin typeface="Calibri" panose="020F0502020204030204" pitchFamily="34" charset="0"/>
+                <a:ea typeface="Calibri" panose="020F0502020204030204" pitchFamily="34" charset="0"/>
+                <a:cs typeface="Times New Roman" panose="02020603050405020304" pitchFamily="18" charset="0"/>
+              </a:rPr>
+              <a:t>dotnet </a:t>
+            </a:r>
+            <a:r>
+              <a:rPr lang="en-US" sz="1800" dirty="0">
+                <a:effectLst/>
+                <a:latin typeface="Calibri" panose="020F0502020204030204" pitchFamily="34" charset="0"/>
+                <a:ea typeface="Calibri" panose="020F0502020204030204" pitchFamily="34" charset="0"/>
+                <a:cs typeface="Times New Roman" panose="02020603050405020304" pitchFamily="18" charset="0"/>
+              </a:rPr>
+              <a:t>driver tool. </a:t>
+            </a:r>
           </a:p>
         </p:txBody>
       </p:sp>
@@ -2794,7 +2235,7 @@
           <a:p>
             <a:fld id="{D18B56EA-E28F-4F92-9F16-7A6F2501B303}" type="datetime8">
               <a:rPr lang="en-US" smtClean="0"/>
-              <a:t>2/3/2021 8:41 PM</a:t>
+              <a:t>2/4/2021 8:00 PM</a:t>
             </a:fld>
             <a:endParaRPr lang="en-US" dirty="0"/>
           </a:p>
@@ -2818,7 +2259,7 @@
             <a:fld id="{B4008EB6-D09E-4580-8CD6-DDB14511944F}" type="slidenum">
               <a:rPr lang="en-US" smtClean="0"/>
               <a:pPr/>
-              <a:t>23</a:t>
+              <a:t>19</a:t>
             </a:fld>
             <a:endParaRPr lang="en-US" dirty="0"/>
           </a:p>
@@ -2827,7 +2268,779 @@
     </p:spTree>
     <p:extLst>
       <p:ext uri="{BB962C8B-B14F-4D97-AF65-F5344CB8AC3E}">
-        <p14:creationId xmlns:p14="http://schemas.microsoft.com/office/powerpoint/2010/main" val="3306930592"/>
+        <p14:creationId xmlns:p14="http://schemas.microsoft.com/office/powerpoint/2010/main" val="3904338091"/>
+      </p:ext>
+    </p:extLst>
+  </p:cSld>
+  <p:clrMapOvr>
+    <a:masterClrMapping/>
+  </p:clrMapOvr>
+</p:notes>
+</file>
+
+<file path=ppt/notesSlides/notesSlide18.xml><?xml version="1.0" encoding="utf-8"?>
+<p:notes xmlns:a="http://schemas.openxmlformats.org/drawingml/2006/main" xmlns:r="http://schemas.openxmlformats.org/officeDocument/2006/relationships" xmlns:p="http://schemas.openxmlformats.org/presentationml/2006/main">
+  <p:cSld>
+    <p:spTree>
+      <p:nvGrpSpPr>
+        <p:cNvPr id="1" name=""/>
+        <p:cNvGrpSpPr/>
+        <p:nvPr/>
+      </p:nvGrpSpPr>
+      <p:grpSpPr>
+        <a:xfrm>
+          <a:off x="0" y="0"/>
+          <a:ext cx="0" cy="0"/>
+          <a:chOff x="0" y="0"/>
+          <a:chExt cx="0" cy="0"/>
+        </a:xfrm>
+      </p:grpSpPr>
+      <p:sp>
+        <p:nvSpPr>
+          <p:cNvPr id="2" name="Slide Image Placeholder 1"/>
+          <p:cNvSpPr>
+            <a:spLocks noGrp="1" noRot="1" noChangeAspect="1"/>
+          </p:cNvSpPr>
+          <p:nvPr>
+            <p:ph type="sldImg"/>
+          </p:nvPr>
+        </p:nvSpPr>
+        <p:spPr/>
+      </p:sp>
+      <p:sp>
+        <p:nvSpPr>
+          <p:cNvPr id="3" name="Notes Placeholder 2"/>
+          <p:cNvSpPr>
+            <a:spLocks noGrp="1"/>
+          </p:cNvSpPr>
+          <p:nvPr>
+            <p:ph type="body" idx="1"/>
+          </p:nvPr>
+        </p:nvSpPr>
+        <p:spPr/>
+        <p:txBody>
+          <a:bodyPr/>
+          <a:lstStyle/>
+          <a:p>
+            <a:pPr marL="0" marR="0" algn="just">
+              <a:lnSpc>
+                <a:spcPct val="107000"/>
+              </a:lnSpc>
+              <a:spcBef>
+                <a:spcPts val="0"/>
+              </a:spcBef>
+              <a:spcAft>
+                <a:spcPts val="800"/>
+              </a:spcAft>
+              <a:tabLst>
+                <a:tab pos="1333500" algn="l"/>
+              </a:tabLst>
+            </a:pPr>
+            <a:r>
+              <a:rPr lang="en-US" sz="1800" dirty="0">
+                <a:effectLst/>
+                <a:latin typeface="Calibri" panose="020F0502020204030204" pitchFamily="34" charset="0"/>
+                <a:ea typeface="Calibri" panose="020F0502020204030204" pitchFamily="34" charset="0"/>
+                <a:cs typeface="Times New Roman" panose="02020603050405020304" pitchFamily="18" charset="0"/>
+              </a:rPr>
+              <a:t>With .NET Core, all framework and third-party libraries can be added to our project as NuGet packages. </a:t>
+            </a:r>
+          </a:p>
+          <a:p>
+            <a:pPr marL="0" marR="0" algn="just">
+              <a:lnSpc>
+                <a:spcPct val="107000"/>
+              </a:lnSpc>
+              <a:spcBef>
+                <a:spcPts val="0"/>
+              </a:spcBef>
+              <a:spcAft>
+                <a:spcPts val="800"/>
+              </a:spcAft>
+              <a:tabLst>
+                <a:tab pos="1333500" algn="l"/>
+              </a:tabLst>
+            </a:pPr>
+            <a:r>
+              <a:rPr lang="en-US" sz="1800" b="1" dirty="0">
+                <a:effectLst/>
+                <a:latin typeface="Calibri" panose="020F0502020204030204" pitchFamily="34" charset="0"/>
+                <a:ea typeface="Calibri" panose="020F0502020204030204" pitchFamily="34" charset="0"/>
+                <a:cs typeface="Times New Roman" panose="02020603050405020304" pitchFamily="18" charset="0"/>
+              </a:rPr>
+              <a:t>Problem</a:t>
+            </a:r>
+            <a:endParaRPr lang="en-US" sz="1800" dirty="0">
+              <a:effectLst/>
+              <a:latin typeface="Calibri" panose="020F0502020204030204" pitchFamily="34" charset="0"/>
+              <a:ea typeface="Calibri" panose="020F0502020204030204" pitchFamily="34" charset="0"/>
+              <a:cs typeface="Times New Roman" panose="02020603050405020304" pitchFamily="18" charset="0"/>
+            </a:endParaRPr>
+          </a:p>
+          <a:p>
+            <a:pPr marL="0" marR="0" algn="just">
+              <a:lnSpc>
+                <a:spcPct val="107000"/>
+              </a:lnSpc>
+              <a:spcBef>
+                <a:spcPts val="0"/>
+              </a:spcBef>
+              <a:spcAft>
+                <a:spcPts val="800"/>
+              </a:spcAft>
+              <a:tabLst>
+                <a:tab pos="1333500" algn="l"/>
+              </a:tabLst>
+            </a:pPr>
+            <a:r>
+              <a:rPr lang="en-US" sz="1800" dirty="0">
+                <a:effectLst/>
+                <a:latin typeface="Calibri" panose="020F0502020204030204" pitchFamily="34" charset="0"/>
+                <a:ea typeface="Calibri" panose="020F0502020204030204" pitchFamily="34" charset="0"/>
+                <a:cs typeface="Times New Roman" panose="02020603050405020304" pitchFamily="18" charset="0"/>
+              </a:rPr>
+              <a:t>With large sized applications that refer many libraries, adding each library one by one is a cumbersome process. </a:t>
+            </a:r>
+          </a:p>
+          <a:p>
+            <a:pPr marL="0" marR="0" algn="just">
+              <a:lnSpc>
+                <a:spcPct val="107000"/>
+              </a:lnSpc>
+              <a:spcBef>
+                <a:spcPts val="0"/>
+              </a:spcBef>
+              <a:spcAft>
+                <a:spcPts val="800"/>
+              </a:spcAft>
+              <a:tabLst>
+                <a:tab pos="1333500" algn="l"/>
+              </a:tabLst>
+            </a:pPr>
+            <a:r>
+              <a:rPr lang="en-US" sz="1800" dirty="0">
+                <a:effectLst/>
+                <a:latin typeface="Calibri" panose="020F0502020204030204" pitchFamily="34" charset="0"/>
+                <a:ea typeface="Calibri" panose="020F0502020204030204" pitchFamily="34" charset="0"/>
+                <a:cs typeface="Times New Roman" panose="02020603050405020304" pitchFamily="18" charset="0"/>
+              </a:rPr>
+              <a:t>.NET Core 2.0 has simplified the packaging mechanism and has introduced </a:t>
+            </a:r>
+            <a:r>
+              <a:rPr lang="en-US" sz="1800" b="1" dirty="0">
+                <a:effectLst/>
+                <a:latin typeface="Calibri" panose="020F0502020204030204" pitchFamily="34" charset="0"/>
+                <a:ea typeface="Calibri" panose="020F0502020204030204" pitchFamily="34" charset="0"/>
+                <a:cs typeface="Times New Roman" panose="02020603050405020304" pitchFamily="18" charset="0"/>
+              </a:rPr>
+              <a:t>meta-packages</a:t>
+            </a:r>
+            <a:r>
+              <a:rPr lang="en-US" sz="1800" dirty="0">
+                <a:effectLst/>
+                <a:latin typeface="Calibri" panose="020F0502020204030204" pitchFamily="34" charset="0"/>
+                <a:ea typeface="Calibri" panose="020F0502020204030204" pitchFamily="34" charset="0"/>
+                <a:cs typeface="Times New Roman" panose="02020603050405020304" pitchFamily="18" charset="0"/>
+              </a:rPr>
+              <a:t> that can be added as one single package and contains all the assemblies that are linked to it. </a:t>
+            </a:r>
+          </a:p>
+          <a:p>
+            <a:pPr marL="0" marR="0" algn="just">
+              <a:lnSpc>
+                <a:spcPct val="107000"/>
+              </a:lnSpc>
+              <a:spcBef>
+                <a:spcPts val="0"/>
+              </a:spcBef>
+              <a:spcAft>
+                <a:spcPts val="800"/>
+              </a:spcAft>
+              <a:tabLst>
+                <a:tab pos="1333500" algn="l"/>
+              </a:tabLst>
+            </a:pPr>
+            <a:r>
+              <a:rPr lang="en-US" sz="1800" dirty="0">
+                <a:effectLst/>
+                <a:latin typeface="Calibri" panose="020F0502020204030204" pitchFamily="34" charset="0"/>
+                <a:ea typeface="Calibri" panose="020F0502020204030204" pitchFamily="34" charset="0"/>
+                <a:cs typeface="Times New Roman" panose="02020603050405020304" pitchFamily="18" charset="0"/>
+              </a:rPr>
+              <a:t>For example, if you wanted to work on ASP.NET Core in .NET Core 2.0, you just have to add one single package, </a:t>
+            </a:r>
+            <a:r>
+              <a:rPr lang="en-US" sz="1800" dirty="0" err="1">
+                <a:effectLst/>
+                <a:latin typeface="Calibri" panose="020F0502020204030204" pitchFamily="34" charset="0"/>
+                <a:ea typeface="Calibri" panose="020F0502020204030204" pitchFamily="34" charset="0"/>
+                <a:cs typeface="Times New Roman" panose="02020603050405020304" pitchFamily="18" charset="0"/>
+              </a:rPr>
+              <a:t>Microsoft.AspNetCore.All</a:t>
+            </a:r>
+            <a:r>
+              <a:rPr lang="en-US" sz="1800" dirty="0">
+                <a:effectLst/>
+                <a:latin typeface="Calibri" panose="020F0502020204030204" pitchFamily="34" charset="0"/>
+                <a:ea typeface="Calibri" panose="020F0502020204030204" pitchFamily="34" charset="0"/>
+                <a:cs typeface="Times New Roman" panose="02020603050405020304" pitchFamily="18" charset="0"/>
+              </a:rPr>
+              <a:t>, using NuGet. </a:t>
+            </a:r>
+          </a:p>
+        </p:txBody>
+      </p:sp>
+      <p:sp>
+        <p:nvSpPr>
+          <p:cNvPr id="4" name="Header Placeholder 3"/>
+          <p:cNvSpPr>
+            <a:spLocks noGrp="1"/>
+          </p:cNvSpPr>
+          <p:nvPr>
+            <p:ph type="hdr" sz="quarter"/>
+          </p:nvPr>
+        </p:nvSpPr>
+        <p:spPr/>
+        <p:txBody>
+          <a:bodyPr/>
+          <a:lstStyle/>
+          <a:p>
+            <a:endParaRPr lang="en-US" dirty="0"/>
+          </a:p>
+        </p:txBody>
+      </p:sp>
+      <p:sp>
+        <p:nvSpPr>
+          <p:cNvPr id="5" name="Footer Placeholder 4"/>
+          <p:cNvSpPr>
+            <a:spLocks noGrp="1"/>
+          </p:cNvSpPr>
+          <p:nvPr>
+            <p:ph type="ftr" sz="quarter" idx="4"/>
+          </p:nvPr>
+        </p:nvSpPr>
+        <p:spPr/>
+        <p:txBody>
+          <a:bodyPr/>
+          <a:lstStyle/>
+          <a:p>
+            <a:pPr defTabSz="914099" eaLnBrk="0" hangingPunct="0"/>
+            <a:r>
+              <a:rPr lang="en-US" sz="400">
+                <a:gradFill>
+                  <a:gsLst>
+                    <a:gs pos="0">
+                      <a:prstClr val="black"/>
+                    </a:gs>
+                    <a:gs pos="100000">
+                      <a:prstClr val="black"/>
+                    </a:gs>
+                  </a:gsLst>
+                  <a:lin ang="5400000" scaled="0"/>
+                </a:gradFill>
+                <a:latin typeface="Segoe UI" pitchFamily="34" charset="0"/>
+                <a:ea typeface="Segoe UI" pitchFamily="34" charset="0"/>
+                <a:cs typeface="Segoe UI" pitchFamily="34" charset="0"/>
+              </a:rPr>
+              <a:t>© Microsoft Corporation. All rights reserved. MICROSOFT MAKES NO WARRANTIES, EXPRESS, IMPLIED OR STATUTORY, AS TO THE INFORMATION IN THIS PRESENTATION.</a:t>
+            </a:r>
+            <a:endParaRPr lang="en-US" sz="400" dirty="0">
+              <a:gradFill>
+                <a:gsLst>
+                  <a:gs pos="0">
+                    <a:prstClr val="black"/>
+                  </a:gs>
+                  <a:gs pos="100000">
+                    <a:prstClr val="black"/>
+                  </a:gs>
+                </a:gsLst>
+                <a:lin ang="5400000" scaled="0"/>
+              </a:gradFill>
+              <a:latin typeface="Segoe UI" pitchFamily="34" charset="0"/>
+              <a:ea typeface="Segoe UI" pitchFamily="34" charset="0"/>
+              <a:cs typeface="Segoe UI" pitchFamily="34" charset="0"/>
+            </a:endParaRPr>
+          </a:p>
+        </p:txBody>
+      </p:sp>
+      <p:sp>
+        <p:nvSpPr>
+          <p:cNvPr id="6" name="Date Placeholder 5"/>
+          <p:cNvSpPr>
+            <a:spLocks noGrp="1"/>
+          </p:cNvSpPr>
+          <p:nvPr>
+            <p:ph type="dt" idx="1"/>
+          </p:nvPr>
+        </p:nvSpPr>
+        <p:spPr/>
+        <p:txBody>
+          <a:bodyPr/>
+          <a:lstStyle/>
+          <a:p>
+            <a:fld id="{D18B56EA-E28F-4F92-9F16-7A6F2501B303}" type="datetime8">
+              <a:rPr lang="en-US" smtClean="0"/>
+              <a:t>2/4/2021 8:00 PM</a:t>
+            </a:fld>
+            <a:endParaRPr lang="en-US" dirty="0"/>
+          </a:p>
+        </p:txBody>
+      </p:sp>
+      <p:sp>
+        <p:nvSpPr>
+          <p:cNvPr id="7" name="Slide Number Placeholder 6"/>
+          <p:cNvSpPr>
+            <a:spLocks noGrp="1"/>
+          </p:cNvSpPr>
+          <p:nvPr>
+            <p:ph type="sldNum" sz="quarter" idx="5"/>
+          </p:nvPr>
+        </p:nvSpPr>
+        <p:spPr/>
+        <p:txBody>
+          <a:bodyPr/>
+          <a:lstStyle/>
+          <a:p>
+            <a:fld id="{B4008EB6-D09E-4580-8CD6-DDB14511944F}" type="slidenum">
+              <a:rPr lang="en-US" smtClean="0"/>
+              <a:pPr/>
+              <a:t>20</a:t>
+            </a:fld>
+            <a:endParaRPr lang="en-US" dirty="0"/>
+          </a:p>
+        </p:txBody>
+      </p:sp>
+    </p:spTree>
+    <p:extLst>
+      <p:ext uri="{BB962C8B-B14F-4D97-AF65-F5344CB8AC3E}">
+        <p14:creationId xmlns:p14="http://schemas.microsoft.com/office/powerpoint/2010/main" val="4273941900"/>
+      </p:ext>
+    </p:extLst>
+  </p:cSld>
+  <p:clrMapOvr>
+    <a:masterClrMapping/>
+  </p:clrMapOvr>
+</p:notes>
+</file>
+
+<file path=ppt/notesSlides/notesSlide19.xml><?xml version="1.0" encoding="utf-8"?>
+<p:notes xmlns:a="http://schemas.openxmlformats.org/drawingml/2006/main" xmlns:r="http://schemas.openxmlformats.org/officeDocument/2006/relationships" xmlns:p="http://schemas.openxmlformats.org/presentationml/2006/main">
+  <p:cSld>
+    <p:spTree>
+      <p:nvGrpSpPr>
+        <p:cNvPr id="1" name=""/>
+        <p:cNvGrpSpPr/>
+        <p:nvPr/>
+      </p:nvGrpSpPr>
+      <p:grpSpPr>
+        <a:xfrm>
+          <a:off x="0" y="0"/>
+          <a:ext cx="0" cy="0"/>
+          <a:chOff x="0" y="0"/>
+          <a:chExt cx="0" cy="0"/>
+        </a:xfrm>
+      </p:grpSpPr>
+      <p:sp>
+        <p:nvSpPr>
+          <p:cNvPr id="2" name="Slide Image Placeholder 1"/>
+          <p:cNvSpPr>
+            <a:spLocks noGrp="1" noRot="1" noChangeAspect="1"/>
+          </p:cNvSpPr>
+          <p:nvPr>
+            <p:ph type="sldImg"/>
+          </p:nvPr>
+        </p:nvSpPr>
+        <p:spPr/>
+      </p:sp>
+      <p:sp>
+        <p:nvSpPr>
+          <p:cNvPr id="3" name="Notes Placeholder 2"/>
+          <p:cNvSpPr>
+            <a:spLocks noGrp="1"/>
+          </p:cNvSpPr>
+          <p:nvPr>
+            <p:ph type="body" idx="1"/>
+          </p:nvPr>
+        </p:nvSpPr>
+        <p:spPr/>
+        <p:txBody>
+          <a:bodyPr/>
+          <a:lstStyle/>
+          <a:p>
+            <a:pPr marL="0" marR="0" algn="just">
+              <a:lnSpc>
+                <a:spcPct val="107000"/>
+              </a:lnSpc>
+              <a:spcBef>
+                <a:spcPts val="0"/>
+              </a:spcBef>
+              <a:spcAft>
+                <a:spcPts val="800"/>
+              </a:spcAft>
+              <a:tabLst>
+                <a:tab pos="1333500" algn="l"/>
+              </a:tabLst>
+            </a:pPr>
+            <a:r>
+              <a:rPr lang="en-US" sz="1800" dirty="0">
+                <a:effectLst/>
+                <a:latin typeface="Calibri" panose="020F0502020204030204" pitchFamily="34" charset="0"/>
+                <a:ea typeface="Calibri" panose="020F0502020204030204" pitchFamily="34" charset="0"/>
+                <a:cs typeface="Times New Roman" panose="02020603050405020304" pitchFamily="18" charset="0"/>
+              </a:rPr>
+              <a:t>What are the benefits of these two deployment methods?</a:t>
+            </a:r>
+          </a:p>
+          <a:p>
+            <a:pPr marL="0" marR="0" algn="just">
+              <a:lnSpc>
+                <a:spcPct val="107000"/>
+              </a:lnSpc>
+              <a:spcBef>
+                <a:spcPts val="0"/>
+              </a:spcBef>
+              <a:spcAft>
+                <a:spcPts val="800"/>
+              </a:spcAft>
+              <a:tabLst>
+                <a:tab pos="1333500" algn="l"/>
+              </a:tabLst>
+            </a:pPr>
+            <a:r>
+              <a:rPr lang="en-US" sz="1800" b="1" dirty="0">
+                <a:effectLst/>
+                <a:latin typeface="Calibri" panose="020F0502020204030204" pitchFamily="34" charset="0"/>
+                <a:ea typeface="Calibri" panose="020F0502020204030204" pitchFamily="34" charset="0"/>
+                <a:cs typeface="Times New Roman" panose="02020603050405020304" pitchFamily="18" charset="0"/>
+              </a:rPr>
+              <a:t>Pros of a self-contained deployment</a:t>
+            </a:r>
+            <a:endParaRPr lang="en-US" sz="1800" dirty="0">
+              <a:effectLst/>
+              <a:latin typeface="Calibri" panose="020F0502020204030204" pitchFamily="34" charset="0"/>
+              <a:ea typeface="Calibri" panose="020F0502020204030204" pitchFamily="34" charset="0"/>
+              <a:cs typeface="Times New Roman" panose="02020603050405020304" pitchFamily="18" charset="0"/>
+            </a:endParaRPr>
+          </a:p>
+          <a:p>
+            <a:pPr marL="342900" marR="0" lvl="0" indent="-342900" algn="just">
+              <a:lnSpc>
+                <a:spcPct val="107000"/>
+              </a:lnSpc>
+              <a:spcBef>
+                <a:spcPts val="0"/>
+              </a:spcBef>
+              <a:spcAft>
+                <a:spcPts val="0"/>
+              </a:spcAft>
+              <a:buFont typeface="Symbol" panose="05050102010706020507" pitchFamily="18" charset="2"/>
+              <a:buChar char=""/>
+              <a:tabLst>
+                <a:tab pos="1333500" algn="l"/>
+              </a:tabLst>
+            </a:pPr>
+            <a:r>
+              <a:rPr lang="en-US" sz="1800" dirty="0">
+                <a:effectLst/>
+                <a:latin typeface="Calibri" panose="020F0502020204030204" pitchFamily="34" charset="0"/>
+                <a:ea typeface="Calibri" panose="020F0502020204030204" pitchFamily="34" charset="0"/>
+                <a:cs typeface="Times New Roman" panose="02020603050405020304" pitchFamily="18" charset="0"/>
+              </a:rPr>
+              <a:t>Control the exact version of .NET Core used at runtime.</a:t>
+            </a:r>
+          </a:p>
+          <a:p>
+            <a:pPr marL="342900" marR="0" lvl="0" indent="-342900" algn="just">
+              <a:lnSpc>
+                <a:spcPct val="107000"/>
+              </a:lnSpc>
+              <a:spcBef>
+                <a:spcPts val="0"/>
+              </a:spcBef>
+              <a:spcAft>
+                <a:spcPts val="0"/>
+              </a:spcAft>
+              <a:buFont typeface="Symbol" panose="05050102010706020507" pitchFamily="18" charset="2"/>
+              <a:buChar char=""/>
+              <a:tabLst>
+                <a:tab pos="1333500" algn="l"/>
+              </a:tabLst>
+            </a:pPr>
+            <a:r>
+              <a:rPr lang="en-US" sz="1800" dirty="0">
+                <a:effectLst/>
+                <a:latin typeface="Calibri" panose="020F0502020204030204" pitchFamily="34" charset="0"/>
+                <a:ea typeface="Calibri" panose="020F0502020204030204" pitchFamily="34" charset="0"/>
+                <a:cs typeface="Times New Roman" panose="02020603050405020304" pitchFamily="18" charset="0"/>
+              </a:rPr>
+              <a:t>Increase reliability by controlling when to upgrade each individual application.</a:t>
+            </a:r>
+          </a:p>
+          <a:p>
+            <a:pPr marL="342900" marR="0" lvl="0" indent="-342900" algn="just">
+              <a:lnSpc>
+                <a:spcPct val="107000"/>
+              </a:lnSpc>
+              <a:spcBef>
+                <a:spcPts val="0"/>
+              </a:spcBef>
+              <a:spcAft>
+                <a:spcPts val="800"/>
+              </a:spcAft>
+              <a:buFont typeface="Symbol" panose="05050102010706020507" pitchFamily="18" charset="2"/>
+              <a:buChar char=""/>
+              <a:tabLst>
+                <a:tab pos="1333500" algn="l"/>
+              </a:tabLst>
+            </a:pPr>
+            <a:r>
+              <a:rPr lang="en-US" sz="1800" dirty="0">
+                <a:effectLst/>
+                <a:latin typeface="Calibri" panose="020F0502020204030204" pitchFamily="34" charset="0"/>
+                <a:ea typeface="Calibri" panose="020F0502020204030204" pitchFamily="34" charset="0"/>
+                <a:cs typeface="Times New Roman" panose="02020603050405020304" pitchFamily="18" charset="0"/>
+              </a:rPr>
+              <a:t>Upgrade different applications at different times.</a:t>
+            </a:r>
+          </a:p>
+          <a:p>
+            <a:pPr marL="0" marR="0" algn="just">
+              <a:lnSpc>
+                <a:spcPct val="107000"/>
+              </a:lnSpc>
+              <a:spcBef>
+                <a:spcPts val="0"/>
+              </a:spcBef>
+              <a:spcAft>
+                <a:spcPts val="800"/>
+              </a:spcAft>
+              <a:tabLst>
+                <a:tab pos="1333500" algn="l"/>
+              </a:tabLst>
+            </a:pPr>
+            <a:r>
+              <a:rPr lang="en-US" sz="1800" b="1" dirty="0">
+                <a:effectLst/>
+                <a:latin typeface="Calibri" panose="020F0502020204030204" pitchFamily="34" charset="0"/>
+                <a:ea typeface="Calibri" panose="020F0502020204030204" pitchFamily="34" charset="0"/>
+                <a:cs typeface="Times New Roman" panose="02020603050405020304" pitchFamily="18" charset="0"/>
+              </a:rPr>
+              <a:t>Pros of a framework-dependent deployment</a:t>
+            </a:r>
+            <a:endParaRPr lang="en-US" sz="1800" dirty="0">
+              <a:effectLst/>
+              <a:latin typeface="Calibri" panose="020F0502020204030204" pitchFamily="34" charset="0"/>
+              <a:ea typeface="Calibri" panose="020F0502020204030204" pitchFamily="34" charset="0"/>
+              <a:cs typeface="Times New Roman" panose="02020603050405020304" pitchFamily="18" charset="0"/>
+            </a:endParaRPr>
+          </a:p>
+          <a:p>
+            <a:pPr marL="342900" marR="0" lvl="0" indent="-342900" algn="just">
+              <a:lnSpc>
+                <a:spcPct val="107000"/>
+              </a:lnSpc>
+              <a:spcBef>
+                <a:spcPts val="0"/>
+              </a:spcBef>
+              <a:spcAft>
+                <a:spcPts val="0"/>
+              </a:spcAft>
+              <a:buFont typeface="Symbol" panose="05050102010706020507" pitchFamily="18" charset="2"/>
+              <a:buChar char=""/>
+              <a:tabLst>
+                <a:tab pos="1333500" algn="l"/>
+              </a:tabLst>
+            </a:pPr>
+            <a:r>
+              <a:rPr lang="en-US" sz="1800" dirty="0">
+                <a:effectLst/>
+                <a:latin typeface="Calibri" panose="020F0502020204030204" pitchFamily="34" charset="0"/>
+                <a:ea typeface="Calibri" panose="020F0502020204030204" pitchFamily="34" charset="0"/>
+                <a:cs typeface="Times New Roman" panose="02020603050405020304" pitchFamily="18" charset="0"/>
+              </a:rPr>
+              <a:t>Smaller size of the deployment</a:t>
+            </a:r>
+          </a:p>
+          <a:p>
+            <a:pPr marL="342900" marR="0" lvl="0" indent="-342900" algn="just">
+              <a:lnSpc>
+                <a:spcPct val="107000"/>
+              </a:lnSpc>
+              <a:spcBef>
+                <a:spcPts val="0"/>
+              </a:spcBef>
+              <a:spcAft>
+                <a:spcPts val="0"/>
+              </a:spcAft>
+              <a:buFont typeface="Symbol" panose="05050102010706020507" pitchFamily="18" charset="2"/>
+              <a:buChar char=""/>
+              <a:tabLst>
+                <a:tab pos="1333500" algn="l"/>
+              </a:tabLst>
+            </a:pPr>
+            <a:r>
+              <a:rPr lang="en-US" sz="1800" dirty="0">
+                <a:effectLst/>
+                <a:latin typeface="Calibri" panose="020F0502020204030204" pitchFamily="34" charset="0"/>
+                <a:ea typeface="Calibri" panose="020F0502020204030204" pitchFamily="34" charset="0"/>
+                <a:cs typeface="Times New Roman" panose="02020603050405020304" pitchFamily="18" charset="0"/>
+              </a:rPr>
+              <a:t>Lower disk and memory usage</a:t>
+            </a:r>
+          </a:p>
+          <a:p>
+            <a:pPr marL="342900" marR="0" lvl="0" indent="-342900" algn="just">
+              <a:lnSpc>
+                <a:spcPct val="107000"/>
+              </a:lnSpc>
+              <a:spcBef>
+                <a:spcPts val="0"/>
+              </a:spcBef>
+              <a:spcAft>
+                <a:spcPts val="800"/>
+              </a:spcAft>
+              <a:buFont typeface="Symbol" panose="05050102010706020507" pitchFamily="18" charset="2"/>
+              <a:buChar char=""/>
+              <a:tabLst>
+                <a:tab pos="1333500" algn="l"/>
+              </a:tabLst>
+            </a:pPr>
+            <a:r>
+              <a:rPr lang="en-US" sz="1800" dirty="0">
+                <a:effectLst/>
+                <a:latin typeface="Calibri" panose="020F0502020204030204" pitchFamily="34" charset="0"/>
+                <a:ea typeface="Calibri" panose="020F0502020204030204" pitchFamily="34" charset="0"/>
+                <a:cs typeface="Times New Roman" panose="02020603050405020304" pitchFamily="18" charset="0"/>
+              </a:rPr>
+              <a:t>Get security patches, and bug fixes by later releases without recompiling and republishing the application.</a:t>
+            </a:r>
+          </a:p>
+        </p:txBody>
+      </p:sp>
+      <p:sp>
+        <p:nvSpPr>
+          <p:cNvPr id="4" name="Header Placeholder 3"/>
+          <p:cNvSpPr>
+            <a:spLocks noGrp="1"/>
+          </p:cNvSpPr>
+          <p:nvPr>
+            <p:ph type="hdr" sz="quarter"/>
+          </p:nvPr>
+        </p:nvSpPr>
+        <p:spPr/>
+        <p:txBody>
+          <a:bodyPr/>
+          <a:lstStyle/>
+          <a:p>
+            <a:endParaRPr lang="en-US" dirty="0"/>
+          </a:p>
+        </p:txBody>
+      </p:sp>
+      <p:sp>
+        <p:nvSpPr>
+          <p:cNvPr id="5" name="Footer Placeholder 4"/>
+          <p:cNvSpPr>
+            <a:spLocks noGrp="1"/>
+          </p:cNvSpPr>
+          <p:nvPr>
+            <p:ph type="ftr" sz="quarter" idx="4"/>
+          </p:nvPr>
+        </p:nvSpPr>
+        <p:spPr/>
+        <p:txBody>
+          <a:bodyPr/>
+          <a:lstStyle/>
+          <a:p>
+            <a:pPr defTabSz="914099" eaLnBrk="0" hangingPunct="0"/>
+            <a:r>
+              <a:rPr lang="en-US" sz="400">
+                <a:gradFill>
+                  <a:gsLst>
+                    <a:gs pos="0">
+                      <a:prstClr val="black"/>
+                    </a:gs>
+                    <a:gs pos="100000">
+                      <a:prstClr val="black"/>
+                    </a:gs>
+                  </a:gsLst>
+                  <a:lin ang="5400000" scaled="0"/>
+                </a:gradFill>
+                <a:latin typeface="Segoe UI" pitchFamily="34" charset="0"/>
+                <a:ea typeface="Segoe UI" pitchFamily="34" charset="0"/>
+                <a:cs typeface="Segoe UI" pitchFamily="34" charset="0"/>
+              </a:rPr>
+              <a:t>© Microsoft Corporation. All rights reserved. MICROSOFT MAKES NO WARRANTIES, EXPRESS, IMPLIED OR STATUTORY, AS TO THE INFORMATION IN THIS PRESENTATION.</a:t>
+            </a:r>
+            <a:endParaRPr lang="en-US" sz="400" dirty="0">
+              <a:gradFill>
+                <a:gsLst>
+                  <a:gs pos="0">
+                    <a:prstClr val="black"/>
+                  </a:gs>
+                  <a:gs pos="100000">
+                    <a:prstClr val="black"/>
+                  </a:gs>
+                </a:gsLst>
+                <a:lin ang="5400000" scaled="0"/>
+              </a:gradFill>
+              <a:latin typeface="Segoe UI" pitchFamily="34" charset="0"/>
+              <a:ea typeface="Segoe UI" pitchFamily="34" charset="0"/>
+              <a:cs typeface="Segoe UI" pitchFamily="34" charset="0"/>
+            </a:endParaRPr>
+          </a:p>
+        </p:txBody>
+      </p:sp>
+      <p:sp>
+        <p:nvSpPr>
+          <p:cNvPr id="6" name="Date Placeholder 5"/>
+          <p:cNvSpPr>
+            <a:spLocks noGrp="1"/>
+          </p:cNvSpPr>
+          <p:nvPr>
+            <p:ph type="dt" idx="1"/>
+          </p:nvPr>
+        </p:nvSpPr>
+        <p:spPr/>
+        <p:txBody>
+          <a:bodyPr/>
+          <a:lstStyle/>
+          <a:p>
+            <a:fld id="{D18B56EA-E28F-4F92-9F16-7A6F2501B303}" type="datetime8">
+              <a:rPr lang="en-US" smtClean="0"/>
+              <a:t>2/4/2021 8:00 PM</a:t>
+            </a:fld>
+            <a:endParaRPr lang="en-US" dirty="0"/>
+          </a:p>
+        </p:txBody>
+      </p:sp>
+      <p:sp>
+        <p:nvSpPr>
+          <p:cNvPr id="7" name="Slide Number Placeholder 6"/>
+          <p:cNvSpPr>
+            <a:spLocks noGrp="1"/>
+          </p:cNvSpPr>
+          <p:nvPr>
+            <p:ph type="sldNum" sz="quarter" idx="5"/>
+          </p:nvPr>
+        </p:nvSpPr>
+        <p:spPr/>
+        <p:txBody>
+          <a:bodyPr/>
+          <a:lstStyle/>
+          <a:p>
+            <a:fld id="{B4008EB6-D09E-4580-8CD6-DDB14511944F}" type="slidenum">
+              <a:rPr lang="en-US" smtClean="0"/>
+              <a:pPr/>
+              <a:t>21</a:t>
+            </a:fld>
+            <a:endParaRPr lang="en-US" dirty="0"/>
+          </a:p>
+        </p:txBody>
+      </p:sp>
+    </p:spTree>
+    <p:extLst>
+      <p:ext uri="{BB962C8B-B14F-4D97-AF65-F5344CB8AC3E}">
+        <p14:creationId xmlns:p14="http://schemas.microsoft.com/office/powerpoint/2010/main" val="2401497892"/>
       </p:ext>
     </p:extLst>
   </p:cSld>
@@ -2881,6 +3094,118 @@
           <a:bodyPr/>
           <a:lstStyle/>
           <a:p>
+            <a:r>
+              <a:rPr lang="en-US" dirty="0"/>
+              <a:t>A little bit about me</a:t>
+            </a:r>
+          </a:p>
+          <a:p>
+            <a:endParaRPr lang="en-US" dirty="0"/>
+          </a:p>
+          <a:p>
+            <a:r>
+              <a:rPr lang="en-US" dirty="0"/>
+              <a:t>My name is Ivan Porta, I’m a Senior DevOps Engineer for Techedge group where I mostly focus on the development of CI/CD, application based in </a:t>
+            </a:r>
+            <a:r>
+              <a:rPr lang="en-US" dirty="0" err="1"/>
+              <a:t>kuberentes</a:t>
+            </a:r>
+            <a:r>
+              <a:rPr lang="en-US" dirty="0"/>
+              <a:t>, cloud architect and development of web application with </a:t>
+            </a:r>
+            <a:r>
+              <a:rPr lang="en-US" dirty="0" err="1"/>
+              <a:t>.net</a:t>
+            </a:r>
+            <a:r>
+              <a:rPr lang="en-US" dirty="0"/>
+              <a:t> core framework.</a:t>
+            </a:r>
+          </a:p>
+        </p:txBody>
+      </p:sp>
+      <p:sp>
+        <p:nvSpPr>
+          <p:cNvPr id="4" name="Slide Number Placeholder 3"/>
+          <p:cNvSpPr>
+            <a:spLocks noGrp="1"/>
+          </p:cNvSpPr>
+          <p:nvPr>
+            <p:ph type="sldNum" sz="quarter" idx="5"/>
+          </p:nvPr>
+        </p:nvSpPr>
+        <p:spPr/>
+        <p:txBody>
+          <a:bodyPr/>
+          <a:lstStyle/>
+          <a:p>
+            <a:fld id="{F3A82D5B-3CB3-42EA-B4C3-3CE82A6E669A}" type="slidenum">
+              <a:rPr lang="en-US" smtClean="0"/>
+              <a:t>2</a:t>
+            </a:fld>
+            <a:endParaRPr lang="en-US"/>
+          </a:p>
+        </p:txBody>
+      </p:sp>
+    </p:spTree>
+    <p:extLst>
+      <p:ext uri="{BB962C8B-B14F-4D97-AF65-F5344CB8AC3E}">
+        <p14:creationId xmlns:p14="http://schemas.microsoft.com/office/powerpoint/2010/main" val="112298861"/>
+      </p:ext>
+    </p:extLst>
+  </p:cSld>
+  <p:clrMapOvr>
+    <a:masterClrMapping/>
+  </p:clrMapOvr>
+</p:notes>
+</file>
+
+<file path=ppt/notesSlides/notesSlide20.xml><?xml version="1.0" encoding="utf-8"?>
+<p:notes xmlns:a="http://schemas.openxmlformats.org/drawingml/2006/main" xmlns:r="http://schemas.openxmlformats.org/officeDocument/2006/relationships" xmlns:p="http://schemas.openxmlformats.org/presentationml/2006/main">
+  <p:cSld>
+    <p:spTree>
+      <p:nvGrpSpPr>
+        <p:cNvPr id="1" name=""/>
+        <p:cNvGrpSpPr/>
+        <p:nvPr/>
+      </p:nvGrpSpPr>
+      <p:grpSpPr>
+        <a:xfrm>
+          <a:off x="0" y="0"/>
+          <a:ext cx="0" cy="0"/>
+          <a:chOff x="0" y="0"/>
+          <a:chExt cx="0" cy="0"/>
+        </a:xfrm>
+      </p:grpSpPr>
+      <p:sp>
+        <p:nvSpPr>
+          <p:cNvPr id="2" name="Slide Image Placeholder 1"/>
+          <p:cNvSpPr>
+            <a:spLocks noGrp="1" noRot="1" noChangeAspect="1"/>
+          </p:cNvSpPr>
+          <p:nvPr>
+            <p:ph type="sldImg"/>
+          </p:nvPr>
+        </p:nvSpPr>
+        <p:spPr/>
+      </p:sp>
+      <p:sp>
+        <p:nvSpPr>
+          <p:cNvPr id="3" name="Notes Placeholder 2"/>
+          <p:cNvSpPr>
+            <a:spLocks noGrp="1"/>
+          </p:cNvSpPr>
+          <p:nvPr>
+            <p:ph type="body" idx="1"/>
+          </p:nvPr>
+        </p:nvSpPr>
+        <p:spPr/>
+        <p:txBody>
+          <a:bodyPr/>
+          <a:lstStyle/>
+          <a:p>
             <a:pPr marL="0" marR="0" algn="just">
               <a:lnSpc>
                 <a:spcPct val="107000"/>
@@ -2895,424 +3220,11 @@
                 <a:tab pos="1333500" algn="l"/>
               </a:tabLst>
             </a:pPr>
-            <a:r>
-              <a:rPr lang="en-US" sz="1800" dirty="0">
-                <a:effectLst/>
-                <a:latin typeface="Calibri" panose="020F0502020204030204" pitchFamily="34" charset="0"/>
-                <a:ea typeface="Calibri" panose="020F0502020204030204" pitchFamily="34" charset="0"/>
-                <a:cs typeface="Times New Roman" panose="02020603050405020304" pitchFamily="18" charset="0"/>
-              </a:rPr>
-              <a:t>Because the languages supported by .NET are high-level languages, they need to be 'translated' into a low-level language that reflects the </a:t>
-            </a:r>
-            <a:r>
-              <a:rPr lang="en-US" sz="1800" b="1" dirty="0">
-                <a:effectLst/>
-                <a:latin typeface="Calibri" panose="020F0502020204030204" pitchFamily="34" charset="0"/>
-                <a:ea typeface="Calibri" panose="020F0502020204030204" pitchFamily="34" charset="0"/>
-                <a:cs typeface="Times New Roman" panose="02020603050405020304" pitchFamily="18" charset="0"/>
-              </a:rPr>
-              <a:t>CPU</a:t>
-            </a:r>
-            <a:r>
-              <a:rPr lang="en-US" sz="1800" dirty="0">
-                <a:effectLst/>
-                <a:latin typeface="Calibri" panose="020F0502020204030204" pitchFamily="34" charset="0"/>
-                <a:ea typeface="Calibri" panose="020F0502020204030204" pitchFamily="34" charset="0"/>
-                <a:cs typeface="Times New Roman" panose="02020603050405020304" pitchFamily="18" charset="0"/>
-              </a:rPr>
-              <a:t> operations. This conversion is performed by specific programs called </a:t>
-            </a:r>
-            <a:r>
-              <a:rPr lang="en-US" sz="1800" b="1" dirty="0">
-                <a:effectLst/>
-                <a:latin typeface="Calibri" panose="020F0502020204030204" pitchFamily="34" charset="0"/>
-                <a:ea typeface="Calibri" panose="020F0502020204030204" pitchFamily="34" charset="0"/>
-                <a:cs typeface="Times New Roman" panose="02020603050405020304" pitchFamily="18" charset="0"/>
-              </a:rPr>
-              <a:t>compilers</a:t>
-            </a:r>
-            <a:r>
-              <a:rPr lang="en-US" sz="1800" dirty="0">
-                <a:effectLst/>
-                <a:latin typeface="Calibri" panose="020F0502020204030204" pitchFamily="34" charset="0"/>
-                <a:ea typeface="Calibri" panose="020F0502020204030204" pitchFamily="34" charset="0"/>
-                <a:cs typeface="Times New Roman" panose="02020603050405020304" pitchFamily="18" charset="0"/>
-              </a:rPr>
-              <a:t>.</a:t>
-            </a:r>
-          </a:p>
-          <a:p>
-            <a:pPr marL="0" marR="0" algn="just">
-              <a:lnSpc>
-                <a:spcPct val="107000"/>
-              </a:lnSpc>
-              <a:spcBef>
-                <a:spcPts val="0"/>
-              </a:spcBef>
-              <a:spcAft>
-                <a:spcPts val="800"/>
-              </a:spcAft>
-              <a:tabLst>
-                <a:tab pos="1333500" algn="l"/>
-              </a:tabLst>
-            </a:pPr>
-            <a:r>
-              <a:rPr lang="en-US" sz="1800" b="1" dirty="0">
-                <a:effectLst/>
-                <a:latin typeface="Calibri" panose="020F0502020204030204" pitchFamily="34" charset="0"/>
-                <a:ea typeface="Calibri" panose="020F0502020204030204" pitchFamily="34" charset="0"/>
-                <a:cs typeface="Times New Roman" panose="02020603050405020304" pitchFamily="18" charset="0"/>
-              </a:rPr>
-              <a:t>Compilers and IL Code</a:t>
-            </a:r>
             <a:endParaRPr lang="en-US" sz="1800" dirty="0">
               <a:effectLst/>
               <a:latin typeface="Calibri" panose="020F0502020204030204" pitchFamily="34" charset="0"/>
               <a:ea typeface="Calibri" panose="020F0502020204030204" pitchFamily="34" charset="0"/>
               <a:cs typeface="Times New Roman" panose="02020603050405020304" pitchFamily="18" charset="0"/>
-            </a:endParaRPr>
-          </a:p>
-          <a:p>
-            <a:pPr marL="0" marR="0" algn="just">
-              <a:lnSpc>
-                <a:spcPct val="107000"/>
-              </a:lnSpc>
-              <a:spcBef>
-                <a:spcPts val="0"/>
-              </a:spcBef>
-              <a:spcAft>
-                <a:spcPts val="800"/>
-              </a:spcAft>
-              <a:tabLst>
-                <a:tab pos="1333500" algn="l"/>
-              </a:tabLst>
-            </a:pPr>
-            <a:r>
-              <a:rPr lang="en-US" sz="1800" dirty="0">
-                <a:effectLst/>
-                <a:latin typeface="Calibri" panose="020F0502020204030204" pitchFamily="34" charset="0"/>
-                <a:ea typeface="Calibri" panose="020F0502020204030204" pitchFamily="34" charset="0"/>
-                <a:cs typeface="Times New Roman" panose="02020603050405020304" pitchFamily="18" charset="0"/>
-              </a:rPr>
-              <a:t>Each programming language has its own compiler (C# language has cse.exe compiler, and VB.NET has vbc.exe compiler).</a:t>
-            </a:r>
-          </a:p>
-          <a:p>
-            <a:pPr marL="0" marR="0" algn="just">
-              <a:lnSpc>
-                <a:spcPct val="107000"/>
-              </a:lnSpc>
-              <a:spcBef>
-                <a:spcPts val="0"/>
-              </a:spcBef>
-              <a:spcAft>
-                <a:spcPts val="800"/>
-              </a:spcAft>
-              <a:tabLst>
-                <a:tab pos="1333500" algn="l"/>
-              </a:tabLst>
-            </a:pPr>
-            <a:r>
-              <a:rPr lang="en-US" sz="1800" dirty="0">
-                <a:effectLst/>
-                <a:latin typeface="Calibri" panose="020F0502020204030204" pitchFamily="34" charset="0"/>
-                <a:ea typeface="Calibri" panose="020F0502020204030204" pitchFamily="34" charset="0"/>
-                <a:cs typeface="Times New Roman" panose="02020603050405020304" pitchFamily="18" charset="0"/>
-              </a:rPr>
-              <a:t>However, these compilers do not convert the code directly into native code, but instead into a stack-based assembly language called </a:t>
-            </a:r>
-            <a:r>
-              <a:rPr lang="en-US" sz="1800" b="1" dirty="0">
-                <a:effectLst/>
-                <a:latin typeface="Calibri" panose="020F0502020204030204" pitchFamily="34" charset="0"/>
-                <a:ea typeface="Calibri" panose="020F0502020204030204" pitchFamily="34" charset="0"/>
-                <a:cs typeface="Times New Roman" panose="02020603050405020304" pitchFamily="18" charset="0"/>
-              </a:rPr>
-              <a:t>Intermediate language (IL)</a:t>
-            </a:r>
-            <a:r>
-              <a:rPr lang="en-US" sz="1800" dirty="0">
-                <a:effectLst/>
-                <a:latin typeface="Calibri" panose="020F0502020204030204" pitchFamily="34" charset="0"/>
-                <a:ea typeface="Calibri" panose="020F0502020204030204" pitchFamily="34" charset="0"/>
-                <a:cs typeface="Times New Roman" panose="02020603050405020304" pitchFamily="18" charset="0"/>
-              </a:rPr>
-              <a:t>. IL enables the .NET framework to be CPU-</a:t>
-            </a:r>
-            <a:r>
-              <a:rPr lang="en-US" sz="1800" dirty="0" err="1">
-                <a:effectLst/>
-                <a:latin typeface="Calibri" panose="020F0502020204030204" pitchFamily="34" charset="0"/>
-                <a:ea typeface="Calibri" panose="020F0502020204030204" pitchFamily="34" charset="0"/>
-                <a:cs typeface="Times New Roman" panose="02020603050405020304" pitchFamily="18" charset="0"/>
-              </a:rPr>
-              <a:t>independt</a:t>
-            </a:r>
-            <a:r>
-              <a:rPr lang="en-US" sz="1800" dirty="0">
-                <a:effectLst/>
-                <a:latin typeface="Calibri" panose="020F0502020204030204" pitchFamily="34" charset="0"/>
-                <a:ea typeface="Calibri" panose="020F0502020204030204" pitchFamily="34" charset="0"/>
-                <a:cs typeface="Times New Roman" panose="02020603050405020304" pitchFamily="18" charset="0"/>
-              </a:rPr>
-              <a:t> by allowing compiled source code to be executed in any environment supporting the CLI specification.</a:t>
-            </a:r>
-          </a:p>
-          <a:p>
-            <a:pPr marL="0" marR="0" algn="just">
-              <a:lnSpc>
-                <a:spcPct val="107000"/>
-              </a:lnSpc>
-              <a:spcBef>
-                <a:spcPts val="0"/>
-              </a:spcBef>
-              <a:spcAft>
-                <a:spcPts val="800"/>
-              </a:spcAft>
-              <a:tabLst>
-                <a:tab pos="1333500" algn="l"/>
-              </a:tabLst>
-            </a:pPr>
-            <a:r>
-              <a:rPr lang="en-US" sz="1800" b="1" dirty="0">
-                <a:effectLst/>
-                <a:latin typeface="Calibri" panose="020F0502020204030204" pitchFamily="34" charset="0"/>
-                <a:ea typeface="Calibri" panose="020F0502020204030204" pitchFamily="34" charset="0"/>
-                <a:cs typeface="Times New Roman" panose="02020603050405020304" pitchFamily="18" charset="0"/>
-              </a:rPr>
-              <a:t>Common Language Infrastructure</a:t>
-            </a:r>
-            <a:endParaRPr lang="en-US" sz="1800" dirty="0">
-              <a:effectLst/>
-              <a:latin typeface="Calibri" panose="020F0502020204030204" pitchFamily="34" charset="0"/>
-              <a:ea typeface="Calibri" panose="020F0502020204030204" pitchFamily="34" charset="0"/>
-              <a:cs typeface="Times New Roman" panose="02020603050405020304" pitchFamily="18" charset="0"/>
-            </a:endParaRPr>
-          </a:p>
-          <a:p>
-            <a:pPr marL="0" marR="0" algn="just">
-              <a:lnSpc>
-                <a:spcPct val="107000"/>
-              </a:lnSpc>
-              <a:spcBef>
-                <a:spcPts val="0"/>
-              </a:spcBef>
-              <a:spcAft>
-                <a:spcPts val="800"/>
-              </a:spcAft>
-              <a:tabLst>
-                <a:tab pos="1333500" algn="l"/>
-              </a:tabLst>
-            </a:pPr>
-            <a:r>
-              <a:rPr lang="en-US" sz="1800" dirty="0">
-                <a:effectLst/>
-                <a:latin typeface="Calibri" panose="020F0502020204030204" pitchFamily="34" charset="0"/>
-                <a:ea typeface="Calibri" panose="020F0502020204030204" pitchFamily="34" charset="0"/>
-                <a:cs typeface="Times New Roman" panose="02020603050405020304" pitchFamily="18" charset="0"/>
-              </a:rPr>
-              <a:t>CLI stands for Common Language Infrastructure (CLI) and is the standard that provides a Common Type System (CTS) and a Common Language Specification (CLS)</a:t>
-            </a:r>
-          </a:p>
-          <a:p>
-            <a:pPr marL="342900" marR="0" lvl="0" indent="-342900" algn="just">
-              <a:lnSpc>
-                <a:spcPct val="107000"/>
-              </a:lnSpc>
-              <a:spcBef>
-                <a:spcPts val="0"/>
-              </a:spcBef>
-              <a:spcAft>
-                <a:spcPts val="800"/>
-              </a:spcAft>
-              <a:buFont typeface="Arial" panose="020B0604020202020204" pitchFamily="34" charset="0"/>
-              <a:buChar char="•"/>
-              <a:tabLst>
-                <a:tab pos="457200" algn="l"/>
-                <a:tab pos="1333500" algn="l"/>
-              </a:tabLst>
-            </a:pPr>
-            <a:r>
-              <a:rPr lang="en-US" sz="1800" b="1" dirty="0">
-                <a:effectLst/>
-                <a:latin typeface="Calibri" panose="020F0502020204030204" pitchFamily="34" charset="0"/>
-                <a:ea typeface="Calibri" panose="020F0502020204030204" pitchFamily="34" charset="0"/>
-                <a:cs typeface="Times New Roman" panose="02020603050405020304" pitchFamily="18" charset="0"/>
-              </a:rPr>
-              <a:t>CLS</a:t>
-            </a:r>
-            <a:r>
-              <a:rPr lang="en-US" sz="1800" dirty="0">
-                <a:effectLst/>
-                <a:latin typeface="Calibri" panose="020F0502020204030204" pitchFamily="34" charset="0"/>
-                <a:ea typeface="Calibri" panose="020F0502020204030204" pitchFamily="34" charset="0"/>
-                <a:cs typeface="Times New Roman" panose="02020603050405020304" pitchFamily="18" charset="0"/>
-              </a:rPr>
-              <a:t>: defines a set of rules and restrictions that every language which runs under the .NET implementation must follow. (C# every statement must end with a semicolon)</a:t>
-            </a:r>
-          </a:p>
-          <a:p>
-            <a:pPr marL="342900" marR="0" lvl="0" indent="-342900" algn="just">
-              <a:lnSpc>
-                <a:spcPct val="107000"/>
-              </a:lnSpc>
-              <a:spcBef>
-                <a:spcPts val="0"/>
-              </a:spcBef>
-              <a:spcAft>
-                <a:spcPts val="800"/>
-              </a:spcAft>
-              <a:buFont typeface="Arial" panose="020B0604020202020204" pitchFamily="34" charset="0"/>
-              <a:buChar char="•"/>
-              <a:tabLst>
-                <a:tab pos="457200" algn="l"/>
-                <a:tab pos="1333500" algn="l"/>
-              </a:tabLst>
-            </a:pPr>
-            <a:r>
-              <a:rPr lang="en-US" sz="1800" b="1" dirty="0">
-                <a:effectLst/>
-                <a:latin typeface="Calibri" panose="020F0502020204030204" pitchFamily="34" charset="0"/>
-                <a:ea typeface="Calibri" panose="020F0502020204030204" pitchFamily="34" charset="0"/>
-                <a:cs typeface="Times New Roman" panose="02020603050405020304" pitchFamily="18" charset="0"/>
-              </a:rPr>
-              <a:t>CTS</a:t>
-            </a:r>
-            <a:r>
-              <a:rPr lang="en-US" sz="1800" dirty="0">
-                <a:effectLst/>
-                <a:latin typeface="Calibri" panose="020F0502020204030204" pitchFamily="34" charset="0"/>
-                <a:ea typeface="Calibri" panose="020F0502020204030204" pitchFamily="34" charset="0"/>
-                <a:cs typeface="Times New Roman" panose="02020603050405020304" pitchFamily="18" charset="0"/>
-              </a:rPr>
-              <a:t>: describes datatypes that can be used by managed code. (C# has an </a:t>
-            </a:r>
-            <a:r>
-              <a:rPr lang="en-US" sz="1800" b="1" dirty="0">
-                <a:effectLst/>
-                <a:latin typeface="Calibri" panose="020F0502020204030204" pitchFamily="34" charset="0"/>
-                <a:ea typeface="Calibri" panose="020F0502020204030204" pitchFamily="34" charset="0"/>
-                <a:cs typeface="Times New Roman" panose="02020603050405020304" pitchFamily="18" charset="0"/>
-              </a:rPr>
-              <a:t>int </a:t>
-            </a:r>
-            <a:r>
-              <a:rPr lang="en-US" sz="1800" dirty="0">
-                <a:effectLst/>
-                <a:latin typeface="Calibri" panose="020F0502020204030204" pitchFamily="34" charset="0"/>
-                <a:ea typeface="Calibri" panose="020F0502020204030204" pitchFamily="34" charset="0"/>
-                <a:cs typeface="Times New Roman" panose="02020603050405020304" pitchFamily="18" charset="0"/>
-              </a:rPr>
-              <a:t>data type and VB.NET has </a:t>
-            </a:r>
-            <a:r>
-              <a:rPr lang="en-US" sz="1800" b="1" dirty="0">
-                <a:effectLst/>
-                <a:latin typeface="Calibri" panose="020F0502020204030204" pitchFamily="34" charset="0"/>
-                <a:ea typeface="Calibri" panose="020F0502020204030204" pitchFamily="34" charset="0"/>
-                <a:cs typeface="Times New Roman" panose="02020603050405020304" pitchFamily="18" charset="0"/>
-              </a:rPr>
-              <a:t>Integer </a:t>
-            </a:r>
-            <a:r>
-              <a:rPr lang="en-US" sz="1800" dirty="0">
-                <a:effectLst/>
-                <a:latin typeface="Calibri" panose="020F0502020204030204" pitchFamily="34" charset="0"/>
-                <a:ea typeface="Calibri" panose="020F0502020204030204" pitchFamily="34" charset="0"/>
-                <a:cs typeface="Times New Roman" panose="02020603050405020304" pitchFamily="18" charset="0"/>
-              </a:rPr>
-              <a:t>data type.)</a:t>
-            </a:r>
-          </a:p>
-          <a:p>
-            <a:pPr marL="0" marR="0" algn="just">
-              <a:lnSpc>
-                <a:spcPct val="107000"/>
-              </a:lnSpc>
-              <a:spcBef>
-                <a:spcPts val="0"/>
-              </a:spcBef>
-              <a:spcAft>
-                <a:spcPts val="800"/>
-              </a:spcAft>
-              <a:tabLst>
-                <a:tab pos="1333500" algn="l"/>
-              </a:tabLst>
-            </a:pPr>
-            <a:r>
-              <a:rPr lang="en-US" sz="1800" b="1" dirty="0">
-                <a:effectLst/>
-                <a:latin typeface="Calibri" panose="020F0502020204030204" pitchFamily="34" charset="0"/>
-                <a:ea typeface="Calibri" panose="020F0502020204030204" pitchFamily="34" charset="0"/>
-                <a:cs typeface="Times New Roman" panose="02020603050405020304" pitchFamily="18" charset="0"/>
-              </a:rPr>
-              <a:t>JIT Compiler</a:t>
-            </a:r>
-            <a:endParaRPr lang="en-US" sz="1800" dirty="0">
-              <a:effectLst/>
-              <a:latin typeface="Calibri" panose="020F0502020204030204" pitchFamily="34" charset="0"/>
-              <a:ea typeface="Calibri" panose="020F0502020204030204" pitchFamily="34" charset="0"/>
-              <a:cs typeface="Times New Roman" panose="02020603050405020304" pitchFamily="18" charset="0"/>
-            </a:endParaRPr>
-          </a:p>
-          <a:p>
-            <a:pPr marL="0" marR="0" algn="just">
-              <a:lnSpc>
-                <a:spcPct val="107000"/>
-              </a:lnSpc>
-              <a:spcBef>
-                <a:spcPts val="0"/>
-              </a:spcBef>
-              <a:spcAft>
-                <a:spcPts val="800"/>
-              </a:spcAft>
-              <a:tabLst>
-                <a:tab pos="1333500" algn="l"/>
-              </a:tabLst>
-            </a:pPr>
-            <a:r>
-              <a:rPr lang="en-US" sz="1800" dirty="0">
-                <a:effectLst/>
-                <a:latin typeface="Calibri" panose="020F0502020204030204" pitchFamily="34" charset="0"/>
-                <a:ea typeface="Calibri" panose="020F0502020204030204" pitchFamily="34" charset="0"/>
-                <a:cs typeface="Times New Roman" panose="02020603050405020304" pitchFamily="18" charset="0"/>
-              </a:rPr>
-              <a:t>Once the code is compiled and the application starts the execution, the CLR takes the IL code, and a specific compiler called </a:t>
-            </a:r>
-            <a:r>
-              <a:rPr lang="en-US" sz="1800" b="1" dirty="0">
-                <a:effectLst/>
-                <a:latin typeface="Calibri" panose="020F0502020204030204" pitchFamily="34" charset="0"/>
-                <a:ea typeface="Calibri" panose="020F0502020204030204" pitchFamily="34" charset="0"/>
-                <a:cs typeface="Times New Roman" panose="02020603050405020304" pitchFamily="18" charset="0"/>
-              </a:rPr>
-              <a:t>Just-in-time (JIT) compiler</a:t>
-            </a:r>
-            <a:r>
-              <a:rPr lang="en-US" sz="1800" dirty="0">
-                <a:effectLst/>
-                <a:latin typeface="Calibri" panose="020F0502020204030204" pitchFamily="34" charset="0"/>
-                <a:ea typeface="Calibri" panose="020F0502020204030204" pitchFamily="34" charset="0"/>
-                <a:cs typeface="Times New Roman" panose="02020603050405020304" pitchFamily="18" charset="0"/>
-              </a:rPr>
-              <a:t> inspects the type safety of the code, converts the IL as needed during execution, and stores the resulting native code in memory so that it is accessible for subsequent calls. </a:t>
-            </a:r>
-          </a:p>
-          <a:p>
-            <a:r>
-              <a:rPr lang="en-US" sz="1800" dirty="0">
-                <a:effectLst/>
-                <a:latin typeface="Calibri" panose="020F0502020204030204" pitchFamily="34" charset="0"/>
-                <a:ea typeface="Calibri" panose="020F0502020204030204" pitchFamily="34" charset="0"/>
-                <a:cs typeface="Times New Roman" panose="02020603050405020304" pitchFamily="18" charset="0"/>
-              </a:rPr>
-              <a:t>JIT means it's performing the compilation as the app runs: when a method that hasn't yet been compiled is invoked, the JIT needs to provide the assembly code for it on-demand.</a:t>
-            </a:r>
-            <a:endParaRPr lang="en-US" dirty="0">
-              <a:solidFill>
-                <a:srgbClr val="0E101A"/>
-              </a:solidFill>
-              <a:effectLst/>
             </a:endParaRPr>
           </a:p>
         </p:txBody>
@@ -3407,7 +3319,7 @@
           <a:p>
             <a:fld id="{D18B56EA-E28F-4F92-9F16-7A6F2501B303}" type="datetime8">
               <a:rPr lang="en-US" smtClean="0"/>
-              <a:t>2/3/2021 8:41 PM</a:t>
+              <a:t>2/4/2021 8:00 PM</a:t>
             </a:fld>
             <a:endParaRPr lang="en-US" dirty="0"/>
           </a:p>
@@ -3431,7 +3343,7 @@
             <a:fld id="{B4008EB6-D09E-4580-8CD6-DDB14511944F}" type="slidenum">
               <a:rPr lang="en-US" smtClean="0"/>
               <a:pPr/>
-              <a:t>5</a:t>
+              <a:t>23</a:t>
             </a:fld>
             <a:endParaRPr lang="en-US" dirty="0"/>
           </a:p>
@@ -3440,7 +3352,7 @@
     </p:spTree>
     <p:extLst>
       <p:ext uri="{BB962C8B-B14F-4D97-AF65-F5344CB8AC3E}">
-        <p14:creationId xmlns:p14="http://schemas.microsoft.com/office/powerpoint/2010/main" val="2496768694"/>
+        <p14:creationId xmlns:p14="http://schemas.microsoft.com/office/powerpoint/2010/main" val="3306930592"/>
       </p:ext>
     </p:extLst>
   </p:cSld>
@@ -3494,293 +3406,25 @@
           <a:bodyPr/>
           <a:lstStyle/>
           <a:p>
-            <a:pPr marL="0" marR="0" algn="just">
-              <a:lnSpc>
-                <a:spcPct val="107000"/>
-              </a:lnSpc>
-              <a:spcBef>
-                <a:spcPts val="0"/>
-              </a:spcBef>
-              <a:spcAft>
-                <a:spcPts val="800"/>
-              </a:spcAft>
-              <a:tabLst>
-                <a:tab pos="1333500" algn="l"/>
-              </a:tabLst>
-            </a:pPr>
-            <a:r>
-              <a:rPr lang="en-US" sz="1800" dirty="0">
-                <a:effectLst/>
-                <a:latin typeface="Calibri" panose="020F0502020204030204" pitchFamily="34" charset="0"/>
-                <a:ea typeface="Calibri" panose="020F0502020204030204" pitchFamily="34" charset="0"/>
-                <a:cs typeface="Times New Roman" panose="02020603050405020304" pitchFamily="18" charset="0"/>
-              </a:rPr>
-              <a:t>ASP.NET is a open source framework that extends the .NET platform with tools and libraries specifically for building web apps.</a:t>
-            </a:r>
-          </a:p>
-          <a:p>
-            <a:pPr marL="0" marR="0" algn="just">
-              <a:lnSpc>
-                <a:spcPct val="107000"/>
-              </a:lnSpc>
-              <a:spcBef>
-                <a:spcPts val="0"/>
-              </a:spcBef>
-              <a:spcAft>
-                <a:spcPts val="800"/>
-              </a:spcAft>
-              <a:tabLst>
-                <a:tab pos="1333500" algn="l"/>
-              </a:tabLst>
-            </a:pPr>
-            <a:r>
-              <a:rPr lang="en-US" sz="1800" dirty="0">
-                <a:effectLst/>
-                <a:latin typeface="Calibri" panose="020F0502020204030204" pitchFamily="34" charset="0"/>
-                <a:ea typeface="Calibri" panose="020F0502020204030204" pitchFamily="34" charset="0"/>
-                <a:cs typeface="Times New Roman" panose="02020603050405020304" pitchFamily="18" charset="0"/>
-              </a:rPr>
-              <a:t>For example, some feature that it introduces are:</a:t>
-            </a:r>
-          </a:p>
-          <a:p>
-            <a:pPr marL="342900" marR="0" lvl="0" indent="-342900" algn="just">
-              <a:lnSpc>
-                <a:spcPct val="107000"/>
-              </a:lnSpc>
-              <a:spcBef>
-                <a:spcPts val="0"/>
-              </a:spcBef>
-              <a:spcAft>
-                <a:spcPts val="800"/>
-              </a:spcAft>
-              <a:buFont typeface="Arial" panose="020B0604020202020204" pitchFamily="34" charset="0"/>
-              <a:buChar char="•"/>
-              <a:tabLst>
-                <a:tab pos="457200" algn="l"/>
-                <a:tab pos="1333500" algn="l"/>
-              </a:tabLst>
-            </a:pPr>
-            <a:r>
-              <a:rPr lang="en-US" sz="1800" dirty="0">
-                <a:effectLst/>
-                <a:latin typeface="Calibri" panose="020F0502020204030204" pitchFamily="34" charset="0"/>
-                <a:ea typeface="Calibri" panose="020F0502020204030204" pitchFamily="34" charset="0"/>
-                <a:cs typeface="Times New Roman" panose="02020603050405020304" pitchFamily="18" charset="0"/>
-              </a:rPr>
-              <a:t>authentication protocols</a:t>
-            </a:r>
-          </a:p>
-          <a:p>
-            <a:pPr marL="342900" marR="0" lvl="0" indent="-342900" algn="just">
-              <a:lnSpc>
-                <a:spcPct val="107000"/>
-              </a:lnSpc>
-              <a:spcBef>
-                <a:spcPts val="0"/>
-              </a:spcBef>
-              <a:spcAft>
-                <a:spcPts val="800"/>
-              </a:spcAft>
-              <a:buFont typeface="Arial" panose="020B0604020202020204" pitchFamily="34" charset="0"/>
-              <a:buChar char="•"/>
-              <a:tabLst>
-                <a:tab pos="457200" algn="l"/>
-                <a:tab pos="1333500" algn="l"/>
-              </a:tabLst>
-            </a:pPr>
-            <a:r>
-              <a:rPr lang="en-US" sz="1800" dirty="0">
-                <a:effectLst/>
-                <a:latin typeface="Calibri" panose="020F0502020204030204" pitchFamily="34" charset="0"/>
-                <a:ea typeface="Calibri" panose="020F0502020204030204" pitchFamily="34" charset="0"/>
-                <a:cs typeface="Times New Roman" panose="02020603050405020304" pitchFamily="18" charset="0"/>
-              </a:rPr>
-              <a:t>cross-site scripting (XSS) and cross-site request forgery (CSRF) protection</a:t>
-            </a:r>
-          </a:p>
-          <a:p>
-            <a:pPr marL="342900" marR="0" lvl="0" indent="-342900" algn="just">
-              <a:lnSpc>
-                <a:spcPct val="107000"/>
-              </a:lnSpc>
-              <a:spcBef>
-                <a:spcPts val="0"/>
-              </a:spcBef>
-              <a:spcAft>
-                <a:spcPts val="800"/>
-              </a:spcAft>
-              <a:buFont typeface="Arial" panose="020B0604020202020204" pitchFamily="34" charset="0"/>
-              <a:buChar char="•"/>
-              <a:tabLst>
-                <a:tab pos="457200" algn="l"/>
-                <a:tab pos="1333500" algn="l"/>
-              </a:tabLst>
-            </a:pPr>
-            <a:r>
-              <a:rPr lang="en-US" sz="1800" dirty="0">
-                <a:effectLst/>
-                <a:latin typeface="Calibri" panose="020F0502020204030204" pitchFamily="34" charset="0"/>
-                <a:ea typeface="Calibri" panose="020F0502020204030204" pitchFamily="34" charset="0"/>
-                <a:cs typeface="Times New Roman" panose="02020603050405020304" pitchFamily="18" charset="0"/>
-              </a:rPr>
-              <a:t>external authentication with Google, Twitter</a:t>
-            </a:r>
-          </a:p>
-          <a:p>
-            <a:pPr marL="342900" marR="0" lvl="0" indent="-342900" algn="just">
-              <a:lnSpc>
-                <a:spcPct val="107000"/>
-              </a:lnSpc>
-              <a:spcBef>
-                <a:spcPts val="0"/>
-              </a:spcBef>
-              <a:spcAft>
-                <a:spcPts val="800"/>
-              </a:spcAft>
-              <a:buFont typeface="Arial" panose="020B0604020202020204" pitchFamily="34" charset="0"/>
-              <a:buChar char="•"/>
-              <a:tabLst>
-                <a:tab pos="457200" algn="l"/>
-                <a:tab pos="1333500" algn="l"/>
-              </a:tabLst>
-            </a:pPr>
-            <a:r>
-              <a:rPr lang="en-US" sz="1800" dirty="0">
-                <a:effectLst/>
-                <a:latin typeface="Calibri" panose="020F0502020204030204" pitchFamily="34" charset="0"/>
-                <a:ea typeface="Calibri" panose="020F0502020204030204" pitchFamily="34" charset="0"/>
-                <a:cs typeface="Times New Roman" panose="02020603050405020304" pitchFamily="18" charset="0"/>
-              </a:rPr>
-              <a:t>Web page templating to implement MVC web pattern</a:t>
-            </a:r>
-          </a:p>
-          <a:p>
-            <a:pPr marL="0" marR="0" algn="just">
-              <a:lnSpc>
-                <a:spcPct val="107000"/>
-              </a:lnSpc>
-              <a:spcBef>
-                <a:spcPts val="0"/>
-              </a:spcBef>
-              <a:spcAft>
-                <a:spcPts val="800"/>
-              </a:spcAft>
-              <a:tabLst>
-                <a:tab pos="1333500" algn="l"/>
-              </a:tabLst>
-            </a:pPr>
-            <a:r>
-              <a:rPr lang="en-US" sz="1800" dirty="0">
-                <a:effectLst/>
-                <a:latin typeface="Calibri" panose="020F0502020204030204" pitchFamily="34" charset="0"/>
-                <a:ea typeface="Calibri" panose="020F0502020204030204" pitchFamily="34" charset="0"/>
-                <a:cs typeface="Times New Roman" panose="02020603050405020304" pitchFamily="18" charset="0"/>
-              </a:rPr>
-              <a:t>and more.</a:t>
+            <a:r>
+              <a:rPr lang="en-US" dirty="0"/>
+              <a:t>These are the topic that we are going to see in this session.</a:t>
+            </a:r>
+          </a:p>
+          <a:p>
+            <a:endParaRPr lang="en-US" dirty="0"/>
+          </a:p>
+          <a:p>
+            <a:r>
+              <a:rPr lang="en-US" dirty="0"/>
+              <a:t>There is a lot to cover so let’s start</a:t>
             </a:r>
           </a:p>
         </p:txBody>
       </p:sp>
       <p:sp>
         <p:nvSpPr>
-          <p:cNvPr id="4" name="Header Placeholder 3"/>
-          <p:cNvSpPr>
-            <a:spLocks noGrp="1"/>
-          </p:cNvSpPr>
-          <p:nvPr>
-            <p:ph type="hdr" sz="quarter"/>
-          </p:nvPr>
-        </p:nvSpPr>
-        <p:spPr/>
-        <p:txBody>
-          <a:bodyPr/>
-          <a:lstStyle/>
-          <a:p>
-            <a:endParaRPr lang="en-US" dirty="0"/>
-          </a:p>
-        </p:txBody>
-      </p:sp>
-      <p:sp>
-        <p:nvSpPr>
-          <p:cNvPr id="5" name="Footer Placeholder 4"/>
-          <p:cNvSpPr>
-            <a:spLocks noGrp="1"/>
-          </p:cNvSpPr>
-          <p:nvPr>
-            <p:ph type="ftr" sz="quarter" idx="4"/>
-          </p:nvPr>
-        </p:nvSpPr>
-        <p:spPr/>
-        <p:txBody>
-          <a:bodyPr/>
-          <a:lstStyle/>
-          <a:p>
-            <a:pPr defTabSz="914099" eaLnBrk="0" hangingPunct="0"/>
-            <a:r>
-              <a:rPr lang="en-US" sz="400">
-                <a:gradFill>
-                  <a:gsLst>
-                    <a:gs pos="0">
-                      <a:prstClr val="black"/>
-                    </a:gs>
-                    <a:gs pos="100000">
-                      <a:prstClr val="black"/>
-                    </a:gs>
-                  </a:gsLst>
-                  <a:lin ang="5400000" scaled="0"/>
-                </a:gradFill>
-                <a:latin typeface="Segoe UI" pitchFamily="34" charset="0"/>
-                <a:ea typeface="Segoe UI" pitchFamily="34" charset="0"/>
-                <a:cs typeface="Segoe UI" pitchFamily="34" charset="0"/>
-              </a:rPr>
-              <a:t>© Microsoft Corporation. All rights reserved. MICROSOFT MAKES NO WARRANTIES, EXPRESS, IMPLIED OR STATUTORY, AS TO THE INFORMATION IN THIS PRESENTATION.</a:t>
-            </a:r>
-            <a:endParaRPr lang="en-US" sz="400" dirty="0">
-              <a:gradFill>
-                <a:gsLst>
-                  <a:gs pos="0">
-                    <a:prstClr val="black"/>
-                  </a:gs>
-                  <a:gs pos="100000">
-                    <a:prstClr val="black"/>
-                  </a:gs>
-                </a:gsLst>
-                <a:lin ang="5400000" scaled="0"/>
-              </a:gradFill>
-              <a:latin typeface="Segoe UI" pitchFamily="34" charset="0"/>
-              <a:ea typeface="Segoe UI" pitchFamily="34" charset="0"/>
-              <a:cs typeface="Segoe UI" pitchFamily="34" charset="0"/>
-            </a:endParaRPr>
-          </a:p>
-        </p:txBody>
-      </p:sp>
-      <p:sp>
-        <p:nvSpPr>
-          <p:cNvPr id="6" name="Date Placeholder 5"/>
-          <p:cNvSpPr>
-            <a:spLocks noGrp="1"/>
-          </p:cNvSpPr>
-          <p:nvPr>
-            <p:ph type="dt" idx="1"/>
-          </p:nvPr>
-        </p:nvSpPr>
-        <p:spPr/>
-        <p:txBody>
-          <a:bodyPr/>
-          <a:lstStyle/>
-          <a:p>
-            <a:fld id="{D18B56EA-E28F-4F92-9F16-7A6F2501B303}" type="datetime8">
-              <a:rPr lang="en-US" smtClean="0"/>
-              <a:t>2/3/2021 8:41 PM</a:t>
-            </a:fld>
-            <a:endParaRPr lang="en-US" dirty="0"/>
-          </a:p>
-        </p:txBody>
-      </p:sp>
-      <p:sp>
-        <p:nvSpPr>
-          <p:cNvPr id="7" name="Slide Number Placeholder 6"/>
+          <p:cNvPr id="4" name="Slide Number Placeholder 3"/>
           <p:cNvSpPr>
             <a:spLocks noGrp="1"/>
           </p:cNvSpPr>
@@ -3793,19 +3437,18 @@
           <a:bodyPr/>
           <a:lstStyle/>
           <a:p>
-            <a:fld id="{B4008EB6-D09E-4580-8CD6-DDB14511944F}" type="slidenum">
+            <a:fld id="{F3A82D5B-3CB3-42EA-B4C3-3CE82A6E669A}" type="slidenum">
               <a:rPr lang="en-US" smtClean="0"/>
-              <a:pPr/>
-              <a:t>6</a:t>
+              <a:t>3</a:t>
             </a:fld>
-            <a:endParaRPr lang="en-US" dirty="0"/>
+            <a:endParaRPr lang="en-US"/>
           </a:p>
         </p:txBody>
       </p:sp>
     </p:spTree>
     <p:extLst>
       <p:ext uri="{BB962C8B-B14F-4D97-AF65-F5344CB8AC3E}">
-        <p14:creationId xmlns:p14="http://schemas.microsoft.com/office/powerpoint/2010/main" val="2645516027"/>
+        <p14:creationId xmlns:p14="http://schemas.microsoft.com/office/powerpoint/2010/main" val="1720549917"/>
       </p:ext>
     </p:extLst>
   </p:cSld>
@@ -3859,7 +3502,7 @@
           <a:bodyPr/>
           <a:lstStyle/>
           <a:p>
-            <a:pPr marL="0" marR="0" algn="just">
+            <a:pPr marL="0" marR="0">
               <a:lnSpc>
                 <a:spcPct val="107000"/>
               </a:lnSpc>
@@ -3869,22 +3512,19 @@
               <a:spcAft>
                 <a:spcPts val="800"/>
               </a:spcAft>
-              <a:tabLst>
-                <a:tab pos="1333500" algn="l"/>
-              </a:tabLst>
             </a:pPr>
             <a:r>
-              <a:rPr lang="en-US" sz="1800" dirty="0">
+              <a:rPr lang="en-US" sz="1200" dirty="0">
                 <a:effectLst/>
                 <a:latin typeface="Calibri" panose="020F0502020204030204" pitchFamily="34" charset="0"/>
                 <a:ea typeface="Calibri" panose="020F0502020204030204" pitchFamily="34" charset="0"/>
                 <a:cs typeface="Times New Roman" panose="02020603050405020304" pitchFamily="18" charset="0"/>
               </a:rPr>
-              <a:t>The development of a new ASP.NET came from the need to create a new web framework with the following characteristics:</a:t>
-            </a:r>
-          </a:p>
-          <a:p>
-            <a:pPr marL="0" marR="0" algn="just">
+              <a:t>.NET is a platform developed by Microsoft, and thanks to its many implementations allows developers to create web, mobile, desktop, games, and even IoT applications. </a:t>
+            </a:r>
+          </a:p>
+          <a:p>
+            <a:pPr marL="0" marR="0">
               <a:lnSpc>
                 <a:spcPct val="107000"/>
               </a:lnSpc>
@@ -3894,28 +3534,19 @@
               <a:spcAft>
                 <a:spcPts val="800"/>
               </a:spcAft>
-              <a:tabLst>
-                <a:tab pos="1333500" algn="l"/>
-              </a:tabLst>
             </a:pPr>
             <a:r>
-              <a:rPr lang="en-US" sz="1800" b="1" dirty="0">
+              <a:rPr lang="en-US" sz="1200" dirty="0">
                 <a:effectLst/>
                 <a:latin typeface="Calibri" panose="020F0502020204030204" pitchFamily="34" charset="0"/>
                 <a:ea typeface="Calibri" panose="020F0502020204030204" pitchFamily="34" charset="0"/>
                 <a:cs typeface="Times New Roman" panose="02020603050405020304" pitchFamily="18" charset="0"/>
               </a:rPr>
-              <a:t>Cross-platform</a:t>
-            </a:r>
-            <a:endParaRPr lang="en-US" sz="1800" dirty="0">
-              <a:effectLst/>
-              <a:latin typeface="Calibri" panose="020F0502020204030204" pitchFamily="34" charset="0"/>
-              <a:ea typeface="Calibri" panose="020F0502020204030204" pitchFamily="34" charset="0"/>
-              <a:cs typeface="Times New Roman" panose="02020603050405020304" pitchFamily="18" charset="0"/>
-            </a:endParaRPr>
-          </a:p>
-          <a:p>
-            <a:pPr marL="0" marR="0" algn="just">
+              <a:t>.NET has several implementations:</a:t>
+            </a:r>
+          </a:p>
+          <a:p>
+            <a:pPr marL="342900" marR="0" lvl="0" indent="-342900">
               <a:lnSpc>
                 <a:spcPct val="107000"/>
               </a:lnSpc>
@@ -3925,22 +3556,33 @@
               <a:spcAft>
                 <a:spcPts val="800"/>
               </a:spcAft>
+              <a:buFont typeface="Arial" panose="020B0604020202020204" pitchFamily="34" charset="0"/>
+              <a:buChar char="•"/>
               <a:tabLst>
-                <a:tab pos="1333500" algn="l"/>
+                <a:tab pos="457200" algn="l"/>
               </a:tabLst>
             </a:pPr>
             <a:r>
-              <a:rPr lang="en-US" sz="1800" dirty="0">
+              <a:rPr lang="en-US" sz="1200" b="1" dirty="0">
                 <a:effectLst/>
                 <a:latin typeface="Calibri" panose="020F0502020204030204" pitchFamily="34" charset="0"/>
                 <a:ea typeface="Calibri" panose="020F0502020204030204" pitchFamily="34" charset="0"/>
                 <a:cs typeface="Times New Roman" panose="02020603050405020304" pitchFamily="18" charset="0"/>
               </a:rPr>
-              <a:t>.NET Core can run on Windows, Linux, and macOS</a:t>
-            </a:r>
-          </a:p>
-          <a:p>
-            <a:pPr marL="0" marR="0" algn="just">
+              <a:t>.NET Core</a:t>
+            </a:r>
+            <a:r>
+              <a:rPr lang="en-US" sz="1200" dirty="0">
+                <a:effectLst/>
+                <a:latin typeface="Calibri" panose="020F0502020204030204" pitchFamily="34" charset="0"/>
+                <a:ea typeface="Calibri" panose="020F0502020204030204" pitchFamily="34" charset="0"/>
+                <a:cs typeface="Times New Roman" panose="02020603050405020304" pitchFamily="18" charset="0"/>
+              </a:rPr>
+              <a:t> supports websites, servers, and console apps on Windows, Linux, and macOS (cross-platform implementation capabilities).</a:t>
+            </a:r>
+          </a:p>
+          <a:p>
+            <a:pPr marL="342900" marR="0" lvl="0" indent="-342900">
               <a:lnSpc>
                 <a:spcPct val="107000"/>
               </a:lnSpc>
@@ -3950,28 +3592,33 @@
               <a:spcAft>
                 <a:spcPts val="800"/>
               </a:spcAft>
+              <a:buFont typeface="Arial" panose="020B0604020202020204" pitchFamily="34" charset="0"/>
+              <a:buChar char="•"/>
               <a:tabLst>
-                <a:tab pos="1333500" algn="l"/>
+                <a:tab pos="457200" algn="l"/>
               </a:tabLst>
             </a:pPr>
             <a:r>
-              <a:rPr lang="en-US" sz="1800" b="1" dirty="0">
+              <a:rPr lang="en-US" sz="1200" b="1" dirty="0">
                 <a:effectLst/>
                 <a:latin typeface="Calibri" panose="020F0502020204030204" pitchFamily="34" charset="0"/>
                 <a:ea typeface="Calibri" panose="020F0502020204030204" pitchFamily="34" charset="0"/>
                 <a:cs typeface="Times New Roman" panose="02020603050405020304" pitchFamily="18" charset="0"/>
               </a:rPr>
-              <a:t>Host Agnostic</a:t>
-            </a:r>
-            <a:endParaRPr lang="en-US" sz="1800" dirty="0">
-              <a:effectLst/>
-              <a:latin typeface="Calibri" panose="020F0502020204030204" pitchFamily="34" charset="0"/>
-              <a:ea typeface="Calibri" panose="020F0502020204030204" pitchFamily="34" charset="0"/>
-              <a:cs typeface="Times New Roman" panose="02020603050405020304" pitchFamily="18" charset="0"/>
-            </a:endParaRPr>
-          </a:p>
-          <a:p>
-            <a:pPr marL="0" marR="0" algn="just">
+              <a:t>.NET Framework</a:t>
+            </a:r>
+            <a:r>
+              <a:rPr lang="en-US" sz="1200" dirty="0">
+                <a:effectLst/>
+                <a:latin typeface="Calibri" panose="020F0502020204030204" pitchFamily="34" charset="0"/>
+                <a:ea typeface="Calibri" panose="020F0502020204030204" pitchFamily="34" charset="0"/>
+                <a:cs typeface="Times New Roman" panose="02020603050405020304" pitchFamily="18" charset="0"/>
+              </a:rPr>
+              <a:t> supports websites, services, desktop apps only on Windows.</a:t>
+            </a:r>
+          </a:p>
+          <a:p>
+            <a:pPr marL="342900" marR="0" lvl="0" indent="-342900">
               <a:lnSpc>
                 <a:spcPct val="107000"/>
               </a:lnSpc>
@@ -3981,67 +3628,33 @@
               <a:spcAft>
                 <a:spcPts val="800"/>
               </a:spcAft>
+              <a:buFont typeface="Arial" panose="020B0604020202020204" pitchFamily="34" charset="0"/>
+              <a:buChar char="•"/>
               <a:tabLst>
-                <a:tab pos="1333500" algn="l"/>
+                <a:tab pos="457200" algn="l"/>
               </a:tabLst>
             </a:pPr>
             <a:r>
-              <a:rPr lang="en-US" sz="1800" dirty="0">
+              <a:rPr lang="en-US" sz="1200" b="1" dirty="0">
                 <a:effectLst/>
                 <a:latin typeface="Calibri" panose="020F0502020204030204" pitchFamily="34" charset="0"/>
                 <a:ea typeface="Calibri" panose="020F0502020204030204" pitchFamily="34" charset="0"/>
                 <a:cs typeface="Times New Roman" panose="02020603050405020304" pitchFamily="18" charset="0"/>
               </a:rPr>
-              <a:t>ASP.NET was built on the legacy of </a:t>
-            </a:r>
-            <a:r>
-              <a:rPr lang="en-US" sz="1800" b="1" dirty="0" err="1">
+              <a:t>Xamarin</a:t>
+            </a:r>
+            <a:r>
+              <a:rPr lang="en-US" sz="1200" dirty="0">
                 <a:effectLst/>
                 <a:latin typeface="Calibri" panose="020F0502020204030204" pitchFamily="34" charset="0"/>
                 <a:ea typeface="Calibri" panose="020F0502020204030204" pitchFamily="34" charset="0"/>
                 <a:cs typeface="Times New Roman" panose="02020603050405020304" pitchFamily="18" charset="0"/>
               </a:rPr>
-              <a:t>System.Web</a:t>
-            </a:r>
-            <a:r>
-              <a:rPr lang="en-US" sz="1800" b="1" dirty="0">
-                <a:effectLst/>
-                <a:latin typeface="Calibri" panose="020F0502020204030204" pitchFamily="34" charset="0"/>
-                <a:ea typeface="Calibri" panose="020F0502020204030204" pitchFamily="34" charset="0"/>
-                <a:cs typeface="Times New Roman" panose="02020603050405020304" pitchFamily="18" charset="0"/>
-              </a:rPr>
-              <a:t> </a:t>
-            </a:r>
-            <a:r>
-              <a:rPr lang="en-US" sz="1800" dirty="0">
-                <a:effectLst/>
-                <a:latin typeface="Calibri" panose="020F0502020204030204" pitchFamily="34" charset="0"/>
-                <a:ea typeface="Calibri" panose="020F0502020204030204" pitchFamily="34" charset="0"/>
-                <a:cs typeface="Times New Roman" panose="02020603050405020304" pitchFamily="18" charset="0"/>
-              </a:rPr>
-              <a:t>library and </a:t>
-            </a:r>
-            <a:r>
-              <a:rPr lang="en-US" sz="1800" b="1" dirty="0">
-                <a:effectLst/>
-                <a:latin typeface="Calibri" panose="020F0502020204030204" pitchFamily="34" charset="0"/>
-                <a:ea typeface="Calibri" panose="020F0502020204030204" pitchFamily="34" charset="0"/>
-                <a:cs typeface="Times New Roman" panose="02020603050405020304" pitchFamily="18" charset="0"/>
-              </a:rPr>
-              <a:t>rely on Windows IIS </a:t>
-            </a:r>
-            <a:r>
-              <a:rPr lang="en-US" sz="1800" dirty="0">
-                <a:effectLst/>
-                <a:latin typeface="Calibri" panose="020F0502020204030204" pitchFamily="34" charset="0"/>
-                <a:ea typeface="Calibri" panose="020F0502020204030204" pitchFamily="34" charset="0"/>
-                <a:cs typeface="Times New Roman" panose="02020603050405020304" pitchFamily="18" charset="0"/>
-              </a:rPr>
-              <a:t>to provide server hosting.</a:t>
-            </a:r>
-          </a:p>
-          <a:p>
-            <a:pPr marL="0" marR="0" algn="just">
+              <a:t> which is a .NET implementation for mobile development</a:t>
+            </a:r>
+          </a:p>
+          <a:p>
+            <a:pPr marL="0" marR="0">
               <a:lnSpc>
                 <a:spcPct val="107000"/>
               </a:lnSpc>
@@ -4051,22 +3664,19 @@
               <a:spcAft>
                 <a:spcPts val="800"/>
               </a:spcAft>
-              <a:tabLst>
-                <a:tab pos="1333500" algn="l"/>
-              </a:tabLst>
             </a:pPr>
             <a:r>
-              <a:rPr lang="en-US" sz="1800" dirty="0">
+              <a:rPr lang="en-US" sz="1200" dirty="0">
                 <a:effectLst/>
                 <a:latin typeface="Calibri" panose="020F0502020204030204" pitchFamily="34" charset="0"/>
                 <a:ea typeface="Calibri" panose="020F0502020204030204" pitchFamily="34" charset="0"/>
                 <a:cs typeface="Times New Roman" panose="02020603050405020304" pitchFamily="18" charset="0"/>
               </a:rPr>
-              <a:t>This symbiotic relationship prevented these applications from being cross-platform and made mandatory the creation of a different hosting model.</a:t>
-            </a:r>
-          </a:p>
-          <a:p>
-            <a:pPr marL="0" marR="0" algn="just">
+              <a:t>.NET supports multiple programming languages like C++, C#, F#, and Visual Basic. This allows developers to use code written in different languages for the same application.</a:t>
+            </a:r>
+          </a:p>
+          <a:p>
+            <a:pPr marL="0" marR="0">
               <a:lnSpc>
                 <a:spcPct val="107000"/>
               </a:lnSpc>
@@ -4076,40 +3686,25 @@
               <a:spcAft>
                 <a:spcPts val="800"/>
               </a:spcAft>
-              <a:tabLst>
-                <a:tab pos="1333500" algn="l"/>
-              </a:tabLst>
             </a:pPr>
             <a:r>
-              <a:rPr lang="en-US" sz="1800" dirty="0">
+              <a:rPr lang="en-US" sz="1200" b="1" dirty="0">
                 <a:effectLst/>
                 <a:latin typeface="Calibri" panose="020F0502020204030204" pitchFamily="34" charset="0"/>
                 <a:ea typeface="Calibri" panose="020F0502020204030204" pitchFamily="34" charset="0"/>
                 <a:cs typeface="Times New Roman" panose="02020603050405020304" pitchFamily="18" charset="0"/>
               </a:rPr>
-              <a:t>.NET Core applications are </a:t>
-            </a:r>
-            <a:r>
-              <a:rPr lang="en-US" sz="1800" b="1" dirty="0">
-                <a:effectLst/>
-                <a:latin typeface="Calibri" panose="020F0502020204030204" pitchFamily="34" charset="0"/>
-                <a:ea typeface="Calibri" panose="020F0502020204030204" pitchFamily="34" charset="0"/>
-                <a:cs typeface="Times New Roman" panose="02020603050405020304" pitchFamily="18" charset="0"/>
-              </a:rPr>
-              <a:t>self-hosted web servers that handle the request directly</a:t>
-            </a:r>
-            <a:r>
-              <a:rPr lang="en-US" sz="1800" dirty="0">
-                <a:effectLst/>
-                <a:latin typeface="Calibri" panose="020F0502020204030204" pitchFamily="34" charset="0"/>
-                <a:ea typeface="Calibri" panose="020F0502020204030204" pitchFamily="34" charset="0"/>
-                <a:cs typeface="Times New Roman" panose="02020603050405020304" pitchFamily="18" charset="0"/>
-              </a:rPr>
-              <a:t>, instead of letting IIS call specific points of the application. An example is Kestrel, a fast, cross-platform HTTP server.</a:t>
-            </a:r>
-          </a:p>
-          <a:p>
-            <a:pPr marL="0" marR="0" algn="just">
+              <a:t>Open-source</a:t>
+            </a:r>
+            <a:endParaRPr lang="en-US" sz="1200" dirty="0">
+              <a:effectLst/>
+              <a:latin typeface="Calibri" panose="020F0502020204030204" pitchFamily="34" charset="0"/>
+              <a:ea typeface="Calibri" panose="020F0502020204030204" pitchFamily="34" charset="0"/>
+              <a:cs typeface="Times New Roman" panose="02020603050405020304" pitchFamily="18" charset="0"/>
+            </a:endParaRPr>
+          </a:p>
+          <a:p>
+            <a:pPr marL="0" marR="0">
               <a:lnSpc>
                 <a:spcPct val="107000"/>
               </a:lnSpc>
@@ -4119,28 +3714,19 @@
               <a:spcAft>
                 <a:spcPts val="800"/>
               </a:spcAft>
-              <a:tabLst>
-                <a:tab pos="1333500" algn="l"/>
-              </a:tabLst>
             </a:pPr>
             <a:r>
-              <a:rPr lang="en-US" sz="1800" b="1" dirty="0">
+              <a:rPr lang="en-US" sz="1200" dirty="0">
                 <a:effectLst/>
                 <a:latin typeface="Calibri" panose="020F0502020204030204" pitchFamily="34" charset="0"/>
                 <a:ea typeface="Calibri" panose="020F0502020204030204" pitchFamily="34" charset="0"/>
                 <a:cs typeface="Times New Roman" panose="02020603050405020304" pitchFamily="18" charset="0"/>
               </a:rPr>
-              <a:t>Modular architecture</a:t>
-            </a:r>
-            <a:endParaRPr lang="en-US" sz="1800" dirty="0">
-              <a:effectLst/>
-              <a:latin typeface="Calibri" panose="020F0502020204030204" pitchFamily="34" charset="0"/>
-              <a:ea typeface="Calibri" panose="020F0502020204030204" pitchFamily="34" charset="0"/>
-              <a:cs typeface="Times New Roman" panose="02020603050405020304" pitchFamily="18" charset="0"/>
-            </a:endParaRPr>
-          </a:p>
-          <a:p>
-            <a:pPr marL="0" marR="0" algn="just">
+              <a:t>The .NET platform development and collaborations are organized by the .NET Foundation. Currently, over 60,000 developers from over 3,700 companies outside Microsoft are contributing to .NET open source.</a:t>
+            </a:r>
+          </a:p>
+          <a:p>
+            <a:pPr marL="0" marR="0">
               <a:lnSpc>
                 <a:spcPct val="107000"/>
               </a:lnSpc>
@@ -4150,22 +3736,25 @@
               <a:spcAft>
                 <a:spcPts val="800"/>
               </a:spcAft>
-              <a:tabLst>
-                <a:tab pos="1333500" algn="l"/>
-              </a:tabLst>
             </a:pPr>
             <a:r>
-              <a:rPr lang="en-US" sz="1800" dirty="0">
+              <a:rPr lang="en-US" sz="1200" b="1" dirty="0">
                 <a:effectLst/>
                 <a:latin typeface="Calibri" panose="020F0502020204030204" pitchFamily="34" charset="0"/>
                 <a:ea typeface="Calibri" panose="020F0502020204030204" pitchFamily="34" charset="0"/>
                 <a:cs typeface="Times New Roman" panose="02020603050405020304" pitchFamily="18" charset="0"/>
               </a:rPr>
-              <a:t>ASP.NET Core has modular design. </a:t>
-            </a:r>
-          </a:p>
-          <a:p>
-            <a:pPr marL="0" marR="0" algn="just">
+              <a:t>Companies</a:t>
+            </a:r>
+            <a:endParaRPr lang="en-US" sz="1200" dirty="0">
+              <a:effectLst/>
+              <a:latin typeface="Calibri" panose="020F0502020204030204" pitchFamily="34" charset="0"/>
+              <a:ea typeface="Calibri" panose="020F0502020204030204" pitchFamily="34" charset="0"/>
+              <a:cs typeface="Times New Roman" panose="02020603050405020304" pitchFamily="18" charset="0"/>
+            </a:endParaRPr>
+          </a:p>
+          <a:p>
+            <a:pPr marL="0" marR="0">
               <a:lnSpc>
                 <a:spcPct val="107000"/>
               </a:lnSpc>
@@ -4175,22 +3764,19 @@
               <a:spcAft>
                 <a:spcPts val="800"/>
               </a:spcAft>
-              <a:tabLst>
-                <a:tab pos="1333500" algn="l"/>
-              </a:tabLst>
             </a:pPr>
             <a:r>
-              <a:rPr lang="en-US" sz="1800" dirty="0">
+              <a:rPr lang="en-US" sz="1200" dirty="0">
                 <a:effectLst/>
                 <a:latin typeface="Calibri" panose="020F0502020204030204" pitchFamily="34" charset="0"/>
                 <a:ea typeface="Calibri" panose="020F0502020204030204" pitchFamily="34" charset="0"/>
                 <a:cs typeface="Times New Roman" panose="02020603050405020304" pitchFamily="18" charset="0"/>
               </a:rPr>
-              <a:t>This means that, unlike ASP.NET, where you had to install the entire .NET framework, you start with a bare-bones application and only include the dependencies that you need.</a:t>
-            </a:r>
-          </a:p>
-          <a:p>
-            <a:pPr marL="0" marR="0" algn="just">
+              <a:t>.NET is currently used by companies like Stack Overflow, UPS, GoDaddy, and many more. </a:t>
+            </a:r>
+          </a:p>
+          <a:p>
+            <a:pPr marL="0" marR="0">
               <a:lnSpc>
                 <a:spcPct val="107000"/>
               </a:lnSpc>
@@ -4200,177 +3786,25 @@
               <a:spcAft>
                 <a:spcPts val="800"/>
               </a:spcAft>
-              <a:tabLst>
-                <a:tab pos="1333500" algn="l"/>
-              </a:tabLst>
             </a:pPr>
             <a:r>
-              <a:rPr lang="en-US" sz="1800" dirty="0">
+              <a:rPr lang="en-US" sz="1200" dirty="0">
                 <a:effectLst/>
                 <a:latin typeface="Calibri" panose="020F0502020204030204" pitchFamily="34" charset="0"/>
                 <a:ea typeface="Calibri" panose="020F0502020204030204" pitchFamily="34" charset="0"/>
                 <a:cs typeface="Times New Roman" panose="02020603050405020304" pitchFamily="18" charset="0"/>
               </a:rPr>
-              <a:t>This modularity results in an improvement of performances.</a:t>
-            </a:r>
-          </a:p>
-          <a:p>
-            <a:pPr marL="0" marR="0" algn="just">
-              <a:lnSpc>
-                <a:spcPct val="107000"/>
-              </a:lnSpc>
-              <a:spcBef>
-                <a:spcPts val="0"/>
-              </a:spcBef>
-              <a:spcAft>
-                <a:spcPts val="800"/>
-              </a:spcAft>
-              <a:tabLst>
-                <a:tab pos="1333500" algn="l"/>
-              </a:tabLst>
-            </a:pPr>
-            <a:r>
-              <a:rPr lang="en-US" sz="1800" b="1" dirty="0">
-                <a:effectLst/>
-                <a:latin typeface="Calibri" panose="020F0502020204030204" pitchFamily="34" charset="0"/>
-                <a:ea typeface="Calibri" panose="020F0502020204030204" pitchFamily="34" charset="0"/>
-                <a:cs typeface="Times New Roman" panose="02020603050405020304" pitchFamily="18" charset="0"/>
-              </a:rPr>
-              <a:t>Open source</a:t>
-            </a:r>
-            <a:endParaRPr lang="en-US" sz="1800" dirty="0">
-              <a:effectLst/>
-              <a:latin typeface="Calibri" panose="020F0502020204030204" pitchFamily="34" charset="0"/>
-              <a:ea typeface="Calibri" panose="020F0502020204030204" pitchFamily="34" charset="0"/>
-              <a:cs typeface="Times New Roman" panose="02020603050405020304" pitchFamily="18" charset="0"/>
-            </a:endParaRPr>
-          </a:p>
-          <a:p>
-            <a:pPr marL="0" marR="0" algn="just">
-              <a:lnSpc>
-                <a:spcPct val="107000"/>
-              </a:lnSpc>
-              <a:spcBef>
-                <a:spcPts val="0"/>
-              </a:spcBef>
-              <a:spcAft>
-                <a:spcPts val="800"/>
-              </a:spcAft>
-              <a:tabLst>
-                <a:tab pos="1333500" algn="l"/>
-              </a:tabLst>
-            </a:pPr>
-            <a:r>
-              <a:rPr lang="en-US" sz="1800" dirty="0">
-                <a:effectLst/>
-                <a:latin typeface="Calibri" panose="020F0502020204030204" pitchFamily="34" charset="0"/>
-                <a:ea typeface="Calibri" panose="020F0502020204030204" pitchFamily="34" charset="0"/>
-                <a:cs typeface="Times New Roman" panose="02020603050405020304" pitchFamily="18" charset="0"/>
-              </a:rPr>
-              <a:t>Unlike .NET framework which had long releases cycles, .NET Core, thanks to its open source nature has a faster release pace. </a:t>
-            </a:r>
+              <a:t>Stack Overflow serves 5.3M page views a day on just 9 servers.</a:t>
+            </a:r>
+          </a:p>
+          <a:p>
+            <a:endParaRPr lang="en-US" dirty="0"/>
           </a:p>
         </p:txBody>
       </p:sp>
       <p:sp>
         <p:nvSpPr>
-          <p:cNvPr id="4" name="Header Placeholder 3"/>
-          <p:cNvSpPr>
-            <a:spLocks noGrp="1"/>
-          </p:cNvSpPr>
-          <p:nvPr>
-            <p:ph type="hdr" sz="quarter"/>
-          </p:nvPr>
-        </p:nvSpPr>
-        <p:spPr/>
-        <p:txBody>
-          <a:bodyPr/>
-          <a:lstStyle/>
-          <a:p>
-            <a:endParaRPr lang="en-US" dirty="0"/>
-          </a:p>
-        </p:txBody>
-      </p:sp>
-      <p:sp>
-        <p:nvSpPr>
-          <p:cNvPr id="5" name="Footer Placeholder 4"/>
-          <p:cNvSpPr>
-            <a:spLocks noGrp="1"/>
-          </p:cNvSpPr>
-          <p:nvPr>
-            <p:ph type="ftr" sz="quarter" idx="4"/>
-          </p:nvPr>
-        </p:nvSpPr>
-        <p:spPr/>
-        <p:txBody>
-          <a:bodyPr/>
-          <a:lstStyle/>
-          <a:p>
-            <a:pPr defTabSz="914099" eaLnBrk="0" hangingPunct="0"/>
-            <a:r>
-              <a:rPr lang="en-US" sz="400">
-                <a:gradFill>
-                  <a:gsLst>
-                    <a:gs pos="0">
-                      <a:prstClr val="black"/>
-                    </a:gs>
-                    <a:gs pos="100000">
-                      <a:prstClr val="black"/>
-                    </a:gs>
-                  </a:gsLst>
-                  <a:lin ang="5400000" scaled="0"/>
-                </a:gradFill>
-                <a:latin typeface="Segoe UI" pitchFamily="34" charset="0"/>
-                <a:ea typeface="Segoe UI" pitchFamily="34" charset="0"/>
-                <a:cs typeface="Segoe UI" pitchFamily="34" charset="0"/>
-              </a:rPr>
-              <a:t>© Microsoft Corporation. All rights reserved. MICROSOFT MAKES NO WARRANTIES, EXPRESS, IMPLIED OR STATUTORY, AS TO THE INFORMATION IN THIS PRESENTATION.</a:t>
-            </a:r>
-            <a:endParaRPr lang="en-US" sz="400" dirty="0">
-              <a:gradFill>
-                <a:gsLst>
-                  <a:gs pos="0">
-                    <a:prstClr val="black"/>
-                  </a:gs>
-                  <a:gs pos="100000">
-                    <a:prstClr val="black"/>
-                  </a:gs>
-                </a:gsLst>
-                <a:lin ang="5400000" scaled="0"/>
-              </a:gradFill>
-              <a:latin typeface="Segoe UI" pitchFamily="34" charset="0"/>
-              <a:ea typeface="Segoe UI" pitchFamily="34" charset="0"/>
-              <a:cs typeface="Segoe UI" pitchFamily="34" charset="0"/>
-            </a:endParaRPr>
-          </a:p>
-        </p:txBody>
-      </p:sp>
-      <p:sp>
-        <p:nvSpPr>
-          <p:cNvPr id="6" name="Date Placeholder 5"/>
-          <p:cNvSpPr>
-            <a:spLocks noGrp="1"/>
-          </p:cNvSpPr>
-          <p:nvPr>
-            <p:ph type="dt" idx="1"/>
-          </p:nvPr>
-        </p:nvSpPr>
-        <p:spPr/>
-        <p:txBody>
-          <a:bodyPr/>
-          <a:lstStyle/>
-          <a:p>
-            <a:fld id="{D18B56EA-E28F-4F92-9F16-7A6F2501B303}" type="datetime8">
-              <a:rPr lang="en-US" smtClean="0"/>
-              <a:t>2/3/2021 8:41 PM</a:t>
-            </a:fld>
-            <a:endParaRPr lang="en-US" dirty="0"/>
-          </a:p>
-        </p:txBody>
-      </p:sp>
-      <p:sp>
-        <p:nvSpPr>
-          <p:cNvPr id="7" name="Slide Number Placeholder 6"/>
+          <p:cNvPr id="4" name="Slide Number Placeholder 3"/>
           <p:cNvSpPr>
             <a:spLocks noGrp="1"/>
           </p:cNvSpPr>
@@ -4383,19 +3817,18 @@
           <a:bodyPr/>
           <a:lstStyle/>
           <a:p>
-            <a:fld id="{B4008EB6-D09E-4580-8CD6-DDB14511944F}" type="slidenum">
+            <a:fld id="{F3A82D5B-3CB3-42EA-B4C3-3CE82A6E669A}" type="slidenum">
               <a:rPr lang="en-US" smtClean="0"/>
-              <a:pPr/>
-              <a:t>7</a:t>
+              <a:t>4</a:t>
             </a:fld>
-            <a:endParaRPr lang="en-US" dirty="0"/>
+            <a:endParaRPr lang="en-US"/>
           </a:p>
         </p:txBody>
       </p:sp>
     </p:spTree>
     <p:extLst>
       <p:ext uri="{BB962C8B-B14F-4D97-AF65-F5344CB8AC3E}">
-        <p14:creationId xmlns:p14="http://schemas.microsoft.com/office/powerpoint/2010/main" val="3466177388"/>
+        <p14:creationId xmlns:p14="http://schemas.microsoft.com/office/powerpoint/2010/main" val="2291161802"/>
       </p:ext>
     </p:extLst>
   </p:cSld>
@@ -4470,16 +3903,16 @@
                 <a:ea typeface="Calibri" panose="020F0502020204030204" pitchFamily="34" charset="0"/>
                 <a:cs typeface="Times New Roman" panose="02020603050405020304" pitchFamily="18" charset="0"/>
               </a:rPr>
-              <a:t>.NET Core comes with a new runtime called </a:t>
-            </a:r>
-            <a:r>
-              <a:rPr lang="en-US" sz="1800" dirty="0" err="1">
+              <a:t>Because the languages supported by .NET are high-level languages, they need to be 'translated' into a low-level language that reflects the </a:t>
+            </a:r>
+            <a:r>
+              <a:rPr lang="en-US" sz="1800" b="1" dirty="0">
                 <a:effectLst/>
                 <a:latin typeface="Calibri" panose="020F0502020204030204" pitchFamily="34" charset="0"/>
                 <a:ea typeface="Calibri" panose="020F0502020204030204" pitchFamily="34" charset="0"/>
                 <a:cs typeface="Times New Roman" panose="02020603050405020304" pitchFamily="18" charset="0"/>
               </a:rPr>
-              <a:t>CoreCLR</a:t>
+              <a:t>CPU</a:t>
             </a:r>
             <a:r>
               <a:rPr lang="en-US" sz="1800" dirty="0">
@@ -4488,7 +3921,25 @@
                 <a:ea typeface="Calibri" panose="020F0502020204030204" pitchFamily="34" charset="0"/>
                 <a:cs typeface="Times New Roman" panose="02020603050405020304" pitchFamily="18" charset="0"/>
               </a:rPr>
-              <a:t>. </a:t>
+              <a:t> operations. This conversion is performed by specific programs called </a:t>
+            </a:r>
+            <a:r>
+              <a:rPr lang="en-US" sz="1800" b="1" dirty="0">
+                <a:effectLst/>
+                <a:latin typeface="Calibri" panose="020F0502020204030204" pitchFamily="34" charset="0"/>
+                <a:ea typeface="Calibri" panose="020F0502020204030204" pitchFamily="34" charset="0"/>
+                <a:cs typeface="Times New Roman" panose="02020603050405020304" pitchFamily="18" charset="0"/>
+              </a:rPr>
+              <a:t>compilers</a:t>
+            </a:r>
+            <a:r>
+              <a:rPr lang="en-US" sz="1800" dirty="0">
+                <a:effectLst/>
+                <a:latin typeface="Calibri" panose="020F0502020204030204" pitchFamily="34" charset="0"/>
+                <a:ea typeface="Calibri" panose="020F0502020204030204" pitchFamily="34" charset="0"/>
+                <a:cs typeface="Times New Roman" panose="02020603050405020304" pitchFamily="18" charset="0"/>
+              </a:rPr>
+              <a:t>.</a:t>
             </a:r>
           </a:p>
           <a:p>
@@ -4507,13 +3958,161 @@
               </a:tabLst>
             </a:pPr>
             <a:r>
+              <a:rPr lang="en-US" sz="1800" b="1" dirty="0">
+                <a:effectLst/>
+                <a:latin typeface="Calibri" panose="020F0502020204030204" pitchFamily="34" charset="0"/>
+                <a:ea typeface="Calibri" panose="020F0502020204030204" pitchFamily="34" charset="0"/>
+                <a:cs typeface="Times New Roman" panose="02020603050405020304" pitchFamily="18" charset="0"/>
+              </a:rPr>
+              <a:t>Compilers and IL Code</a:t>
+            </a:r>
+            <a:endParaRPr lang="en-US" sz="1800" dirty="0">
+              <a:effectLst/>
+              <a:latin typeface="Calibri" panose="020F0502020204030204" pitchFamily="34" charset="0"/>
+              <a:ea typeface="Calibri" panose="020F0502020204030204" pitchFamily="34" charset="0"/>
+              <a:cs typeface="Times New Roman" panose="02020603050405020304" pitchFamily="18" charset="0"/>
+            </a:endParaRPr>
+          </a:p>
+          <a:p>
+            <a:pPr marL="0" marR="0" algn="just">
+              <a:lnSpc>
+                <a:spcPct val="107000"/>
+              </a:lnSpc>
+              <a:spcBef>
+                <a:spcPts val="0"/>
+              </a:spcBef>
+              <a:spcAft>
+                <a:spcPts val="800"/>
+              </a:spcAft>
+              <a:tabLst>
+                <a:tab pos="1333500" algn="l"/>
+              </a:tabLst>
+            </a:pPr>
+            <a:r>
               <a:rPr lang="en-US" sz="1800" dirty="0">
                 <a:effectLst/>
                 <a:latin typeface="Calibri" panose="020F0502020204030204" pitchFamily="34" charset="0"/>
                 <a:ea typeface="Calibri" panose="020F0502020204030204" pitchFamily="34" charset="0"/>
                 <a:cs typeface="Times New Roman" panose="02020603050405020304" pitchFamily="18" charset="0"/>
               </a:rPr>
-              <a:t>At the beginning there were two different repositories for two main libraries:</a:t>
+              <a:t>Each programming language has its own compiler (C# language has cse.exe compiler, and VB.NET has vbc.exe compiler).</a:t>
+            </a:r>
+          </a:p>
+          <a:p>
+            <a:pPr marL="0" marR="0" algn="just">
+              <a:lnSpc>
+                <a:spcPct val="107000"/>
+              </a:lnSpc>
+              <a:spcBef>
+                <a:spcPts val="0"/>
+              </a:spcBef>
+              <a:spcAft>
+                <a:spcPts val="800"/>
+              </a:spcAft>
+              <a:tabLst>
+                <a:tab pos="1333500" algn="l"/>
+              </a:tabLst>
+            </a:pPr>
+            <a:r>
+              <a:rPr lang="en-US" sz="1800" dirty="0">
+                <a:effectLst/>
+                <a:latin typeface="Calibri" panose="020F0502020204030204" pitchFamily="34" charset="0"/>
+                <a:ea typeface="Calibri" panose="020F0502020204030204" pitchFamily="34" charset="0"/>
+                <a:cs typeface="Times New Roman" panose="02020603050405020304" pitchFamily="18" charset="0"/>
+              </a:rPr>
+              <a:t>However, these compilers do not convert the code directly into native code, but instead into a stack-based assembly language called </a:t>
+            </a:r>
+            <a:r>
+              <a:rPr lang="en-US" sz="1800" b="1" dirty="0">
+                <a:effectLst/>
+                <a:latin typeface="Calibri" panose="020F0502020204030204" pitchFamily="34" charset="0"/>
+                <a:ea typeface="Calibri" panose="020F0502020204030204" pitchFamily="34" charset="0"/>
+                <a:cs typeface="Times New Roman" panose="02020603050405020304" pitchFamily="18" charset="0"/>
+              </a:rPr>
+              <a:t>Intermediate language (IL)</a:t>
+            </a:r>
+            <a:r>
+              <a:rPr lang="en-US" sz="1800" dirty="0">
+                <a:effectLst/>
+                <a:latin typeface="Calibri" panose="020F0502020204030204" pitchFamily="34" charset="0"/>
+                <a:ea typeface="Calibri" panose="020F0502020204030204" pitchFamily="34" charset="0"/>
+                <a:cs typeface="Times New Roman" panose="02020603050405020304" pitchFamily="18" charset="0"/>
+              </a:rPr>
+              <a:t>. IL enables the .NET framework to be CPU-</a:t>
+            </a:r>
+            <a:r>
+              <a:rPr lang="en-US" sz="1800" dirty="0" err="1">
+                <a:effectLst/>
+                <a:latin typeface="Calibri" panose="020F0502020204030204" pitchFamily="34" charset="0"/>
+                <a:ea typeface="Calibri" panose="020F0502020204030204" pitchFamily="34" charset="0"/>
+                <a:cs typeface="Times New Roman" panose="02020603050405020304" pitchFamily="18" charset="0"/>
+              </a:rPr>
+              <a:t>independt</a:t>
+            </a:r>
+            <a:r>
+              <a:rPr lang="en-US" sz="1800" dirty="0">
+                <a:effectLst/>
+                <a:latin typeface="Calibri" panose="020F0502020204030204" pitchFamily="34" charset="0"/>
+                <a:ea typeface="Calibri" panose="020F0502020204030204" pitchFamily="34" charset="0"/>
+                <a:cs typeface="Times New Roman" panose="02020603050405020304" pitchFamily="18" charset="0"/>
+              </a:rPr>
+              <a:t> by allowing compiled source code to be executed in any environment supporting the CLI specification.</a:t>
+            </a:r>
+          </a:p>
+          <a:p>
+            <a:pPr marL="0" marR="0" algn="just">
+              <a:lnSpc>
+                <a:spcPct val="107000"/>
+              </a:lnSpc>
+              <a:spcBef>
+                <a:spcPts val="0"/>
+              </a:spcBef>
+              <a:spcAft>
+                <a:spcPts val="800"/>
+              </a:spcAft>
+              <a:tabLst>
+                <a:tab pos="1333500" algn="l"/>
+              </a:tabLst>
+            </a:pPr>
+            <a:r>
+              <a:rPr lang="en-US" sz="1800" b="1" dirty="0">
+                <a:effectLst/>
+                <a:latin typeface="Calibri" panose="020F0502020204030204" pitchFamily="34" charset="0"/>
+                <a:ea typeface="Calibri" panose="020F0502020204030204" pitchFamily="34" charset="0"/>
+                <a:cs typeface="Times New Roman" panose="02020603050405020304" pitchFamily="18" charset="0"/>
+              </a:rPr>
+              <a:t>Common Language Infrastructure</a:t>
+            </a:r>
+            <a:endParaRPr lang="en-US" sz="1800" dirty="0">
+              <a:effectLst/>
+              <a:latin typeface="Calibri" panose="020F0502020204030204" pitchFamily="34" charset="0"/>
+              <a:ea typeface="Calibri" panose="020F0502020204030204" pitchFamily="34" charset="0"/>
+              <a:cs typeface="Times New Roman" panose="02020603050405020304" pitchFamily="18" charset="0"/>
+            </a:endParaRPr>
+          </a:p>
+          <a:p>
+            <a:pPr marL="0" marR="0" algn="just">
+              <a:lnSpc>
+                <a:spcPct val="107000"/>
+              </a:lnSpc>
+              <a:spcBef>
+                <a:spcPts val="0"/>
+              </a:spcBef>
+              <a:spcAft>
+                <a:spcPts val="800"/>
+              </a:spcAft>
+              <a:tabLst>
+                <a:tab pos="1333500" algn="l"/>
+              </a:tabLst>
+            </a:pPr>
+            <a:r>
+              <a:rPr lang="en-US" sz="1800" dirty="0">
+                <a:effectLst/>
+                <a:latin typeface="Calibri" panose="020F0502020204030204" pitchFamily="34" charset="0"/>
+                <a:ea typeface="Calibri" panose="020F0502020204030204" pitchFamily="34" charset="0"/>
+                <a:cs typeface="Times New Roman" panose="02020603050405020304" pitchFamily="18" charset="0"/>
+              </a:rPr>
+              <a:t>CLI stands for Common Language Infrastructure (CLI) and is the standard that provides a Common Type System (CTS) and a Common Language Specification (CLS)</a:t>
             </a:r>
           </a:p>
           <a:p>
@@ -4535,13 +4134,13 @@
               </a:tabLst>
             </a:pPr>
             <a:r>
-              <a:rPr lang="en-US" sz="1800" b="1" dirty="0" err="1">
+              <a:rPr lang="en-US" sz="1800" b="1" dirty="0">
                 <a:effectLst/>
                 <a:latin typeface="Calibri" panose="020F0502020204030204" pitchFamily="34" charset="0"/>
                 <a:ea typeface="Calibri" panose="020F0502020204030204" pitchFamily="34" charset="0"/>
                 <a:cs typeface="Times New Roman" panose="02020603050405020304" pitchFamily="18" charset="0"/>
               </a:rPr>
-              <a:t>CoreFX</a:t>
+              <a:t>CLS</a:t>
             </a:r>
             <a:r>
               <a:rPr lang="en-US" sz="1800" dirty="0">
@@ -4550,7 +4149,7 @@
                 <a:ea typeface="Calibri" panose="020F0502020204030204" pitchFamily="34" charset="0"/>
                 <a:cs typeface="Times New Roman" panose="02020603050405020304" pitchFamily="18" charset="0"/>
               </a:rPr>
-              <a:t> contained all the libraries that related to collections, I/O, string manipulation, reflection, security, and many more. </a:t>
+              <a:t>: defines a set of rules and restrictions that every language which runs under the .NET implementation must follow. (C# every statement must end with a semicolon)</a:t>
             </a:r>
           </a:p>
           <a:p>
@@ -4572,13 +4171,13 @@
               </a:tabLst>
             </a:pPr>
             <a:r>
-              <a:rPr lang="en-US" sz="1800" b="1" dirty="0" err="1">
+              <a:rPr lang="en-US" sz="1800" b="1" dirty="0">
                 <a:effectLst/>
                 <a:latin typeface="Calibri" panose="020F0502020204030204" pitchFamily="34" charset="0"/>
                 <a:ea typeface="Calibri" panose="020F0502020204030204" pitchFamily="34" charset="0"/>
                 <a:cs typeface="Times New Roman" panose="02020603050405020304" pitchFamily="18" charset="0"/>
               </a:rPr>
-              <a:t>CoreCLR</a:t>
+              <a:t>CTS</a:t>
             </a:r>
             <a:r>
               <a:rPr lang="en-US" sz="1800" dirty="0">
@@ -4587,7 +4186,43 @@
                 <a:ea typeface="Calibri" panose="020F0502020204030204" pitchFamily="34" charset="0"/>
                 <a:cs typeface="Times New Roman" panose="02020603050405020304" pitchFamily="18" charset="0"/>
               </a:rPr>
-              <a:t> perform operations such as memory allocation, garbage collection, exception handling, type safety, thread management, and security. </a:t>
+              <a:t>: describes datatypes that can be used by managed code. (C# has an </a:t>
+            </a:r>
+            <a:r>
+              <a:rPr lang="en-US" sz="1800" b="1" dirty="0">
+                <a:effectLst/>
+                <a:latin typeface="Calibri" panose="020F0502020204030204" pitchFamily="34" charset="0"/>
+                <a:ea typeface="Calibri" panose="020F0502020204030204" pitchFamily="34" charset="0"/>
+                <a:cs typeface="Times New Roman" panose="02020603050405020304" pitchFamily="18" charset="0"/>
+              </a:rPr>
+              <a:t>int </a:t>
+            </a:r>
+            <a:r>
+              <a:rPr lang="en-US" sz="1800" dirty="0">
+                <a:effectLst/>
+                <a:latin typeface="Calibri" panose="020F0502020204030204" pitchFamily="34" charset="0"/>
+                <a:ea typeface="Calibri" panose="020F0502020204030204" pitchFamily="34" charset="0"/>
+                <a:cs typeface="Times New Roman" panose="02020603050405020304" pitchFamily="18" charset="0"/>
+              </a:rPr>
+              <a:t>data type and VB.NET has </a:t>
+            </a:r>
+            <a:r>
+              <a:rPr lang="en-US" sz="1800" b="1" dirty="0">
+                <a:effectLst/>
+                <a:latin typeface="Calibri" panose="020F0502020204030204" pitchFamily="34" charset="0"/>
+                <a:ea typeface="Calibri" panose="020F0502020204030204" pitchFamily="34" charset="0"/>
+                <a:cs typeface="Times New Roman" panose="02020603050405020304" pitchFamily="18" charset="0"/>
+              </a:rPr>
+              <a:t>Integer </a:t>
+            </a:r>
+            <a:r>
+              <a:rPr lang="en-US" sz="1800" dirty="0">
+                <a:effectLst/>
+                <a:latin typeface="Calibri" panose="020F0502020204030204" pitchFamily="34" charset="0"/>
+                <a:ea typeface="Calibri" panose="020F0502020204030204" pitchFamily="34" charset="0"/>
+                <a:cs typeface="Times New Roman" panose="02020603050405020304" pitchFamily="18" charset="0"/>
+              </a:rPr>
+              <a:t>data type.)</a:t>
             </a:r>
           </a:p>
           <a:p>
@@ -4606,98 +4241,20 @@
               </a:tabLst>
             </a:pPr>
             <a:r>
-              <a:rPr lang="en-US" sz="1800" dirty="0">
+              <a:rPr lang="en-US" sz="1800" b="1" dirty="0">
                 <a:effectLst/>
                 <a:latin typeface="Calibri" panose="020F0502020204030204" pitchFamily="34" charset="0"/>
                 <a:ea typeface="Calibri" panose="020F0502020204030204" pitchFamily="34" charset="0"/>
                 <a:cs typeface="Times New Roman" panose="02020603050405020304" pitchFamily="18" charset="0"/>
               </a:rPr>
-              <a:t>After several issues like:</a:t>
-            </a:r>
-          </a:p>
-          <a:p>
-            <a:pPr marL="342900" marR="0" lvl="0" indent="-342900" algn="just">
-              <a:lnSpc>
-                <a:spcPct val="107000"/>
-              </a:lnSpc>
-              <a:spcBef>
-                <a:spcPts val="0"/>
-              </a:spcBef>
-              <a:spcAft>
-                <a:spcPts val="800"/>
-              </a:spcAft>
-              <a:buFont typeface="Arial" panose="020B0604020202020204" pitchFamily="34" charset="0"/>
-              <a:buChar char="•"/>
-              <a:tabLst>
-                <a:tab pos="457200" algn="l"/>
-                <a:tab pos="1333500" algn="l"/>
-              </a:tabLst>
-            </a:pPr>
-            <a:r>
-              <a:rPr lang="en-US" sz="1800" dirty="0">
-                <a:effectLst/>
-                <a:latin typeface="Calibri" panose="020F0502020204030204" pitchFamily="34" charset="0"/>
-                <a:ea typeface="Calibri" panose="020F0502020204030204" pitchFamily="34" charset="0"/>
-                <a:cs typeface="Times New Roman" panose="02020603050405020304" pitchFamily="18" charset="0"/>
-              </a:rPr>
-              <a:t>Difficulty sharing sources. </a:t>
-            </a:r>
-          </a:p>
-          <a:p>
-            <a:pPr marL="342900" marR="0" lvl="0" indent="-342900" algn="just">
-              <a:lnSpc>
-                <a:spcPct val="107000"/>
-              </a:lnSpc>
-              <a:spcBef>
-                <a:spcPts val="0"/>
-              </a:spcBef>
-              <a:spcAft>
-                <a:spcPts val="800"/>
-              </a:spcAft>
-              <a:buFont typeface="Arial" panose="020B0604020202020204" pitchFamily="34" charset="0"/>
-              <a:buChar char="•"/>
-              <a:tabLst>
-                <a:tab pos="457200" algn="l"/>
-                <a:tab pos="1333500" algn="l"/>
-              </a:tabLst>
-            </a:pPr>
-            <a:r>
-              <a:rPr lang="en-US" sz="1800" dirty="0">
-                <a:effectLst/>
-                <a:latin typeface="Calibri" panose="020F0502020204030204" pitchFamily="34" charset="0"/>
-                <a:ea typeface="Calibri" panose="020F0502020204030204" pitchFamily="34" charset="0"/>
-                <a:cs typeface="Times New Roman" panose="02020603050405020304" pitchFamily="18" charset="0"/>
-              </a:rPr>
-              <a:t>Consistency</a:t>
-            </a:r>
-          </a:p>
-          <a:p>
-            <a:pPr marL="342900" marR="0" lvl="0" indent="-342900" algn="just">
-              <a:lnSpc>
-                <a:spcPct val="107000"/>
-              </a:lnSpc>
-              <a:spcBef>
-                <a:spcPts val="0"/>
-              </a:spcBef>
-              <a:spcAft>
-                <a:spcPts val="800"/>
-              </a:spcAft>
-              <a:buFont typeface="Arial" panose="020B0604020202020204" pitchFamily="34" charset="0"/>
-              <a:buChar char="•"/>
-              <a:tabLst>
-                <a:tab pos="457200" algn="l"/>
-                <a:tab pos="1333500" algn="l"/>
-              </a:tabLst>
-            </a:pPr>
-            <a:r>
-              <a:rPr lang="en-US" sz="1800" dirty="0">
-                <a:effectLst/>
-                <a:latin typeface="Calibri" panose="020F0502020204030204" pitchFamily="34" charset="0"/>
-                <a:ea typeface="Calibri" panose="020F0502020204030204" pitchFamily="34" charset="0"/>
-                <a:cs typeface="Times New Roman" panose="02020603050405020304" pitchFamily="18" charset="0"/>
-              </a:rPr>
-              <a:t>Complications moving issues between repos. </a:t>
-            </a:r>
+              <a:t>JIT Compiler</a:t>
+            </a:r>
+            <a:endParaRPr lang="en-US" sz="1800" dirty="0">
+              <a:effectLst/>
+              <a:latin typeface="Calibri" panose="020F0502020204030204" pitchFamily="34" charset="0"/>
+              <a:ea typeface="Calibri" panose="020F0502020204030204" pitchFamily="34" charset="0"/>
+              <a:cs typeface="Times New Roman" panose="02020603050405020304" pitchFamily="18" charset="0"/>
+            </a:endParaRPr>
           </a:p>
           <a:p>
             <a:pPr marL="0" marR="0" algn="just">
@@ -4721,24 +4278,17 @@
                 <a:ea typeface="Calibri" panose="020F0502020204030204" pitchFamily="34" charset="0"/>
                 <a:cs typeface="Times New Roman" panose="02020603050405020304" pitchFamily="18" charset="0"/>
               </a:rPr>
-              <a:t>These two libraries have been consolidated into one.</a:t>
-            </a:r>
-          </a:p>
-          <a:p>
-            <a:pPr marL="0" marR="0" algn="just">
-              <a:lnSpc>
-                <a:spcPct val="107000"/>
-              </a:lnSpc>
-              <a:spcBef>
-                <a:spcPts val="0"/>
-              </a:spcBef>
-              <a:spcAft>
-                <a:spcPts val="800"/>
-              </a:spcAft>
-              <a:tabLst>
-                <a:tab pos="1333500" algn="l"/>
-              </a:tabLst>
-            </a:pPr>
+              <a:t>Once the code is compiled and the application starts the execution, the CLR takes the IL code, and a specific compiler called </a:t>
+            </a:r>
+            <a:r>
+              <a:rPr lang="en-US" sz="1800" b="1" dirty="0">
+                <a:effectLst/>
+                <a:latin typeface="Calibri" panose="020F0502020204030204" pitchFamily="34" charset="0"/>
+                <a:ea typeface="Calibri" panose="020F0502020204030204" pitchFamily="34" charset="0"/>
+                <a:cs typeface="Times New Roman" panose="02020603050405020304" pitchFamily="18" charset="0"/>
+              </a:rPr>
+              <a:t>Just-in-time (JIT) compiler</a:t>
+            </a:r>
             <a:r>
               <a:rPr lang="en-US" sz="1800" dirty="0">
                 <a:effectLst/>
@@ -4746,8 +4296,25 @@
                 <a:ea typeface="Calibri" panose="020F0502020204030204" pitchFamily="34" charset="0"/>
                 <a:cs typeface="Times New Roman" panose="02020603050405020304" pitchFamily="18" charset="0"/>
               </a:rPr>
-              <a:t>This new CLR follows the same architecture as the prior, however, because of its cross-platform nature many features that were specialized for the Windows platform have been removed.</a:t>
-            </a:r>
+              <a:t> inspects the type safety of the code, converts the IL as needed during execution, and stores the resulting native code in memory so that it is accessible for subsequent calls. </a:t>
+            </a:r>
+          </a:p>
+          <a:p>
+            <a:r>
+              <a:rPr lang="en-US" sz="1800" dirty="0">
+                <a:effectLst/>
+                <a:latin typeface="Calibri" panose="020F0502020204030204" pitchFamily="34" charset="0"/>
+                <a:ea typeface="Calibri" panose="020F0502020204030204" pitchFamily="34" charset="0"/>
+                <a:cs typeface="Times New Roman" panose="02020603050405020304" pitchFamily="18" charset="0"/>
+              </a:rPr>
+              <a:t>JIT means it's performing the compilation as the app runs: when a method that hasn't yet been compiled is invoked, the JIT needs to provide the assembly code for it on-demand.</a:t>
+            </a:r>
+            <a:endParaRPr lang="en-US" dirty="0">
+              <a:solidFill>
+                <a:srgbClr val="0E101A"/>
+              </a:solidFill>
+              <a:effectLst/>
+            </a:endParaRPr>
           </a:p>
         </p:txBody>
       </p:sp>
@@ -4841,7 +4408,7 @@
           <a:p>
             <a:fld id="{D18B56EA-E28F-4F92-9F16-7A6F2501B303}" type="datetime8">
               <a:rPr lang="en-US" smtClean="0"/>
-              <a:t>2/3/2021 8:41 PM</a:t>
+              <a:t>2/4/2021 8:00 PM</a:t>
             </a:fld>
             <a:endParaRPr lang="en-US" dirty="0"/>
           </a:p>
@@ -4865,7 +4432,7 @@
             <a:fld id="{B4008EB6-D09E-4580-8CD6-DDB14511944F}" type="slidenum">
               <a:rPr lang="en-US" smtClean="0"/>
               <a:pPr/>
-              <a:t>9</a:t>
+              <a:t>5</a:t>
             </a:fld>
             <a:endParaRPr lang="en-US" dirty="0"/>
           </a:p>
@@ -4874,7 +4441,7 @@
     </p:spTree>
     <p:extLst>
       <p:ext uri="{BB962C8B-B14F-4D97-AF65-F5344CB8AC3E}">
-        <p14:creationId xmlns:p14="http://schemas.microsoft.com/office/powerpoint/2010/main" val="3720980978"/>
+        <p14:creationId xmlns:p14="http://schemas.microsoft.com/office/powerpoint/2010/main" val="2496768694"/>
       </p:ext>
     </p:extLst>
   </p:cSld>
@@ -4949,7 +4516,25 @@
                 <a:ea typeface="Calibri" panose="020F0502020204030204" pitchFamily="34" charset="0"/>
                 <a:cs typeface="Times New Roman" panose="02020603050405020304" pitchFamily="18" charset="0"/>
               </a:rPr>
-              <a:t>Starting with ASP.NET Core 2.1 Microsoft stopped supporting ASP.NET Core on .NET Framework.</a:t>
+              <a:t>.NET Core comes with a new runtime called </a:t>
+            </a:r>
+            <a:r>
+              <a:rPr lang="en-US" sz="1800" dirty="0" err="1">
+                <a:effectLst/>
+                <a:latin typeface="Calibri" panose="020F0502020204030204" pitchFamily="34" charset="0"/>
+                <a:ea typeface="Calibri" panose="020F0502020204030204" pitchFamily="34" charset="0"/>
+                <a:cs typeface="Times New Roman" panose="02020603050405020304" pitchFamily="18" charset="0"/>
+              </a:rPr>
+              <a:t>CoreCLR</a:t>
+            </a:r>
+            <a:r>
+              <a:rPr lang="en-US" sz="1800" dirty="0">
+                <a:effectLst/>
+                <a:latin typeface="Calibri" panose="020F0502020204030204" pitchFamily="34" charset="0"/>
+                <a:ea typeface="Calibri" panose="020F0502020204030204" pitchFamily="34" charset="0"/>
+                <a:cs typeface="Times New Roman" panose="02020603050405020304" pitchFamily="18" charset="0"/>
+              </a:rPr>
+              <a:t>. </a:t>
             </a:r>
           </a:p>
           <a:p>
@@ -4974,7 +4559,240 @@
                 <a:ea typeface="Calibri" panose="020F0502020204030204" pitchFamily="34" charset="0"/>
                 <a:cs typeface="Times New Roman" panose="02020603050405020304" pitchFamily="18" charset="0"/>
               </a:rPr>
-              <a:t>However, ASP.NET Core 2.1 LTS will enjoy the same indefinite level of support as the rest of the .NET Framework.  </a:t>
+              <a:t>At the beginning there were two different repositories for two main libraries:</a:t>
+            </a:r>
+          </a:p>
+          <a:p>
+            <a:pPr marL="342900" marR="0" lvl="0" indent="-342900" algn="just">
+              <a:lnSpc>
+                <a:spcPct val="107000"/>
+              </a:lnSpc>
+              <a:spcBef>
+                <a:spcPts val="0"/>
+              </a:spcBef>
+              <a:spcAft>
+                <a:spcPts val="800"/>
+              </a:spcAft>
+              <a:buFont typeface="Arial" panose="020B0604020202020204" pitchFamily="34" charset="0"/>
+              <a:buChar char="•"/>
+              <a:tabLst>
+                <a:tab pos="457200" algn="l"/>
+                <a:tab pos="1333500" algn="l"/>
+              </a:tabLst>
+            </a:pPr>
+            <a:r>
+              <a:rPr lang="en-US" sz="1800" b="1" dirty="0" err="1">
+                <a:effectLst/>
+                <a:latin typeface="Calibri" panose="020F0502020204030204" pitchFamily="34" charset="0"/>
+                <a:ea typeface="Calibri" panose="020F0502020204030204" pitchFamily="34" charset="0"/>
+                <a:cs typeface="Times New Roman" panose="02020603050405020304" pitchFamily="18" charset="0"/>
+              </a:rPr>
+              <a:t>CoreFX</a:t>
+            </a:r>
+            <a:r>
+              <a:rPr lang="en-US" sz="1800" dirty="0">
+                <a:effectLst/>
+                <a:latin typeface="Calibri" panose="020F0502020204030204" pitchFamily="34" charset="0"/>
+                <a:ea typeface="Calibri" panose="020F0502020204030204" pitchFamily="34" charset="0"/>
+                <a:cs typeface="Times New Roman" panose="02020603050405020304" pitchFamily="18" charset="0"/>
+              </a:rPr>
+              <a:t> contained all the libraries that related to collections, I/O, string manipulation, reflection, security, and many more. </a:t>
+            </a:r>
+          </a:p>
+          <a:p>
+            <a:pPr marL="342900" marR="0" lvl="0" indent="-342900" algn="just">
+              <a:lnSpc>
+                <a:spcPct val="107000"/>
+              </a:lnSpc>
+              <a:spcBef>
+                <a:spcPts val="0"/>
+              </a:spcBef>
+              <a:spcAft>
+                <a:spcPts val="800"/>
+              </a:spcAft>
+              <a:buFont typeface="Arial" panose="020B0604020202020204" pitchFamily="34" charset="0"/>
+              <a:buChar char="•"/>
+              <a:tabLst>
+                <a:tab pos="457200" algn="l"/>
+                <a:tab pos="1333500" algn="l"/>
+              </a:tabLst>
+            </a:pPr>
+            <a:r>
+              <a:rPr lang="en-US" sz="1800" b="1" dirty="0" err="1">
+                <a:effectLst/>
+                <a:latin typeface="Calibri" panose="020F0502020204030204" pitchFamily="34" charset="0"/>
+                <a:ea typeface="Calibri" panose="020F0502020204030204" pitchFamily="34" charset="0"/>
+                <a:cs typeface="Times New Roman" panose="02020603050405020304" pitchFamily="18" charset="0"/>
+              </a:rPr>
+              <a:t>CoreCLR</a:t>
+            </a:r>
+            <a:r>
+              <a:rPr lang="en-US" sz="1800" dirty="0">
+                <a:effectLst/>
+                <a:latin typeface="Calibri" panose="020F0502020204030204" pitchFamily="34" charset="0"/>
+                <a:ea typeface="Calibri" panose="020F0502020204030204" pitchFamily="34" charset="0"/>
+                <a:cs typeface="Times New Roman" panose="02020603050405020304" pitchFamily="18" charset="0"/>
+              </a:rPr>
+              <a:t> perform operations such as memory allocation, garbage collection, exception handling, type safety, thread management, and security. </a:t>
+            </a:r>
+          </a:p>
+          <a:p>
+            <a:pPr marL="0" marR="0" algn="just">
+              <a:lnSpc>
+                <a:spcPct val="107000"/>
+              </a:lnSpc>
+              <a:spcBef>
+                <a:spcPts val="0"/>
+              </a:spcBef>
+              <a:spcAft>
+                <a:spcPts val="800"/>
+              </a:spcAft>
+              <a:tabLst>
+                <a:tab pos="1333500" algn="l"/>
+              </a:tabLst>
+            </a:pPr>
+            <a:r>
+              <a:rPr lang="en-US" sz="1800" dirty="0">
+                <a:effectLst/>
+                <a:latin typeface="Calibri" panose="020F0502020204030204" pitchFamily="34" charset="0"/>
+                <a:ea typeface="Calibri" panose="020F0502020204030204" pitchFamily="34" charset="0"/>
+                <a:cs typeface="Times New Roman" panose="02020603050405020304" pitchFamily="18" charset="0"/>
+              </a:rPr>
+              <a:t>After several issues like:</a:t>
+            </a:r>
+          </a:p>
+          <a:p>
+            <a:pPr marL="342900" marR="0" lvl="0" indent="-342900" algn="just">
+              <a:lnSpc>
+                <a:spcPct val="107000"/>
+              </a:lnSpc>
+              <a:spcBef>
+                <a:spcPts val="0"/>
+              </a:spcBef>
+              <a:spcAft>
+                <a:spcPts val="800"/>
+              </a:spcAft>
+              <a:buFont typeface="Arial" panose="020B0604020202020204" pitchFamily="34" charset="0"/>
+              <a:buChar char="•"/>
+              <a:tabLst>
+                <a:tab pos="457200" algn="l"/>
+                <a:tab pos="1333500" algn="l"/>
+              </a:tabLst>
+            </a:pPr>
+            <a:r>
+              <a:rPr lang="en-US" sz="1800" dirty="0">
+                <a:effectLst/>
+                <a:latin typeface="Calibri" panose="020F0502020204030204" pitchFamily="34" charset="0"/>
+                <a:ea typeface="Calibri" panose="020F0502020204030204" pitchFamily="34" charset="0"/>
+                <a:cs typeface="Times New Roman" panose="02020603050405020304" pitchFamily="18" charset="0"/>
+              </a:rPr>
+              <a:t>Difficulty sharing sources. </a:t>
+            </a:r>
+          </a:p>
+          <a:p>
+            <a:pPr marL="342900" marR="0" lvl="0" indent="-342900" algn="just">
+              <a:lnSpc>
+                <a:spcPct val="107000"/>
+              </a:lnSpc>
+              <a:spcBef>
+                <a:spcPts val="0"/>
+              </a:spcBef>
+              <a:spcAft>
+                <a:spcPts val="800"/>
+              </a:spcAft>
+              <a:buFont typeface="Arial" panose="020B0604020202020204" pitchFamily="34" charset="0"/>
+              <a:buChar char="•"/>
+              <a:tabLst>
+                <a:tab pos="457200" algn="l"/>
+                <a:tab pos="1333500" algn="l"/>
+              </a:tabLst>
+            </a:pPr>
+            <a:r>
+              <a:rPr lang="en-US" sz="1800" dirty="0">
+                <a:effectLst/>
+                <a:latin typeface="Calibri" panose="020F0502020204030204" pitchFamily="34" charset="0"/>
+                <a:ea typeface="Calibri" panose="020F0502020204030204" pitchFamily="34" charset="0"/>
+                <a:cs typeface="Times New Roman" panose="02020603050405020304" pitchFamily="18" charset="0"/>
+              </a:rPr>
+              <a:t>Consistency</a:t>
+            </a:r>
+          </a:p>
+          <a:p>
+            <a:pPr marL="342900" marR="0" lvl="0" indent="-342900" algn="just">
+              <a:lnSpc>
+                <a:spcPct val="107000"/>
+              </a:lnSpc>
+              <a:spcBef>
+                <a:spcPts val="0"/>
+              </a:spcBef>
+              <a:spcAft>
+                <a:spcPts val="800"/>
+              </a:spcAft>
+              <a:buFont typeface="Arial" panose="020B0604020202020204" pitchFamily="34" charset="0"/>
+              <a:buChar char="•"/>
+              <a:tabLst>
+                <a:tab pos="457200" algn="l"/>
+                <a:tab pos="1333500" algn="l"/>
+              </a:tabLst>
+            </a:pPr>
+            <a:r>
+              <a:rPr lang="en-US" sz="1800" dirty="0">
+                <a:effectLst/>
+                <a:latin typeface="Calibri" panose="020F0502020204030204" pitchFamily="34" charset="0"/>
+                <a:ea typeface="Calibri" panose="020F0502020204030204" pitchFamily="34" charset="0"/>
+                <a:cs typeface="Times New Roman" panose="02020603050405020304" pitchFamily="18" charset="0"/>
+              </a:rPr>
+              <a:t>Complications moving issues between repos. </a:t>
+            </a:r>
+          </a:p>
+          <a:p>
+            <a:pPr marL="0" marR="0" algn="just">
+              <a:lnSpc>
+                <a:spcPct val="107000"/>
+              </a:lnSpc>
+              <a:spcBef>
+                <a:spcPts val="0"/>
+              </a:spcBef>
+              <a:spcAft>
+                <a:spcPts val="800"/>
+              </a:spcAft>
+              <a:tabLst>
+                <a:tab pos="1333500" algn="l"/>
+              </a:tabLst>
+            </a:pPr>
+            <a:r>
+              <a:rPr lang="en-US" sz="1800" dirty="0">
+                <a:effectLst/>
+                <a:latin typeface="Calibri" panose="020F0502020204030204" pitchFamily="34" charset="0"/>
+                <a:ea typeface="Calibri" panose="020F0502020204030204" pitchFamily="34" charset="0"/>
+                <a:cs typeface="Times New Roman" panose="02020603050405020304" pitchFamily="18" charset="0"/>
+              </a:rPr>
+              <a:t>These two libraries have been consolidated into one.</a:t>
+            </a:r>
+          </a:p>
+          <a:p>
+            <a:pPr marL="0" marR="0" algn="just">
+              <a:lnSpc>
+                <a:spcPct val="107000"/>
+              </a:lnSpc>
+              <a:spcBef>
+                <a:spcPts val="0"/>
+              </a:spcBef>
+              <a:spcAft>
+                <a:spcPts val="800"/>
+              </a:spcAft>
+              <a:tabLst>
+                <a:tab pos="1333500" algn="l"/>
+              </a:tabLst>
+            </a:pPr>
+            <a:r>
+              <a:rPr lang="en-US" sz="1800" dirty="0">
+                <a:effectLst/>
+                <a:latin typeface="Calibri" panose="020F0502020204030204" pitchFamily="34" charset="0"/>
+                <a:ea typeface="Calibri" panose="020F0502020204030204" pitchFamily="34" charset="0"/>
+                <a:cs typeface="Times New Roman" panose="02020603050405020304" pitchFamily="18" charset="0"/>
+              </a:rPr>
+              <a:t>This new CLR follows the same architecture as the prior, however, because of its cross-platform nature many features that were specialized for the Windows platform have been removed.</a:t>
             </a:r>
           </a:p>
         </p:txBody>
@@ -5069,7 +4887,7 @@
           <a:p>
             <a:fld id="{D18B56EA-E28F-4F92-9F16-7A6F2501B303}" type="datetime8">
               <a:rPr lang="en-US" smtClean="0"/>
-              <a:t>2/3/2021 8:41 PM</a:t>
+              <a:t>2/4/2021 8:00 PM</a:t>
             </a:fld>
             <a:endParaRPr lang="en-US" dirty="0"/>
           </a:p>
@@ -5093,7 +4911,7 @@
             <a:fld id="{B4008EB6-D09E-4580-8CD6-DDB14511944F}" type="slidenum">
               <a:rPr lang="en-US" smtClean="0"/>
               <a:pPr/>
-              <a:t>10</a:t>
+              <a:t>6</a:t>
             </a:fld>
             <a:endParaRPr lang="en-US" dirty="0"/>
           </a:p>
@@ -5102,7 +4920,7 @@
     </p:spTree>
     <p:extLst>
       <p:ext uri="{BB962C8B-B14F-4D97-AF65-F5344CB8AC3E}">
-        <p14:creationId xmlns:p14="http://schemas.microsoft.com/office/powerpoint/2010/main" val="1773132112"/>
+        <p14:creationId xmlns:p14="http://schemas.microsoft.com/office/powerpoint/2010/main" val="3720980978"/>
       </p:ext>
     </p:extLst>
   </p:cSld>
@@ -5177,7 +4995,7 @@
                 <a:ea typeface="Calibri" panose="020F0502020204030204" pitchFamily="34" charset="0"/>
                 <a:cs typeface="Times New Roman" panose="02020603050405020304" pitchFamily="18" charset="0"/>
               </a:rPr>
-              <a:t>The .NET platform was originally forked to fit the needs of single platforms. Each implementation had its own base class libraries.</a:t>
+              <a:t>ASP.NET is a open source framework that extends the .NET platform with tools and libraries specifically for building web apps.</a:t>
             </a:r>
           </a:p>
           <a:p>
@@ -5202,7 +5020,119 @@
                 <a:ea typeface="Calibri" panose="020F0502020204030204" pitchFamily="34" charset="0"/>
                 <a:cs typeface="Times New Roman" panose="02020603050405020304" pitchFamily="18" charset="0"/>
               </a:rPr>
-              <a:t>This lack of a unified class library made hard for developers to share code between multiple .NET implementations. </a:t>
+              <a:t>For example, some feature that it introduces are:</a:t>
+            </a:r>
+          </a:p>
+          <a:p>
+            <a:pPr marL="342900" marR="0" lvl="0" indent="-342900" algn="just">
+              <a:lnSpc>
+                <a:spcPct val="107000"/>
+              </a:lnSpc>
+              <a:spcBef>
+                <a:spcPts val="0"/>
+              </a:spcBef>
+              <a:spcAft>
+                <a:spcPts val="800"/>
+              </a:spcAft>
+              <a:buFont typeface="Arial" panose="020B0604020202020204" pitchFamily="34" charset="0"/>
+              <a:buChar char="•"/>
+              <a:tabLst>
+                <a:tab pos="457200" algn="l"/>
+                <a:tab pos="1333500" algn="l"/>
+              </a:tabLst>
+            </a:pPr>
+            <a:r>
+              <a:rPr lang="en-US" sz="1800" dirty="0">
+                <a:effectLst/>
+                <a:latin typeface="Calibri" panose="020F0502020204030204" pitchFamily="34" charset="0"/>
+                <a:ea typeface="Calibri" panose="020F0502020204030204" pitchFamily="34" charset="0"/>
+                <a:cs typeface="Times New Roman" panose="02020603050405020304" pitchFamily="18" charset="0"/>
+              </a:rPr>
+              <a:t>authentication protocols</a:t>
+            </a:r>
+          </a:p>
+          <a:p>
+            <a:pPr marL="342900" marR="0" lvl="0" indent="-342900" algn="just">
+              <a:lnSpc>
+                <a:spcPct val="107000"/>
+              </a:lnSpc>
+              <a:spcBef>
+                <a:spcPts val="0"/>
+              </a:spcBef>
+              <a:spcAft>
+                <a:spcPts val="800"/>
+              </a:spcAft>
+              <a:buFont typeface="Arial" panose="020B0604020202020204" pitchFamily="34" charset="0"/>
+              <a:buChar char="•"/>
+              <a:tabLst>
+                <a:tab pos="457200" algn="l"/>
+                <a:tab pos="1333500" algn="l"/>
+              </a:tabLst>
+            </a:pPr>
+            <a:r>
+              <a:rPr lang="en-US" sz="1800" dirty="0">
+                <a:effectLst/>
+                <a:latin typeface="Calibri" panose="020F0502020204030204" pitchFamily="34" charset="0"/>
+                <a:ea typeface="Calibri" panose="020F0502020204030204" pitchFamily="34" charset="0"/>
+                <a:cs typeface="Times New Roman" panose="02020603050405020304" pitchFamily="18" charset="0"/>
+              </a:rPr>
+              <a:t>cross-site scripting (XSS) and cross-site request forgery (CSRF) protection</a:t>
+            </a:r>
+          </a:p>
+          <a:p>
+            <a:pPr marL="342900" marR="0" lvl="0" indent="-342900" algn="just">
+              <a:lnSpc>
+                <a:spcPct val="107000"/>
+              </a:lnSpc>
+              <a:spcBef>
+                <a:spcPts val="0"/>
+              </a:spcBef>
+              <a:spcAft>
+                <a:spcPts val="800"/>
+              </a:spcAft>
+              <a:buFont typeface="Arial" panose="020B0604020202020204" pitchFamily="34" charset="0"/>
+              <a:buChar char="•"/>
+              <a:tabLst>
+                <a:tab pos="457200" algn="l"/>
+                <a:tab pos="1333500" algn="l"/>
+              </a:tabLst>
+            </a:pPr>
+            <a:r>
+              <a:rPr lang="en-US" sz="1800" dirty="0">
+                <a:effectLst/>
+                <a:latin typeface="Calibri" panose="020F0502020204030204" pitchFamily="34" charset="0"/>
+                <a:ea typeface="Calibri" panose="020F0502020204030204" pitchFamily="34" charset="0"/>
+                <a:cs typeface="Times New Roman" panose="02020603050405020304" pitchFamily="18" charset="0"/>
+              </a:rPr>
+              <a:t>external authentication with Google, Twitter</a:t>
+            </a:r>
+          </a:p>
+          <a:p>
+            <a:pPr marL="342900" marR="0" lvl="0" indent="-342900" algn="just">
+              <a:lnSpc>
+                <a:spcPct val="107000"/>
+              </a:lnSpc>
+              <a:spcBef>
+                <a:spcPts val="0"/>
+              </a:spcBef>
+              <a:spcAft>
+                <a:spcPts val="800"/>
+              </a:spcAft>
+              <a:buFont typeface="Arial" panose="020B0604020202020204" pitchFamily="34" charset="0"/>
+              <a:buChar char="•"/>
+              <a:tabLst>
+                <a:tab pos="457200" algn="l"/>
+                <a:tab pos="1333500" algn="l"/>
+              </a:tabLst>
+            </a:pPr>
+            <a:r>
+              <a:rPr lang="en-US" sz="1800" dirty="0">
+                <a:effectLst/>
+                <a:latin typeface="Calibri" panose="020F0502020204030204" pitchFamily="34" charset="0"/>
+                <a:ea typeface="Calibri" panose="020F0502020204030204" pitchFamily="34" charset="0"/>
+                <a:cs typeface="Times New Roman" panose="02020603050405020304" pitchFamily="18" charset="0"/>
+              </a:rPr>
+              <a:t>Web page templating to implement MVC web pattern</a:t>
             </a:r>
           </a:p>
           <a:p>
@@ -5227,25 +5157,7 @@
                 <a:ea typeface="Calibri" panose="020F0502020204030204" pitchFamily="34" charset="0"/>
                 <a:cs typeface="Times New Roman" panose="02020603050405020304" pitchFamily="18" charset="0"/>
               </a:rPr>
-              <a:t>.NET standard solved the code sharing problem by defining a </a:t>
-            </a:r>
-            <a:r>
-              <a:rPr lang="en-US" sz="1800" b="1" dirty="0">
-                <a:effectLst/>
-                <a:latin typeface="Calibri" panose="020F0502020204030204" pitchFamily="34" charset="0"/>
-                <a:ea typeface="Calibri" panose="020F0502020204030204" pitchFamily="34" charset="0"/>
-                <a:cs typeface="Times New Roman" panose="02020603050405020304" pitchFamily="18" charset="0"/>
-              </a:rPr>
-              <a:t>uniform set of Base Class Libraries (BCL) available to all .NET </a:t>
-            </a:r>
-            <a:r>
-              <a:rPr lang="en-US" sz="1800" dirty="0">
-                <a:effectLst/>
-                <a:latin typeface="Calibri" panose="020F0502020204030204" pitchFamily="34" charset="0"/>
-                <a:ea typeface="Calibri" panose="020F0502020204030204" pitchFamily="34" charset="0"/>
-                <a:cs typeface="Times New Roman" panose="02020603050405020304" pitchFamily="18" charset="0"/>
-              </a:rPr>
-              <a:t>implementations independent of the workload.</a:t>
+              <a:t>and more.</a:t>
             </a:r>
           </a:p>
         </p:txBody>
@@ -5340,7 +5252,7 @@
           <a:p>
             <a:fld id="{D18B56EA-E28F-4F92-9F16-7A6F2501B303}" type="datetime8">
               <a:rPr lang="en-US" smtClean="0"/>
-              <a:t>2/3/2021 8:41 PM</a:t>
+              <a:t>2/4/2021 8:00 PM</a:t>
             </a:fld>
             <a:endParaRPr lang="en-US" dirty="0"/>
           </a:p>
@@ -5364,7 +5276,7 @@
             <a:fld id="{B4008EB6-D09E-4580-8CD6-DDB14511944F}" type="slidenum">
               <a:rPr lang="en-US" smtClean="0"/>
               <a:pPr/>
-              <a:t>11</a:t>
+              <a:t>7</a:t>
             </a:fld>
             <a:endParaRPr lang="en-US" dirty="0"/>
           </a:p>
@@ -5373,7 +5285,7 @@
     </p:spTree>
     <p:extLst>
       <p:ext uri="{BB962C8B-B14F-4D97-AF65-F5344CB8AC3E}">
-        <p14:creationId xmlns:p14="http://schemas.microsoft.com/office/powerpoint/2010/main" val="2733836830"/>
+        <p14:creationId xmlns:p14="http://schemas.microsoft.com/office/powerpoint/2010/main" val="2645516027"/>
       </p:ext>
     </p:extLst>
   </p:cSld>
@@ -5448,25 +5360,7 @@
                 <a:ea typeface="Calibri" panose="020F0502020204030204" pitchFamily="34" charset="0"/>
                 <a:cs typeface="Times New Roman" panose="02020603050405020304" pitchFamily="18" charset="0"/>
               </a:rPr>
-              <a:t>Kestrel is open-source, event-driven, asynchronous I/O based server which is based on the same </a:t>
-            </a:r>
-            <a:r>
-              <a:rPr lang="en-US" sz="1800" b="1" dirty="0" err="1">
-                <a:effectLst/>
-                <a:latin typeface="Calibri" panose="020F0502020204030204" pitchFamily="34" charset="0"/>
-                <a:ea typeface="Calibri" panose="020F0502020204030204" pitchFamily="34" charset="0"/>
-                <a:cs typeface="Times New Roman" panose="02020603050405020304" pitchFamily="18" charset="0"/>
-              </a:rPr>
-              <a:t>Libuv</a:t>
-            </a:r>
-            <a:r>
-              <a:rPr lang="en-US" sz="1800" dirty="0">
-                <a:effectLst/>
-                <a:latin typeface="Calibri" panose="020F0502020204030204" pitchFamily="34" charset="0"/>
-                <a:ea typeface="Calibri" panose="020F0502020204030204" pitchFamily="34" charset="0"/>
-                <a:cs typeface="Times New Roman" panose="02020603050405020304" pitchFamily="18" charset="0"/>
-              </a:rPr>
-              <a:t> library as node.js.</a:t>
+              <a:t>The development of a new ASP.NET came from the need to create a new web framework with the following characteristics:</a:t>
             </a:r>
           </a:p>
           <a:p>
@@ -5485,14 +5379,20 @@
               </a:tabLst>
             </a:pPr>
             <a:r>
-              <a:rPr lang="en-US" sz="1800" dirty="0">
+              <a:rPr lang="en-US" sz="1800" b="1" dirty="0">
                 <a:effectLst/>
                 <a:latin typeface="Calibri" panose="020F0502020204030204" pitchFamily="34" charset="0"/>
                 <a:ea typeface="Calibri" panose="020F0502020204030204" pitchFamily="34" charset="0"/>
                 <a:cs typeface="Times New Roman" panose="02020603050405020304" pitchFamily="18" charset="0"/>
               </a:rPr>
-              <a:t>It was launched by Microsoft along with ASP.NET Core and its used by default to host ASP.NET applications on any platform. </a:t>
-            </a:r>
+              <a:t>Cross-platform</a:t>
+            </a:r>
+            <a:endParaRPr lang="en-US" sz="1800" dirty="0">
+              <a:effectLst/>
+              <a:latin typeface="Calibri" panose="020F0502020204030204" pitchFamily="34" charset="0"/>
+              <a:ea typeface="Calibri" panose="020F0502020204030204" pitchFamily="34" charset="0"/>
+              <a:cs typeface="Times New Roman" panose="02020603050405020304" pitchFamily="18" charset="0"/>
+            </a:endParaRPr>
           </a:p>
           <a:p>
             <a:pPr marL="0" marR="0" algn="just">
@@ -5510,119 +5410,17 @@
               </a:tabLst>
             </a:pPr>
             <a:r>
-              <a:rPr lang="en-US" sz="1800" b="1" dirty="0">
-                <a:effectLst/>
-                <a:latin typeface="Calibri" panose="020F0502020204030204" pitchFamily="34" charset="0"/>
-                <a:ea typeface="Calibri" panose="020F0502020204030204" pitchFamily="34" charset="0"/>
-                <a:cs typeface="Times New Roman" panose="02020603050405020304" pitchFamily="18" charset="0"/>
-              </a:rPr>
-              <a:t>It allows ASP.NET Core applications to easily run on servers that relied on reverse proxies other than IIS like Nginx and Apache, without the need to address variations on the </a:t>
-            </a:r>
-            <a:r>
-              <a:rPr lang="en-US" sz="1800" b="1" dirty="0" err="1">
-                <a:effectLst/>
-                <a:latin typeface="Calibri" panose="020F0502020204030204" pitchFamily="34" charset="0"/>
-                <a:ea typeface="Calibri" panose="020F0502020204030204" pitchFamily="34" charset="0"/>
-                <a:cs typeface="Times New Roman" panose="02020603050405020304" pitchFamily="18" charset="0"/>
-              </a:rPr>
-              <a:t>the</a:t>
-            </a:r>
-            <a:r>
-              <a:rPr lang="en-US" sz="1800" b="1" dirty="0">
-                <a:effectLst/>
-                <a:latin typeface="Calibri" panose="020F0502020204030204" pitchFamily="34" charset="0"/>
-                <a:ea typeface="Calibri" panose="020F0502020204030204" pitchFamily="34" charset="0"/>
-                <a:cs typeface="Times New Roman" panose="02020603050405020304" pitchFamily="18" charset="0"/>
-              </a:rPr>
-              <a:t> startup configurations</a:t>
-            </a:r>
-            <a:r>
               <a:rPr lang="en-US" sz="1800" dirty="0">
                 <a:effectLst/>
                 <a:latin typeface="Calibri" panose="020F0502020204030204" pitchFamily="34" charset="0"/>
                 <a:ea typeface="Calibri" panose="020F0502020204030204" pitchFamily="34" charset="0"/>
                 <a:cs typeface="Times New Roman" panose="02020603050405020304" pitchFamily="18" charset="0"/>
               </a:rPr>
-              <a:t>. By using Kestrel as an in-process server, applications will have a consistent startup process: </a:t>
-            </a:r>
-          </a:p>
-          <a:p>
-            <a:pPr marL="342900" marR="0" lvl="0" indent="-342900" algn="just">
-              <a:lnSpc>
-                <a:spcPct val="107000"/>
-              </a:lnSpc>
-              <a:spcBef>
-                <a:spcPts val="0"/>
-              </a:spcBef>
-              <a:spcAft>
-                <a:spcPts val="0"/>
-              </a:spcAft>
-              <a:buFont typeface="+mj-lt"/>
-              <a:buAutoNum type="arabicPeriod"/>
-              <a:tabLst>
-                <a:tab pos="1333500" algn="l"/>
-              </a:tabLst>
-            </a:pPr>
-            <a:r>
-              <a:rPr lang="en-US" sz="1800" i="1" dirty="0">
-                <a:effectLst/>
-                <a:latin typeface="Calibri" panose="020F0502020204030204" pitchFamily="34" charset="0"/>
-                <a:ea typeface="Calibri" panose="020F0502020204030204" pitchFamily="34" charset="0"/>
-                <a:cs typeface="Times New Roman" panose="02020603050405020304" pitchFamily="18" charset="0"/>
-              </a:rPr>
-              <a:t>Main()</a:t>
-            </a:r>
-            <a:endParaRPr lang="en-US" sz="1800" dirty="0">
-              <a:effectLst/>
-              <a:latin typeface="Calibri" panose="020F0502020204030204" pitchFamily="34" charset="0"/>
-              <a:ea typeface="Calibri" panose="020F0502020204030204" pitchFamily="34" charset="0"/>
-              <a:cs typeface="Times New Roman" panose="02020603050405020304" pitchFamily="18" charset="0"/>
-            </a:endParaRPr>
-          </a:p>
-          <a:p>
-            <a:pPr marL="342900" marR="0" lvl="0" indent="-342900" algn="just">
-              <a:lnSpc>
-                <a:spcPct val="107000"/>
-              </a:lnSpc>
-              <a:spcBef>
-                <a:spcPts val="0"/>
-              </a:spcBef>
-              <a:spcAft>
-                <a:spcPts val="0"/>
-              </a:spcAft>
-              <a:buFont typeface="+mj-lt"/>
-              <a:buAutoNum type="arabicPeriod"/>
-              <a:tabLst>
-                <a:tab pos="1333500" algn="l"/>
-              </a:tabLst>
-            </a:pPr>
-            <a:r>
-              <a:rPr lang="en-US" sz="1800" i="1" dirty="0" err="1">
-                <a:effectLst/>
-                <a:latin typeface="Calibri" panose="020F0502020204030204" pitchFamily="34" charset="0"/>
-                <a:ea typeface="Calibri" panose="020F0502020204030204" pitchFamily="34" charset="0"/>
-                <a:cs typeface="Times New Roman" panose="02020603050405020304" pitchFamily="18" charset="0"/>
-              </a:rPr>
-              <a:t>Startup.ConfigireServices</a:t>
-            </a:r>
-            <a:r>
-              <a:rPr lang="en-US" sz="1800" i="1" dirty="0">
-                <a:effectLst/>
-                <a:latin typeface="Calibri" panose="020F0502020204030204" pitchFamily="34" charset="0"/>
-                <a:ea typeface="Calibri" panose="020F0502020204030204" pitchFamily="34" charset="0"/>
-                <a:cs typeface="Times New Roman" panose="02020603050405020304" pitchFamily="18" charset="0"/>
-              </a:rPr>
-              <a:t>()</a:t>
-            </a:r>
-            <a:endParaRPr lang="en-US" sz="1800" dirty="0">
-              <a:effectLst/>
-              <a:latin typeface="Calibri" panose="020F0502020204030204" pitchFamily="34" charset="0"/>
-              <a:ea typeface="Calibri" panose="020F0502020204030204" pitchFamily="34" charset="0"/>
-              <a:cs typeface="Times New Roman" panose="02020603050405020304" pitchFamily="18" charset="0"/>
-            </a:endParaRPr>
-          </a:p>
-          <a:p>
-            <a:pPr marL="342900" marR="0" lvl="0" indent="-342900" algn="just">
+              <a:t>.NET Core can run on Windows, Linux, and macOS</a:t>
+            </a:r>
+          </a:p>
+          <a:p>
+            <a:pPr marL="0" marR="0" algn="just">
               <a:lnSpc>
                 <a:spcPct val="107000"/>
               </a:lnSpc>
@@ -5632,29 +5430,18 @@
               <a:spcAft>
                 <a:spcPts val="800"/>
               </a:spcAft>
-              <a:buFont typeface="+mj-lt"/>
-              <a:buAutoNum type="arabicPeriod"/>
               <a:tabLst>
                 <a:tab pos="1333500" algn="l"/>
               </a:tabLst>
             </a:pPr>
             <a:r>
-              <a:rPr lang="en-US" sz="1800" i="1" dirty="0" err="1">
+              <a:rPr lang="en-US" sz="1800" b="1" dirty="0">
                 <a:effectLst/>
                 <a:latin typeface="Calibri" panose="020F0502020204030204" pitchFamily="34" charset="0"/>
                 <a:ea typeface="Calibri" panose="020F0502020204030204" pitchFamily="34" charset="0"/>
                 <a:cs typeface="Times New Roman" panose="02020603050405020304" pitchFamily="18" charset="0"/>
               </a:rPr>
-              <a:t>Startup.Configure</a:t>
-            </a:r>
-            <a:r>
-              <a:rPr lang="en-US" sz="1800" i="1" dirty="0">
-                <a:effectLst/>
-                <a:latin typeface="Calibri" panose="020F0502020204030204" pitchFamily="34" charset="0"/>
-                <a:ea typeface="Calibri" panose="020F0502020204030204" pitchFamily="34" charset="0"/>
-                <a:cs typeface="Times New Roman" panose="02020603050405020304" pitchFamily="18" charset="0"/>
-              </a:rPr>
-              <a:t>()</a:t>
+              <a:t>Host Agnostic</a:t>
             </a:r>
             <a:endParaRPr lang="en-US" sz="1800" dirty="0">
               <a:effectLst/>
@@ -5662,6 +5449,306 @@
               <a:ea typeface="Calibri" panose="020F0502020204030204" pitchFamily="34" charset="0"/>
               <a:cs typeface="Times New Roman" panose="02020603050405020304" pitchFamily="18" charset="0"/>
             </a:endParaRPr>
+          </a:p>
+          <a:p>
+            <a:pPr marL="0" marR="0" algn="just">
+              <a:lnSpc>
+                <a:spcPct val="107000"/>
+              </a:lnSpc>
+              <a:spcBef>
+                <a:spcPts val="0"/>
+              </a:spcBef>
+              <a:spcAft>
+                <a:spcPts val="800"/>
+              </a:spcAft>
+              <a:tabLst>
+                <a:tab pos="1333500" algn="l"/>
+              </a:tabLst>
+            </a:pPr>
+            <a:r>
+              <a:rPr lang="en-US" sz="1800" dirty="0">
+                <a:effectLst/>
+                <a:latin typeface="Calibri" panose="020F0502020204030204" pitchFamily="34" charset="0"/>
+                <a:ea typeface="Calibri" panose="020F0502020204030204" pitchFamily="34" charset="0"/>
+                <a:cs typeface="Times New Roman" panose="02020603050405020304" pitchFamily="18" charset="0"/>
+              </a:rPr>
+              <a:t>ASP.NET was built on the legacy of </a:t>
+            </a:r>
+            <a:r>
+              <a:rPr lang="en-US" sz="1800" b="1" dirty="0" err="1">
+                <a:effectLst/>
+                <a:latin typeface="Calibri" panose="020F0502020204030204" pitchFamily="34" charset="0"/>
+                <a:ea typeface="Calibri" panose="020F0502020204030204" pitchFamily="34" charset="0"/>
+                <a:cs typeface="Times New Roman" panose="02020603050405020304" pitchFamily="18" charset="0"/>
+              </a:rPr>
+              <a:t>System.Web</a:t>
+            </a:r>
+            <a:r>
+              <a:rPr lang="en-US" sz="1800" b="1" dirty="0">
+                <a:effectLst/>
+                <a:latin typeface="Calibri" panose="020F0502020204030204" pitchFamily="34" charset="0"/>
+                <a:ea typeface="Calibri" panose="020F0502020204030204" pitchFamily="34" charset="0"/>
+                <a:cs typeface="Times New Roman" panose="02020603050405020304" pitchFamily="18" charset="0"/>
+              </a:rPr>
+              <a:t> </a:t>
+            </a:r>
+            <a:r>
+              <a:rPr lang="en-US" sz="1800" dirty="0">
+                <a:effectLst/>
+                <a:latin typeface="Calibri" panose="020F0502020204030204" pitchFamily="34" charset="0"/>
+                <a:ea typeface="Calibri" panose="020F0502020204030204" pitchFamily="34" charset="0"/>
+                <a:cs typeface="Times New Roman" panose="02020603050405020304" pitchFamily="18" charset="0"/>
+              </a:rPr>
+              <a:t>library and </a:t>
+            </a:r>
+            <a:r>
+              <a:rPr lang="en-US" sz="1800" b="1" dirty="0">
+                <a:effectLst/>
+                <a:latin typeface="Calibri" panose="020F0502020204030204" pitchFamily="34" charset="0"/>
+                <a:ea typeface="Calibri" panose="020F0502020204030204" pitchFamily="34" charset="0"/>
+                <a:cs typeface="Times New Roman" panose="02020603050405020304" pitchFamily="18" charset="0"/>
+              </a:rPr>
+              <a:t>rely on Windows IIS </a:t>
+            </a:r>
+            <a:r>
+              <a:rPr lang="en-US" sz="1800" dirty="0">
+                <a:effectLst/>
+                <a:latin typeface="Calibri" panose="020F0502020204030204" pitchFamily="34" charset="0"/>
+                <a:ea typeface="Calibri" panose="020F0502020204030204" pitchFamily="34" charset="0"/>
+                <a:cs typeface="Times New Roman" panose="02020603050405020304" pitchFamily="18" charset="0"/>
+              </a:rPr>
+              <a:t>to provide server hosting.</a:t>
+            </a:r>
+          </a:p>
+          <a:p>
+            <a:pPr marL="0" marR="0" algn="just">
+              <a:lnSpc>
+                <a:spcPct val="107000"/>
+              </a:lnSpc>
+              <a:spcBef>
+                <a:spcPts val="0"/>
+              </a:spcBef>
+              <a:spcAft>
+                <a:spcPts val="800"/>
+              </a:spcAft>
+              <a:tabLst>
+                <a:tab pos="1333500" algn="l"/>
+              </a:tabLst>
+            </a:pPr>
+            <a:r>
+              <a:rPr lang="en-US" sz="1800" dirty="0">
+                <a:effectLst/>
+                <a:latin typeface="Calibri" panose="020F0502020204030204" pitchFamily="34" charset="0"/>
+                <a:ea typeface="Calibri" panose="020F0502020204030204" pitchFamily="34" charset="0"/>
+                <a:cs typeface="Times New Roman" panose="02020603050405020304" pitchFamily="18" charset="0"/>
+              </a:rPr>
+              <a:t>This symbiotic relationship prevented these applications from being cross-platform and made mandatory the creation of a different hosting model.</a:t>
+            </a:r>
+          </a:p>
+          <a:p>
+            <a:pPr marL="0" marR="0" algn="just">
+              <a:lnSpc>
+                <a:spcPct val="107000"/>
+              </a:lnSpc>
+              <a:spcBef>
+                <a:spcPts val="0"/>
+              </a:spcBef>
+              <a:spcAft>
+                <a:spcPts val="800"/>
+              </a:spcAft>
+              <a:tabLst>
+                <a:tab pos="1333500" algn="l"/>
+              </a:tabLst>
+            </a:pPr>
+            <a:r>
+              <a:rPr lang="en-US" sz="1800" dirty="0">
+                <a:effectLst/>
+                <a:latin typeface="Calibri" panose="020F0502020204030204" pitchFamily="34" charset="0"/>
+                <a:ea typeface="Calibri" panose="020F0502020204030204" pitchFamily="34" charset="0"/>
+                <a:cs typeface="Times New Roman" panose="02020603050405020304" pitchFamily="18" charset="0"/>
+              </a:rPr>
+              <a:t>ASP.NET Core applications are </a:t>
+            </a:r>
+            <a:r>
+              <a:rPr lang="en-US" sz="1800" b="1" dirty="0">
+                <a:effectLst/>
+                <a:latin typeface="Calibri" panose="020F0502020204030204" pitchFamily="34" charset="0"/>
+                <a:ea typeface="Calibri" panose="020F0502020204030204" pitchFamily="34" charset="0"/>
+                <a:cs typeface="Times New Roman" panose="02020603050405020304" pitchFamily="18" charset="0"/>
+              </a:rPr>
+              <a:t>self-hosted web servers that handle the request directly</a:t>
+            </a:r>
+            <a:r>
+              <a:rPr lang="en-US" sz="1800" dirty="0">
+                <a:effectLst/>
+                <a:latin typeface="Calibri" panose="020F0502020204030204" pitchFamily="34" charset="0"/>
+                <a:ea typeface="Calibri" panose="020F0502020204030204" pitchFamily="34" charset="0"/>
+                <a:cs typeface="Times New Roman" panose="02020603050405020304" pitchFamily="18" charset="0"/>
+              </a:rPr>
+              <a:t>, instead of letting IIS call specific points of the application. An example is Kestrel, a fast, cross-platform HTTP server.</a:t>
+            </a:r>
+          </a:p>
+          <a:p>
+            <a:pPr marL="0" marR="0" algn="just">
+              <a:lnSpc>
+                <a:spcPct val="107000"/>
+              </a:lnSpc>
+              <a:spcBef>
+                <a:spcPts val="0"/>
+              </a:spcBef>
+              <a:spcAft>
+                <a:spcPts val="800"/>
+              </a:spcAft>
+              <a:tabLst>
+                <a:tab pos="1333500" algn="l"/>
+              </a:tabLst>
+            </a:pPr>
+            <a:r>
+              <a:rPr lang="en-US" sz="1800" b="1" dirty="0">
+                <a:effectLst/>
+                <a:latin typeface="Calibri" panose="020F0502020204030204" pitchFamily="34" charset="0"/>
+                <a:ea typeface="Calibri" panose="020F0502020204030204" pitchFamily="34" charset="0"/>
+                <a:cs typeface="Times New Roman" panose="02020603050405020304" pitchFamily="18" charset="0"/>
+              </a:rPr>
+              <a:t>Modular architecture</a:t>
+            </a:r>
+            <a:endParaRPr lang="en-US" sz="1800" dirty="0">
+              <a:effectLst/>
+              <a:latin typeface="Calibri" panose="020F0502020204030204" pitchFamily="34" charset="0"/>
+              <a:ea typeface="Calibri" panose="020F0502020204030204" pitchFamily="34" charset="0"/>
+              <a:cs typeface="Times New Roman" panose="02020603050405020304" pitchFamily="18" charset="0"/>
+            </a:endParaRPr>
+          </a:p>
+          <a:p>
+            <a:pPr marL="0" marR="0" algn="just">
+              <a:lnSpc>
+                <a:spcPct val="107000"/>
+              </a:lnSpc>
+              <a:spcBef>
+                <a:spcPts val="0"/>
+              </a:spcBef>
+              <a:spcAft>
+                <a:spcPts val="800"/>
+              </a:spcAft>
+              <a:tabLst>
+                <a:tab pos="1333500" algn="l"/>
+              </a:tabLst>
+            </a:pPr>
+            <a:r>
+              <a:rPr lang="en-US" sz="1800" dirty="0">
+                <a:effectLst/>
+                <a:latin typeface="Calibri" panose="020F0502020204030204" pitchFamily="34" charset="0"/>
+                <a:ea typeface="Calibri" panose="020F0502020204030204" pitchFamily="34" charset="0"/>
+                <a:cs typeface="Times New Roman" panose="02020603050405020304" pitchFamily="18" charset="0"/>
+              </a:rPr>
+              <a:t>ASP.NET Core has modular design. </a:t>
+            </a:r>
+          </a:p>
+          <a:p>
+            <a:pPr marL="0" marR="0" algn="just">
+              <a:lnSpc>
+                <a:spcPct val="107000"/>
+              </a:lnSpc>
+              <a:spcBef>
+                <a:spcPts val="0"/>
+              </a:spcBef>
+              <a:spcAft>
+                <a:spcPts val="800"/>
+              </a:spcAft>
+              <a:tabLst>
+                <a:tab pos="1333500" algn="l"/>
+              </a:tabLst>
+            </a:pPr>
+            <a:r>
+              <a:rPr lang="en-US" sz="1800" dirty="0">
+                <a:effectLst/>
+                <a:latin typeface="Calibri" panose="020F0502020204030204" pitchFamily="34" charset="0"/>
+                <a:ea typeface="Calibri" panose="020F0502020204030204" pitchFamily="34" charset="0"/>
+                <a:cs typeface="Times New Roman" panose="02020603050405020304" pitchFamily="18" charset="0"/>
+              </a:rPr>
+              <a:t>This means that, unlike ASP.NET, where you had to install the entire .NET framework, you start with a bare-bones application and only include the dependencies that you need.</a:t>
+            </a:r>
+          </a:p>
+          <a:p>
+            <a:pPr marL="0" marR="0" algn="just">
+              <a:lnSpc>
+                <a:spcPct val="107000"/>
+              </a:lnSpc>
+              <a:spcBef>
+                <a:spcPts val="0"/>
+              </a:spcBef>
+              <a:spcAft>
+                <a:spcPts val="800"/>
+              </a:spcAft>
+              <a:tabLst>
+                <a:tab pos="1333500" algn="l"/>
+              </a:tabLst>
+            </a:pPr>
+            <a:r>
+              <a:rPr lang="en-US" sz="1800" dirty="0">
+                <a:effectLst/>
+                <a:latin typeface="Calibri" panose="020F0502020204030204" pitchFamily="34" charset="0"/>
+                <a:ea typeface="Calibri" panose="020F0502020204030204" pitchFamily="34" charset="0"/>
+                <a:cs typeface="Times New Roman" panose="02020603050405020304" pitchFamily="18" charset="0"/>
+              </a:rPr>
+              <a:t>This modularity results in an improvement of performances.</a:t>
+            </a:r>
+          </a:p>
+          <a:p>
+            <a:pPr marL="0" marR="0" algn="just">
+              <a:lnSpc>
+                <a:spcPct val="107000"/>
+              </a:lnSpc>
+              <a:spcBef>
+                <a:spcPts val="0"/>
+              </a:spcBef>
+              <a:spcAft>
+                <a:spcPts val="800"/>
+              </a:spcAft>
+              <a:tabLst>
+                <a:tab pos="1333500" algn="l"/>
+              </a:tabLst>
+            </a:pPr>
+            <a:r>
+              <a:rPr lang="en-US" sz="1800" b="1" dirty="0">
+                <a:effectLst/>
+                <a:latin typeface="Calibri" panose="020F0502020204030204" pitchFamily="34" charset="0"/>
+                <a:ea typeface="Calibri" panose="020F0502020204030204" pitchFamily="34" charset="0"/>
+                <a:cs typeface="Times New Roman" panose="02020603050405020304" pitchFamily="18" charset="0"/>
+              </a:rPr>
+              <a:t>Open source</a:t>
+            </a:r>
+            <a:endParaRPr lang="en-US" sz="1800" dirty="0">
+              <a:effectLst/>
+              <a:latin typeface="Calibri" panose="020F0502020204030204" pitchFamily="34" charset="0"/>
+              <a:ea typeface="Calibri" panose="020F0502020204030204" pitchFamily="34" charset="0"/>
+              <a:cs typeface="Times New Roman" panose="02020603050405020304" pitchFamily="18" charset="0"/>
+            </a:endParaRPr>
+          </a:p>
+          <a:p>
+            <a:pPr marL="0" marR="0" algn="just">
+              <a:lnSpc>
+                <a:spcPct val="107000"/>
+              </a:lnSpc>
+              <a:spcBef>
+                <a:spcPts val="0"/>
+              </a:spcBef>
+              <a:spcAft>
+                <a:spcPts val="800"/>
+              </a:spcAft>
+              <a:tabLst>
+                <a:tab pos="1333500" algn="l"/>
+              </a:tabLst>
+            </a:pPr>
+            <a:r>
+              <a:rPr lang="en-US" sz="1800" dirty="0">
+                <a:effectLst/>
+                <a:latin typeface="Calibri" panose="020F0502020204030204" pitchFamily="34" charset="0"/>
+                <a:ea typeface="Calibri" panose="020F0502020204030204" pitchFamily="34" charset="0"/>
+                <a:cs typeface="Times New Roman" panose="02020603050405020304" pitchFamily="18" charset="0"/>
+              </a:rPr>
+              <a:t>Unlike .NET framework which had long releases cycles, .NET Core, thanks to its open source nature has a faster release pace. </a:t>
+            </a:r>
           </a:p>
         </p:txBody>
       </p:sp>
@@ -5755,7 +5842,7 @@
           <a:p>
             <a:fld id="{D18B56EA-E28F-4F92-9F16-7A6F2501B303}" type="datetime8">
               <a:rPr lang="en-US" smtClean="0"/>
-              <a:t>2/3/2021 8:41 PM</a:t>
+              <a:t>2/4/2021 8:00 PM</a:t>
             </a:fld>
             <a:endParaRPr lang="en-US" dirty="0"/>
           </a:p>
@@ -5779,7 +5866,7 @@
             <a:fld id="{B4008EB6-D09E-4580-8CD6-DDB14511944F}" type="slidenum">
               <a:rPr lang="en-US" smtClean="0"/>
               <a:pPr/>
-              <a:t>12</a:t>
+              <a:t>8</a:t>
             </a:fld>
             <a:endParaRPr lang="en-US" dirty="0"/>
           </a:p>
@@ -5788,7 +5875,7 @@
     </p:spTree>
     <p:extLst>
       <p:ext uri="{BB962C8B-B14F-4D97-AF65-F5344CB8AC3E}">
-        <p14:creationId xmlns:p14="http://schemas.microsoft.com/office/powerpoint/2010/main" val="2835668928"/>
+        <p14:creationId xmlns:p14="http://schemas.microsoft.com/office/powerpoint/2010/main" val="3466177388"/>
       </p:ext>
     </p:extLst>
   </p:cSld>
@@ -5842,7 +5929,241 @@
           <a:bodyPr/>
           <a:lstStyle/>
           <a:p>
-            <a:endParaRPr lang="en-US" dirty="0"/>
+            <a:pPr marL="0" marR="0" algn="just">
+              <a:lnSpc>
+                <a:spcPct val="107000"/>
+              </a:lnSpc>
+              <a:spcBef>
+                <a:spcPts val="0"/>
+              </a:spcBef>
+              <a:spcAft>
+                <a:spcPts val="800"/>
+              </a:spcAft>
+              <a:tabLst>
+                <a:tab pos="1333500" algn="l"/>
+              </a:tabLst>
+            </a:pPr>
+            <a:r>
+              <a:rPr lang="en-US" sz="1800" dirty="0">
+                <a:effectLst/>
+                <a:latin typeface="Calibri" panose="020F0502020204030204" pitchFamily="34" charset="0"/>
+                <a:ea typeface="Calibri" panose="020F0502020204030204" pitchFamily="34" charset="0"/>
+                <a:cs typeface="Times New Roman" panose="02020603050405020304" pitchFamily="18" charset="0"/>
+              </a:rPr>
+              <a:t>Kestrel is open-source, event-driven, asynchronous I/O based server which is based on the same </a:t>
+            </a:r>
+            <a:r>
+              <a:rPr lang="en-US" sz="1800" b="1" dirty="0" err="1">
+                <a:effectLst/>
+                <a:latin typeface="Calibri" panose="020F0502020204030204" pitchFamily="34" charset="0"/>
+                <a:ea typeface="Calibri" panose="020F0502020204030204" pitchFamily="34" charset="0"/>
+                <a:cs typeface="Times New Roman" panose="02020603050405020304" pitchFamily="18" charset="0"/>
+              </a:rPr>
+              <a:t>Libuv</a:t>
+            </a:r>
+            <a:r>
+              <a:rPr lang="en-US" sz="1800" dirty="0">
+                <a:effectLst/>
+                <a:latin typeface="Calibri" panose="020F0502020204030204" pitchFamily="34" charset="0"/>
+                <a:ea typeface="Calibri" panose="020F0502020204030204" pitchFamily="34" charset="0"/>
+                <a:cs typeface="Times New Roman" panose="02020603050405020304" pitchFamily="18" charset="0"/>
+              </a:rPr>
+              <a:t> library as node.js.</a:t>
+            </a:r>
+          </a:p>
+          <a:p>
+            <a:pPr marL="0" marR="0" algn="just">
+              <a:lnSpc>
+                <a:spcPct val="107000"/>
+              </a:lnSpc>
+              <a:spcBef>
+                <a:spcPts val="0"/>
+              </a:spcBef>
+              <a:spcAft>
+                <a:spcPts val="800"/>
+              </a:spcAft>
+              <a:tabLst>
+                <a:tab pos="1333500" algn="l"/>
+              </a:tabLst>
+            </a:pPr>
+            <a:r>
+              <a:rPr lang="en-US" sz="1800" dirty="0">
+                <a:effectLst/>
+                <a:latin typeface="Calibri" panose="020F0502020204030204" pitchFamily="34" charset="0"/>
+                <a:ea typeface="Calibri" panose="020F0502020204030204" pitchFamily="34" charset="0"/>
+                <a:cs typeface="Times New Roman" panose="02020603050405020304" pitchFamily="18" charset="0"/>
+              </a:rPr>
+              <a:t>It was launched by Microsoft along with ASP.NET Core and its used by default to host ASP.NET applications on any platform. </a:t>
+            </a:r>
+          </a:p>
+          <a:p>
+            <a:pPr marL="0" marR="0" algn="just">
+              <a:lnSpc>
+                <a:spcPct val="107000"/>
+              </a:lnSpc>
+              <a:spcBef>
+                <a:spcPts val="0"/>
+              </a:spcBef>
+              <a:spcAft>
+                <a:spcPts val="800"/>
+              </a:spcAft>
+              <a:tabLst>
+                <a:tab pos="1333500" algn="l"/>
+              </a:tabLst>
+            </a:pPr>
+            <a:r>
+              <a:rPr lang="en-US" sz="1800" b="1" dirty="0">
+                <a:effectLst/>
+                <a:latin typeface="Calibri" panose="020F0502020204030204" pitchFamily="34" charset="0"/>
+                <a:ea typeface="Calibri" panose="020F0502020204030204" pitchFamily="34" charset="0"/>
+                <a:cs typeface="Times New Roman" panose="02020603050405020304" pitchFamily="18" charset="0"/>
+              </a:rPr>
+              <a:t>It allows ASP.NET Core applications to easily run on servers that relied on reverse proxies other than IIS like Nginx and Apache, without the need to address variations on the </a:t>
+            </a:r>
+            <a:r>
+              <a:rPr lang="en-US" sz="1800" b="1" dirty="0" err="1">
+                <a:effectLst/>
+                <a:latin typeface="Calibri" panose="020F0502020204030204" pitchFamily="34" charset="0"/>
+                <a:ea typeface="Calibri" panose="020F0502020204030204" pitchFamily="34" charset="0"/>
+                <a:cs typeface="Times New Roman" panose="02020603050405020304" pitchFamily="18" charset="0"/>
+              </a:rPr>
+              <a:t>the</a:t>
+            </a:r>
+            <a:r>
+              <a:rPr lang="en-US" sz="1800" b="1" dirty="0">
+                <a:effectLst/>
+                <a:latin typeface="Calibri" panose="020F0502020204030204" pitchFamily="34" charset="0"/>
+                <a:ea typeface="Calibri" panose="020F0502020204030204" pitchFamily="34" charset="0"/>
+                <a:cs typeface="Times New Roman" panose="02020603050405020304" pitchFamily="18" charset="0"/>
+              </a:rPr>
+              <a:t> startup configurations</a:t>
+            </a:r>
+            <a:r>
+              <a:rPr lang="en-US" sz="1800" dirty="0">
+                <a:effectLst/>
+                <a:latin typeface="Calibri" panose="020F0502020204030204" pitchFamily="34" charset="0"/>
+                <a:ea typeface="Calibri" panose="020F0502020204030204" pitchFamily="34" charset="0"/>
+                <a:cs typeface="Times New Roman" panose="02020603050405020304" pitchFamily="18" charset="0"/>
+              </a:rPr>
+              <a:t>. By using Kestrel as an in-process server, applications will have a consistent startup process: </a:t>
+            </a:r>
+          </a:p>
+          <a:p>
+            <a:pPr marL="342900" marR="0" lvl="0" indent="-342900" algn="just">
+              <a:lnSpc>
+                <a:spcPct val="107000"/>
+              </a:lnSpc>
+              <a:spcBef>
+                <a:spcPts val="0"/>
+              </a:spcBef>
+              <a:spcAft>
+                <a:spcPts val="0"/>
+              </a:spcAft>
+              <a:buFont typeface="+mj-lt"/>
+              <a:buAutoNum type="arabicPeriod"/>
+              <a:tabLst>
+                <a:tab pos="1333500" algn="l"/>
+              </a:tabLst>
+            </a:pPr>
+            <a:r>
+              <a:rPr lang="en-US" sz="1800" i="1" dirty="0">
+                <a:effectLst/>
+                <a:latin typeface="Calibri" panose="020F0502020204030204" pitchFamily="34" charset="0"/>
+                <a:ea typeface="Calibri" panose="020F0502020204030204" pitchFamily="34" charset="0"/>
+                <a:cs typeface="Times New Roman" panose="02020603050405020304" pitchFamily="18" charset="0"/>
+              </a:rPr>
+              <a:t>Main()</a:t>
+            </a:r>
+            <a:endParaRPr lang="en-US" sz="1800" dirty="0">
+              <a:effectLst/>
+              <a:latin typeface="Calibri" panose="020F0502020204030204" pitchFamily="34" charset="0"/>
+              <a:ea typeface="Calibri" panose="020F0502020204030204" pitchFamily="34" charset="0"/>
+              <a:cs typeface="Times New Roman" panose="02020603050405020304" pitchFamily="18" charset="0"/>
+            </a:endParaRPr>
+          </a:p>
+          <a:p>
+            <a:pPr marL="342900" marR="0" lvl="0" indent="-342900" algn="just">
+              <a:lnSpc>
+                <a:spcPct val="107000"/>
+              </a:lnSpc>
+              <a:spcBef>
+                <a:spcPts val="0"/>
+              </a:spcBef>
+              <a:spcAft>
+                <a:spcPts val="0"/>
+              </a:spcAft>
+              <a:buFont typeface="+mj-lt"/>
+              <a:buAutoNum type="arabicPeriod"/>
+              <a:tabLst>
+                <a:tab pos="1333500" algn="l"/>
+              </a:tabLst>
+            </a:pPr>
+            <a:r>
+              <a:rPr lang="en-US" sz="1800" i="1" dirty="0" err="1">
+                <a:effectLst/>
+                <a:latin typeface="Calibri" panose="020F0502020204030204" pitchFamily="34" charset="0"/>
+                <a:ea typeface="Calibri" panose="020F0502020204030204" pitchFamily="34" charset="0"/>
+                <a:cs typeface="Times New Roman" panose="02020603050405020304" pitchFamily="18" charset="0"/>
+              </a:rPr>
+              <a:t>Startup.ConfigireServices</a:t>
+            </a:r>
+            <a:r>
+              <a:rPr lang="en-US" sz="1800" i="1" dirty="0">
+                <a:effectLst/>
+                <a:latin typeface="Calibri" panose="020F0502020204030204" pitchFamily="34" charset="0"/>
+                <a:ea typeface="Calibri" panose="020F0502020204030204" pitchFamily="34" charset="0"/>
+                <a:cs typeface="Times New Roman" panose="02020603050405020304" pitchFamily="18" charset="0"/>
+              </a:rPr>
+              <a:t>()</a:t>
+            </a:r>
+            <a:endParaRPr lang="en-US" sz="1800" dirty="0">
+              <a:effectLst/>
+              <a:latin typeface="Calibri" panose="020F0502020204030204" pitchFamily="34" charset="0"/>
+              <a:ea typeface="Calibri" panose="020F0502020204030204" pitchFamily="34" charset="0"/>
+              <a:cs typeface="Times New Roman" panose="02020603050405020304" pitchFamily="18" charset="0"/>
+            </a:endParaRPr>
+          </a:p>
+          <a:p>
+            <a:pPr marL="342900" marR="0" lvl="0" indent="-342900" algn="just">
+              <a:lnSpc>
+                <a:spcPct val="107000"/>
+              </a:lnSpc>
+              <a:spcBef>
+                <a:spcPts val="0"/>
+              </a:spcBef>
+              <a:spcAft>
+                <a:spcPts val="800"/>
+              </a:spcAft>
+              <a:buFont typeface="+mj-lt"/>
+              <a:buAutoNum type="arabicPeriod"/>
+              <a:tabLst>
+                <a:tab pos="1333500" algn="l"/>
+              </a:tabLst>
+            </a:pPr>
+            <a:r>
+              <a:rPr lang="en-US" sz="1800" i="1" dirty="0" err="1">
+                <a:effectLst/>
+                <a:latin typeface="Calibri" panose="020F0502020204030204" pitchFamily="34" charset="0"/>
+                <a:ea typeface="Calibri" panose="020F0502020204030204" pitchFamily="34" charset="0"/>
+                <a:cs typeface="Times New Roman" panose="02020603050405020304" pitchFamily="18" charset="0"/>
+              </a:rPr>
+              <a:t>Startup.Configure</a:t>
+            </a:r>
+            <a:r>
+              <a:rPr lang="en-US" sz="1800" i="1" dirty="0">
+                <a:effectLst/>
+                <a:latin typeface="Calibri" panose="020F0502020204030204" pitchFamily="34" charset="0"/>
+                <a:ea typeface="Calibri" panose="020F0502020204030204" pitchFamily="34" charset="0"/>
+                <a:cs typeface="Times New Roman" panose="02020603050405020304" pitchFamily="18" charset="0"/>
+              </a:rPr>
+              <a:t>()</a:t>
+            </a:r>
+            <a:endParaRPr lang="en-US" sz="1800" dirty="0">
+              <a:effectLst/>
+              <a:latin typeface="Calibri" panose="020F0502020204030204" pitchFamily="34" charset="0"/>
+              <a:ea typeface="Calibri" panose="020F0502020204030204" pitchFamily="34" charset="0"/>
+              <a:cs typeface="Times New Roman" panose="02020603050405020304" pitchFamily="18" charset="0"/>
+            </a:endParaRPr>
           </a:p>
         </p:txBody>
       </p:sp>
@@ -5936,7 +6257,7 @@
           <a:p>
             <a:fld id="{D18B56EA-E28F-4F92-9F16-7A6F2501B303}" type="datetime8">
               <a:rPr lang="en-US" smtClean="0"/>
-              <a:t>2/3/2021 8:41 PM</a:t>
+              <a:t>2/4/2021 8:00 PM</a:t>
             </a:fld>
             <a:endParaRPr lang="en-US" dirty="0"/>
           </a:p>
@@ -5960,7 +6281,7 @@
             <a:fld id="{B4008EB6-D09E-4580-8CD6-DDB14511944F}" type="slidenum">
               <a:rPr lang="en-US" smtClean="0"/>
               <a:pPr/>
-              <a:t>13</a:t>
+              <a:t>9</a:t>
             </a:fld>
             <a:endParaRPr lang="en-US" dirty="0"/>
           </a:p>
@@ -5969,7 +6290,7 @@
     </p:spTree>
     <p:extLst>
       <p:ext uri="{BB962C8B-B14F-4D97-AF65-F5344CB8AC3E}">
-        <p14:creationId xmlns:p14="http://schemas.microsoft.com/office/powerpoint/2010/main" val="2038571955"/>
+        <p14:creationId xmlns:p14="http://schemas.microsoft.com/office/powerpoint/2010/main" val="2835668928"/>
       </p:ext>
     </p:extLst>
   </p:cSld>
@@ -6953,7 +7274,7 @@
           <a:p>
             <a:fld id="{0AE94EDD-D22A-4702-AFE1-732A7AD641D0}" type="datetimeFigureOut">
               <a:rPr lang="en-US" smtClean="0"/>
-              <a:t>2/3/2021</a:t>
+              <a:t>2/4/2021</a:t>
             </a:fld>
             <a:endParaRPr lang="en-US"/>
           </a:p>
@@ -7937,7 +8258,7 @@
             </a:ln>
             <a:extLst>
               <a:ext uri="{91240B29-F687-4f45-9708-019B960494DF}">
-                <a14:hiddenLine xmlns="" xmlns:a14="http://schemas.microsoft.com/office/drawing/2010/main" w="9525">
+                <a14:hiddenLine xmlns:a14="http://schemas.microsoft.com/office/drawing/2010/main" xmlns="" w="9525">
                   <a:solidFill>
                     <a:srgbClr val="000000"/>
                   </a:solidFill>
@@ -8159,7 +8480,7 @@
             </a:ln>
             <a:extLst>
               <a:ext uri="{91240B29-F687-4f45-9708-019B960494DF}">
-                <a14:hiddenLine xmlns="" xmlns:a14="http://schemas.microsoft.com/office/drawing/2010/main" w="9525">
+                <a14:hiddenLine xmlns:a14="http://schemas.microsoft.com/office/drawing/2010/main" xmlns="" w="9525">
                   <a:solidFill>
                     <a:srgbClr val="000000"/>
                   </a:solidFill>
@@ -10375,7 +10696,7 @@
             </a:ln>
             <a:extLst>
               <a:ext uri="{91240B29-F687-4f45-9708-019B960494DF}">
-                <a14:hiddenLine xmlns="" xmlns:a14="http://schemas.microsoft.com/office/drawing/2010/main" w="9525">
+                <a14:hiddenLine xmlns:a14="http://schemas.microsoft.com/office/drawing/2010/main" xmlns="" w="9525">
                   <a:solidFill>
                     <a:srgbClr val="000000"/>
                   </a:solidFill>
@@ -10807,7 +11128,7 @@
             </a:ln>
             <a:extLst>
               <a:ext uri="{91240B29-F687-4f45-9708-019B960494DF}">
-                <a14:hiddenLine xmlns="" xmlns:a14="http://schemas.microsoft.com/office/drawing/2010/main" w="9525">
+                <a14:hiddenLine xmlns:a14="http://schemas.microsoft.com/office/drawing/2010/main" xmlns="" w="9525">
                   <a:solidFill>
                     <a:srgbClr val="000000"/>
                   </a:solidFill>
@@ -11929,7 +12250,7 @@
             </a:ln>
             <a:extLst>
               <a:ext uri="{91240B29-F687-4f45-9708-019B960494DF}">
-                <a14:hiddenLine xmlns="" xmlns:a14="http://schemas.microsoft.com/office/drawing/2010/main" w="9525">
+                <a14:hiddenLine xmlns:a14="http://schemas.microsoft.com/office/drawing/2010/main" xmlns="" w="9525">
                   <a:solidFill>
                     <a:srgbClr val="000000"/>
                   </a:solidFill>
@@ -12361,7 +12682,7 @@
             </a:ln>
             <a:extLst>
               <a:ext uri="{91240B29-F687-4f45-9708-019B960494DF}">
-                <a14:hiddenLine xmlns="" xmlns:a14="http://schemas.microsoft.com/office/drawing/2010/main" w="9525">
+                <a14:hiddenLine xmlns:a14="http://schemas.microsoft.com/office/drawing/2010/main" xmlns="" w="9525">
                   <a:solidFill>
                     <a:srgbClr val="000000"/>
                   </a:solidFill>
@@ -14871,7 +15192,7 @@
           <a:p>
             <a:fld id="{0AE94EDD-D22A-4702-AFE1-732A7AD641D0}" type="datetimeFigureOut">
               <a:rPr lang="en-US" smtClean="0"/>
-              <a:t>2/3/2021</a:t>
+              <a:t>2/4/2021</a:t>
             </a:fld>
             <a:endParaRPr lang="en-US"/>
           </a:p>
@@ -16836,6 +17157,151 @@
       </p:grpSpPr>
       <p:sp>
         <p:nvSpPr>
+          <p:cNvPr id="7" name="Title 6">
+            <a:extLst>
+              <a:ext uri="{FF2B5EF4-FFF2-40B4-BE49-F238E27FC236}">
+                <a16:creationId xmlns:a16="http://schemas.microsoft.com/office/drawing/2014/main" id="{6F70FF8D-D2EA-4774-9E5C-171CB8A6ACD7}"/>
+              </a:ext>
+            </a:extLst>
+          </p:cNvPr>
+          <p:cNvSpPr>
+            <a:spLocks noGrp="1"/>
+          </p:cNvSpPr>
+          <p:nvPr>
+            <p:ph type="title"/>
+          </p:nvPr>
+        </p:nvSpPr>
+        <p:spPr/>
+        <p:txBody>
+          <a:bodyPr/>
+          <a:lstStyle/>
+          <a:p>
+            <a:r>
+              <a:rPr lang="en-US" dirty="0"/>
+              <a:t>Performances</a:t>
+            </a:r>
+          </a:p>
+        </p:txBody>
+      </p:sp>
+      <p:pic>
+        <p:nvPicPr>
+          <p:cNvPr id="2" name="Picture 1">
+            <a:extLst>
+              <a:ext uri="{FF2B5EF4-FFF2-40B4-BE49-F238E27FC236}">
+                <a16:creationId xmlns:a16="http://schemas.microsoft.com/office/drawing/2014/main" id="{6B9BAA71-3E06-4D1F-AF7D-40AA858E99C7}"/>
+              </a:ext>
+            </a:extLst>
+          </p:cNvPr>
+          <p:cNvPicPr>
+            <a:picLocks noChangeAspect="1"/>
+          </p:cNvPicPr>
+          <p:nvPr/>
+        </p:nvPicPr>
+        <p:blipFill rotWithShape="1">
+          <a:blip r:embed="rId2"/>
+          <a:srcRect b="37358"/>
+          <a:stretch/>
+        </p:blipFill>
+        <p:spPr>
+          <a:xfrm>
+            <a:off x="448213" y="1189495"/>
+            <a:ext cx="11295575" cy="4480569"/>
+          </a:xfrm>
+          <a:prstGeom prst="rect">
+            <a:avLst/>
+          </a:prstGeom>
+        </p:spPr>
+      </p:pic>
+      <p:sp>
+        <p:nvSpPr>
+          <p:cNvPr id="3" name="TextBox 2">
+            <a:extLst>
+              <a:ext uri="{FF2B5EF4-FFF2-40B4-BE49-F238E27FC236}">
+                <a16:creationId xmlns:a16="http://schemas.microsoft.com/office/drawing/2014/main" id="{11610183-957B-4289-AC27-8E0FC79A9A36}"/>
+              </a:ext>
+            </a:extLst>
+          </p:cNvPr>
+          <p:cNvSpPr txBox="1"/>
+          <p:nvPr/>
+        </p:nvSpPr>
+        <p:spPr>
+          <a:xfrm>
+            <a:off x="269239" y="5765888"/>
+            <a:ext cx="11474547" cy="615522"/>
+          </a:xfrm>
+          <a:prstGeom prst="rect">
+            <a:avLst/>
+          </a:prstGeom>
+          <a:noFill/>
+        </p:spPr>
+        <p:txBody>
+          <a:bodyPr wrap="square" lIns="179285" tIns="143428" rIns="179285" bIns="143428" rtlCol="0">
+            <a:spAutoFit/>
+          </a:bodyPr>
+          <a:lstStyle/>
+          <a:p>
+            <a:pPr>
+              <a:lnSpc>
+                <a:spcPct val="90000"/>
+              </a:lnSpc>
+              <a:spcAft>
+                <a:spcPts val="588"/>
+              </a:spcAft>
+            </a:pPr>
+            <a:r>
+              <a:rPr lang="en-US" sz="2353" dirty="0">
+                <a:hlinkClick r:id="rId3"/>
+              </a:rPr>
+              <a:t>https://www.techempower.com/benchmarks</a:t>
+            </a:r>
+            <a:endParaRPr lang="en-US" sz="2353" dirty="0"/>
+          </a:p>
+        </p:txBody>
+      </p:sp>
+    </p:spTree>
+    <p:extLst>
+      <p:ext uri="{BB962C8B-B14F-4D97-AF65-F5344CB8AC3E}">
+        <p14:creationId xmlns:p14="http://schemas.microsoft.com/office/powerpoint/2010/main" val="2815977247"/>
+      </p:ext>
+    </p:extLst>
+  </p:cSld>
+  <p:clrMapOvr>
+    <a:masterClrMapping/>
+  </p:clrMapOvr>
+  <mc:AlternateContent xmlns:mc="http://schemas.openxmlformats.org/markup-compatibility/2006" xmlns:p14="http://schemas.microsoft.com/office/powerpoint/2010/main">
+    <mc:Choice Requires="p14">
+      <p:transition spd="med" p14:dur="700" advTm="2164">
+        <p:fade/>
+      </p:transition>
+    </mc:Choice>
+    <mc:Fallback xmlns="">
+      <p:transition spd="med" advTm="2164">
+        <p:fade/>
+      </p:transition>
+    </mc:Fallback>
+  </mc:AlternateContent>
+</p:sld>
+</file>
+
+<file path=ppt/slides/slide11.xml><?xml version="1.0" encoding="utf-8"?>
+<p:sld xmlns:a="http://schemas.openxmlformats.org/drawingml/2006/main" xmlns:r="http://schemas.openxmlformats.org/officeDocument/2006/relationships" xmlns:p="http://schemas.openxmlformats.org/presentationml/2006/main">
+  <p:cSld>
+    <p:spTree>
+      <p:nvGrpSpPr>
+        <p:cNvPr id="1" name=""/>
+        <p:cNvGrpSpPr/>
+        <p:nvPr/>
+      </p:nvGrpSpPr>
+      <p:grpSpPr>
+        <a:xfrm>
+          <a:off x="0" y="0"/>
+          <a:ext cx="0" cy="0"/>
+          <a:chOff x="0" y="0"/>
+          <a:chExt cx="0" cy="0"/>
+        </a:xfrm>
+      </p:grpSpPr>
+      <p:sp>
+        <p:nvSpPr>
           <p:cNvPr id="2" name="Title 1">
             <a:extLst>
               <a:ext uri="{FF2B5EF4-FFF2-40B4-BE49-F238E27FC236}">
@@ -18081,7 +18547,7 @@
 </p:sld>
 </file>
 
-<file path=ppt/slides/slide11.xml><?xml version="1.0" encoding="utf-8"?>
+<file path=ppt/slides/slide12.xml><?xml version="1.0" encoding="utf-8"?>
 <p:sld xmlns:a="http://schemas.openxmlformats.org/drawingml/2006/main" xmlns:r="http://schemas.openxmlformats.org/officeDocument/2006/relationships" xmlns:p="http://schemas.openxmlformats.org/presentationml/2006/main">
   <p:cSld>
     <p:spTree>
@@ -20806,129 +21272,6 @@
       <p:bldP spid="48" grpId="0" animBg="1"/>
     </p:bldLst>
   </p:timing>
-</p:sld>
-</file>
-
-<file path=ppt/slides/slide12.xml><?xml version="1.0" encoding="utf-8"?>
-<p:sld xmlns:a="http://schemas.openxmlformats.org/drawingml/2006/main" xmlns:r="http://schemas.openxmlformats.org/officeDocument/2006/relationships" xmlns:p="http://schemas.openxmlformats.org/presentationml/2006/main">
-  <p:cSld>
-    <p:spTree>
-      <p:nvGrpSpPr>
-        <p:cNvPr id="1" name=""/>
-        <p:cNvGrpSpPr/>
-        <p:nvPr/>
-      </p:nvGrpSpPr>
-      <p:grpSpPr>
-        <a:xfrm>
-          <a:off x="0" y="0"/>
-          <a:ext cx="0" cy="0"/>
-          <a:chOff x="0" y="0"/>
-          <a:chExt cx="0" cy="0"/>
-        </a:xfrm>
-      </p:grpSpPr>
-      <p:sp>
-        <p:nvSpPr>
-          <p:cNvPr id="2" name="Title 1">
-            <a:extLst>
-              <a:ext uri="{FF2B5EF4-FFF2-40B4-BE49-F238E27FC236}">
-                <a16:creationId xmlns:a16="http://schemas.microsoft.com/office/drawing/2014/main" id="{59A0494B-38A5-4333-A4F4-734AFC774323}"/>
-              </a:ext>
-            </a:extLst>
-          </p:cNvPr>
-          <p:cNvSpPr>
-            <a:spLocks noGrp="1"/>
-          </p:cNvSpPr>
-          <p:nvPr>
-            <p:ph type="title"/>
-          </p:nvPr>
-        </p:nvSpPr>
-        <p:spPr/>
-        <p:txBody>
-          <a:bodyPr/>
-          <a:lstStyle/>
-          <a:p>
-            <a:r>
-              <a:rPr lang="en-US" dirty="0"/>
-              <a:t>The kestrel</a:t>
-            </a:r>
-          </a:p>
-        </p:txBody>
-      </p:sp>
-      <p:sp>
-        <p:nvSpPr>
-          <p:cNvPr id="3" name="Text Placeholder 2">
-            <a:extLst>
-              <a:ext uri="{FF2B5EF4-FFF2-40B4-BE49-F238E27FC236}">
-                <a16:creationId xmlns:a16="http://schemas.microsoft.com/office/drawing/2014/main" id="{6AF3D086-7543-426D-BE34-CD0FDAE0585F}"/>
-              </a:ext>
-            </a:extLst>
-          </p:cNvPr>
-          <p:cNvSpPr>
-            <a:spLocks noGrp="1"/>
-          </p:cNvSpPr>
-          <p:nvPr>
-            <p:ph type="body" sz="quarter" idx="10"/>
-          </p:nvPr>
-        </p:nvSpPr>
-        <p:spPr>
-          <a:xfrm>
-            <a:off x="269303" y="1187963"/>
-            <a:ext cx="11655078" cy="3415542"/>
-          </a:xfrm>
-        </p:spPr>
-        <p:txBody>
-          <a:bodyPr/>
-          <a:lstStyle/>
-          <a:p>
-            <a:r>
-              <a:rPr lang="en-US" sz="3137" dirty="0"/>
-              <a:t>Be default, every ASP.NET Core application has Kestrel as built-in web server which is responsible for receiving raw requests and constructing an internal representation of the data. The resulting </a:t>
-            </a:r>
-            <a:r>
-              <a:rPr lang="en-US" sz="3137" i="1" dirty="0" err="1"/>
-              <a:t>HttpContext</a:t>
-            </a:r>
-            <a:r>
-              <a:rPr lang="en-US" sz="3137" dirty="0"/>
-              <a:t> object will then be available to the rest of the application.</a:t>
-            </a:r>
-          </a:p>
-          <a:p>
-            <a:endParaRPr lang="en-US" sz="3137" dirty="0"/>
-          </a:p>
-          <a:p>
-            <a:r>
-              <a:rPr lang="en-US" sz="3137" dirty="0">
-                <a:hlinkClick r:id="rId3"/>
-              </a:rPr>
-              <a:t>https://github.com/aspnet/KestrelHttpServer</a:t>
-            </a:r>
-            <a:endParaRPr lang="en-US" sz="3137" dirty="0"/>
-          </a:p>
-        </p:txBody>
-      </p:sp>
-    </p:spTree>
-    <p:extLst>
-      <p:ext uri="{BB962C8B-B14F-4D97-AF65-F5344CB8AC3E}">
-        <p14:creationId xmlns:p14="http://schemas.microsoft.com/office/powerpoint/2010/main" val="3116010510"/>
-      </p:ext>
-    </p:extLst>
-  </p:cSld>
-  <p:clrMapOvr>
-    <a:masterClrMapping/>
-  </p:clrMapOvr>
-  <mc:AlternateContent xmlns:mc="http://schemas.openxmlformats.org/markup-compatibility/2006" xmlns:p14="http://schemas.microsoft.com/office/powerpoint/2010/main">
-    <mc:Choice Requires="p14">
-      <p:transition spd="med" p14:dur="700" advTm="2166">
-        <p:fade/>
-      </p:transition>
-    </mc:Choice>
-    <mc:Fallback xmlns="">
-      <p:transition spd="med" advTm="2166">
-        <p:fade/>
-      </p:transition>
-    </mc:Fallback>
-  </mc:AlternateContent>
 </p:sld>
 </file>
 
@@ -27200,14 +27543,14 @@
   <p:clrMapOvr>
     <a:masterClrMapping/>
   </p:clrMapOvr>
-  <mc:AlternateContent xmlns:mc="http://schemas.openxmlformats.org/markup-compatibility/2006" xmlns:p14="http://schemas.microsoft.com/office/powerpoint/2010/main">
-    <mc:Choice Requires="p14">
-      <p:transition spd="med" p14:dur="700" advTm="14859">
+  <mc:AlternateContent xmlns:mc="http://schemas.openxmlformats.org/markup-compatibility/2006">
+    <mc:Choice xmlns:p14="http://schemas.microsoft.com/office/powerpoint/2010/main" Requires="p14">
+      <p:transition spd="slow" p14:dur="2000">
         <p:fade/>
       </p:transition>
     </mc:Choice>
-    <mc:Fallback xmlns="">
-      <p:transition spd="med" advTm="14859">
+    <mc:Fallback>
+      <p:transition spd="slow">
         <p:fade/>
       </p:transition>
     </mc:Fallback>
@@ -29155,7 +29498,7 @@
           <p:nvPr/>
         </p:nvPicPr>
         <p:blipFill rotWithShape="1">
-          <a:blip r:embed="rId2">
+          <a:blip r:embed="rId3">
             <a:extLst>
               <a:ext uri="{28A0092B-C50C-407E-A947-70E740481C1C}">
                 <a14:useLocalDpi xmlns:a14="http://schemas.microsoft.com/office/drawing/2010/main" val="0"/>
@@ -34932,7 +35275,7 @@
           <p:cNvPr id="2" name="Title 1">
             <a:extLst>
               <a:ext uri="{FF2B5EF4-FFF2-40B4-BE49-F238E27FC236}">
-                <a16:creationId xmlns:a16="http://schemas.microsoft.com/office/drawing/2014/main" id="{F6A870DF-75FA-4E4F-AFEA-F37BD6AC3BC4}"/>
+                <a16:creationId xmlns:a16="http://schemas.microsoft.com/office/drawing/2014/main" id="{C8B11A64-6E73-43EE-99BA-E09E27AFF419}"/>
               </a:ext>
             </a:extLst>
           </p:cNvPr>
@@ -34950,17 +35293,17 @@
           <a:p>
             <a:r>
               <a:rPr lang="en-US" dirty="0"/>
-              <a:t>What is ASP.NET?</a:t>
+              <a:t>A new CLR</a:t>
             </a:r>
           </a:p>
         </p:txBody>
       </p:sp>
       <p:sp>
         <p:nvSpPr>
-          <p:cNvPr id="3" name="Text Placeholder 2">
+          <p:cNvPr id="4" name="Text Placeholder 7">
             <a:extLst>
               <a:ext uri="{FF2B5EF4-FFF2-40B4-BE49-F238E27FC236}">
-                <a16:creationId xmlns:a16="http://schemas.microsoft.com/office/drawing/2014/main" id="{385535C8-84EF-4316-9123-1E49F9EAEE85}"/>
+                <a16:creationId xmlns:a16="http://schemas.microsoft.com/office/drawing/2014/main" id="{3A5FF330-0425-4C1B-B8B8-FE7E4813E64F}"/>
               </a:ext>
             </a:extLst>
           </p:cNvPr>
@@ -34973,8 +35316,8 @@
         </p:nvSpPr>
         <p:spPr>
           <a:xfrm>
-            <a:off x="269240" y="1189495"/>
-            <a:ext cx="11655078" cy="1842299"/>
+            <a:off x="269303" y="1187963"/>
+            <a:ext cx="11655078" cy="4718999"/>
           </a:xfrm>
         </p:spPr>
         <p:txBody>
@@ -34983,23 +35326,53 @@
           <a:p>
             <a:r>
               <a:rPr lang="en-US" sz="3137" dirty="0"/>
-              <a:t>ASP.NET is an open-source </a:t>
-            </a:r>
-            <a:r>
-              <a:rPr lang="en-US" sz="3137" b="1" u="sng" dirty="0"/>
-              <a:t>web framework</a:t>
+              <a:t>.NET Core comes with a new runtime for application execution called </a:t>
+            </a:r>
+            <a:r>
+              <a:rPr lang="en-US" sz="3137" b="1" dirty="0" err="1"/>
+              <a:t>CoreCLR</a:t>
             </a:r>
             <a:r>
               <a:rPr lang="en-US" sz="3137" dirty="0"/>
-              <a:t>, which extends the .NET platform by providing tools and libraries (like web-page templating syntax and libraries to implement common web patterns like MVC) to build web applications. </a:t>
-            </a:r>
+              <a:t>. It follows the same layout and architecture of .NET CLR and does things like loading the IL code, compiling to machine-level, and collecting garbage. </a:t>
+            </a:r>
+            <a:br>
+              <a:rPr lang="en-US" sz="3137" dirty="0"/>
+            </a:br>
+            <a:br>
+              <a:rPr lang="en-US" sz="3137" dirty="0"/>
+            </a:br>
+            <a:r>
+              <a:rPr lang="en-US" sz="3137" dirty="0"/>
+              <a:t>However, the </a:t>
+            </a:r>
+            <a:r>
+              <a:rPr lang="en-US" sz="3137" dirty="0" err="1"/>
+              <a:t>CoreCLR</a:t>
+            </a:r>
+            <a:r>
+              <a:rPr lang="en-US" sz="3137" dirty="0"/>
+              <a:t> doesn’t support features that are too specific for the Windows platform or are proved to be unnecessary like application domains and code access security.</a:t>
+            </a:r>
+          </a:p>
+          <a:p>
+            <a:endParaRPr lang="en-US" sz="3137" dirty="0"/>
+          </a:p>
+          <a:p>
+            <a:r>
+              <a:rPr lang="en-US" sz="3137" dirty="0">
+                <a:hlinkClick r:id="rId3"/>
+              </a:rPr>
+              <a:t>https://github.com/dotnet/runtime</a:t>
+            </a:r>
+            <a:endParaRPr lang="en-US" sz="3137" dirty="0"/>
           </a:p>
         </p:txBody>
       </p:sp>
     </p:spTree>
     <p:extLst>
       <p:ext uri="{BB962C8B-B14F-4D97-AF65-F5344CB8AC3E}">
-        <p14:creationId xmlns:p14="http://schemas.microsoft.com/office/powerpoint/2010/main" val="102124617"/>
+        <p14:creationId xmlns:p14="http://schemas.microsoft.com/office/powerpoint/2010/main" val="4196422211"/>
       </p:ext>
     </p:extLst>
   </p:cSld>
@@ -35008,12 +35381,12 @@
   </p:clrMapOvr>
   <mc:AlternateContent xmlns:mc="http://schemas.openxmlformats.org/markup-compatibility/2006" xmlns:p14="http://schemas.microsoft.com/office/powerpoint/2010/main">
     <mc:Choice Requires="p14">
-      <p:transition spd="med" p14:dur="700" advTm="2801">
+      <p:transition spd="med" p14:dur="700" advTm="2634">
         <p:fade/>
       </p:transition>
     </mc:Choice>
     <mc:Fallback xmlns="">
-      <p:transition spd="med" advTm="2801">
+      <p:transition spd="med" advTm="2634">
         <p:fade/>
       </p:transition>
     </mc:Fallback>
@@ -35061,6 +35434,117 @@
           <a:p>
             <a:r>
               <a:rPr lang="en-US" dirty="0"/>
+              <a:t>What is ASP.NET?</a:t>
+            </a:r>
+          </a:p>
+        </p:txBody>
+      </p:sp>
+      <p:sp>
+        <p:nvSpPr>
+          <p:cNvPr id="3" name="Text Placeholder 2">
+            <a:extLst>
+              <a:ext uri="{FF2B5EF4-FFF2-40B4-BE49-F238E27FC236}">
+                <a16:creationId xmlns:a16="http://schemas.microsoft.com/office/drawing/2014/main" id="{385535C8-84EF-4316-9123-1E49F9EAEE85}"/>
+              </a:ext>
+            </a:extLst>
+          </p:cNvPr>
+          <p:cNvSpPr>
+            <a:spLocks noGrp="1"/>
+          </p:cNvSpPr>
+          <p:nvPr>
+            <p:ph type="body" sz="quarter" idx="10"/>
+          </p:nvPr>
+        </p:nvSpPr>
+        <p:spPr>
+          <a:xfrm>
+            <a:off x="269240" y="1189495"/>
+            <a:ext cx="11655078" cy="1842299"/>
+          </a:xfrm>
+        </p:spPr>
+        <p:txBody>
+          <a:bodyPr/>
+          <a:lstStyle/>
+          <a:p>
+            <a:r>
+              <a:rPr lang="en-US" sz="3137" dirty="0"/>
+              <a:t>ASP.NET is an open-source </a:t>
+            </a:r>
+            <a:r>
+              <a:rPr lang="en-US" sz="3137" b="1" u="sng" dirty="0"/>
+              <a:t>web framework</a:t>
+            </a:r>
+            <a:r>
+              <a:rPr lang="en-US" sz="3137" dirty="0"/>
+              <a:t>, which extends the .NET platform by providing tools and libraries (like web-page templating syntax and libraries to implement common web patterns like MVC) to build web applications. </a:t>
+            </a:r>
+          </a:p>
+        </p:txBody>
+      </p:sp>
+    </p:spTree>
+    <p:extLst>
+      <p:ext uri="{BB962C8B-B14F-4D97-AF65-F5344CB8AC3E}">
+        <p14:creationId xmlns:p14="http://schemas.microsoft.com/office/powerpoint/2010/main" val="102124617"/>
+      </p:ext>
+    </p:extLst>
+  </p:cSld>
+  <p:clrMapOvr>
+    <a:masterClrMapping/>
+  </p:clrMapOvr>
+  <mc:AlternateContent xmlns:mc="http://schemas.openxmlformats.org/markup-compatibility/2006" xmlns:p14="http://schemas.microsoft.com/office/powerpoint/2010/main">
+    <mc:Choice Requires="p14">
+      <p:transition spd="med" p14:dur="700" advTm="2801">
+        <p:fade/>
+      </p:transition>
+    </mc:Choice>
+    <mc:Fallback xmlns="">
+      <p:transition spd="med" advTm="2801">
+        <p:fade/>
+      </p:transition>
+    </mc:Fallback>
+  </mc:AlternateContent>
+</p:sld>
+</file>
+
+<file path=ppt/slides/slide8.xml><?xml version="1.0" encoding="utf-8"?>
+<p:sld xmlns:a="http://schemas.openxmlformats.org/drawingml/2006/main" xmlns:r="http://schemas.openxmlformats.org/officeDocument/2006/relationships" xmlns:p="http://schemas.openxmlformats.org/presentationml/2006/main">
+  <p:cSld>
+    <p:spTree>
+      <p:nvGrpSpPr>
+        <p:cNvPr id="1" name=""/>
+        <p:cNvGrpSpPr/>
+        <p:nvPr/>
+      </p:nvGrpSpPr>
+      <p:grpSpPr>
+        <a:xfrm>
+          <a:off x="0" y="0"/>
+          <a:ext cx="0" cy="0"/>
+          <a:chOff x="0" y="0"/>
+          <a:chExt cx="0" cy="0"/>
+        </a:xfrm>
+      </p:grpSpPr>
+      <p:sp>
+        <p:nvSpPr>
+          <p:cNvPr id="2" name="Title 1">
+            <a:extLst>
+              <a:ext uri="{FF2B5EF4-FFF2-40B4-BE49-F238E27FC236}">
+                <a16:creationId xmlns:a16="http://schemas.microsoft.com/office/drawing/2014/main" id="{F6A870DF-75FA-4E4F-AFEA-F37BD6AC3BC4}"/>
+              </a:ext>
+            </a:extLst>
+          </p:cNvPr>
+          <p:cNvSpPr>
+            <a:spLocks noGrp="1"/>
+          </p:cNvSpPr>
+          <p:nvPr>
+            <p:ph type="title"/>
+          </p:nvPr>
+        </p:nvSpPr>
+        <p:spPr/>
+        <p:txBody>
+          <a:bodyPr/>
+          <a:lstStyle/>
+          <a:p>
+            <a:r>
+              <a:rPr lang="en-US" dirty="0"/>
               <a:t>Why another ASP.NET</a:t>
             </a:r>
           </a:p>
@@ -35174,151 +35658,6 @@
     </mc:Choice>
     <mc:Fallback xmlns="">
       <p:transition spd="med" advTm="2125">
-        <p:fade/>
-      </p:transition>
-    </mc:Fallback>
-  </mc:AlternateContent>
-</p:sld>
-</file>
-
-<file path=ppt/slides/slide8.xml><?xml version="1.0" encoding="utf-8"?>
-<p:sld xmlns:a="http://schemas.openxmlformats.org/drawingml/2006/main" xmlns:r="http://schemas.openxmlformats.org/officeDocument/2006/relationships" xmlns:p="http://schemas.openxmlformats.org/presentationml/2006/main">
-  <p:cSld>
-    <p:spTree>
-      <p:nvGrpSpPr>
-        <p:cNvPr id="1" name=""/>
-        <p:cNvGrpSpPr/>
-        <p:nvPr/>
-      </p:nvGrpSpPr>
-      <p:grpSpPr>
-        <a:xfrm>
-          <a:off x="0" y="0"/>
-          <a:ext cx="0" cy="0"/>
-          <a:chOff x="0" y="0"/>
-          <a:chExt cx="0" cy="0"/>
-        </a:xfrm>
-      </p:grpSpPr>
-      <p:sp>
-        <p:nvSpPr>
-          <p:cNvPr id="7" name="Title 6">
-            <a:extLst>
-              <a:ext uri="{FF2B5EF4-FFF2-40B4-BE49-F238E27FC236}">
-                <a16:creationId xmlns:a16="http://schemas.microsoft.com/office/drawing/2014/main" id="{6F70FF8D-D2EA-4774-9E5C-171CB8A6ACD7}"/>
-              </a:ext>
-            </a:extLst>
-          </p:cNvPr>
-          <p:cNvSpPr>
-            <a:spLocks noGrp="1"/>
-          </p:cNvSpPr>
-          <p:nvPr>
-            <p:ph type="title"/>
-          </p:nvPr>
-        </p:nvSpPr>
-        <p:spPr/>
-        <p:txBody>
-          <a:bodyPr/>
-          <a:lstStyle/>
-          <a:p>
-            <a:r>
-              <a:rPr lang="en-US" dirty="0"/>
-              <a:t>Performances</a:t>
-            </a:r>
-          </a:p>
-        </p:txBody>
-      </p:sp>
-      <p:pic>
-        <p:nvPicPr>
-          <p:cNvPr id="2" name="Picture 1">
-            <a:extLst>
-              <a:ext uri="{FF2B5EF4-FFF2-40B4-BE49-F238E27FC236}">
-                <a16:creationId xmlns:a16="http://schemas.microsoft.com/office/drawing/2014/main" id="{6B9BAA71-3E06-4D1F-AF7D-40AA858E99C7}"/>
-              </a:ext>
-            </a:extLst>
-          </p:cNvPr>
-          <p:cNvPicPr>
-            <a:picLocks noChangeAspect="1"/>
-          </p:cNvPicPr>
-          <p:nvPr/>
-        </p:nvPicPr>
-        <p:blipFill rotWithShape="1">
-          <a:blip r:embed="rId2"/>
-          <a:srcRect b="37358"/>
-          <a:stretch/>
-        </p:blipFill>
-        <p:spPr>
-          <a:xfrm>
-            <a:off x="448213" y="1189495"/>
-            <a:ext cx="11295575" cy="4480569"/>
-          </a:xfrm>
-          <a:prstGeom prst="rect">
-            <a:avLst/>
-          </a:prstGeom>
-        </p:spPr>
-      </p:pic>
-      <p:sp>
-        <p:nvSpPr>
-          <p:cNvPr id="3" name="TextBox 2">
-            <a:extLst>
-              <a:ext uri="{FF2B5EF4-FFF2-40B4-BE49-F238E27FC236}">
-                <a16:creationId xmlns:a16="http://schemas.microsoft.com/office/drawing/2014/main" id="{11610183-957B-4289-AC27-8E0FC79A9A36}"/>
-              </a:ext>
-            </a:extLst>
-          </p:cNvPr>
-          <p:cNvSpPr txBox="1"/>
-          <p:nvPr/>
-        </p:nvSpPr>
-        <p:spPr>
-          <a:xfrm>
-            <a:off x="269239" y="5765888"/>
-            <a:ext cx="11474547" cy="615522"/>
-          </a:xfrm>
-          <a:prstGeom prst="rect">
-            <a:avLst/>
-          </a:prstGeom>
-          <a:noFill/>
-        </p:spPr>
-        <p:txBody>
-          <a:bodyPr wrap="square" lIns="179285" tIns="143428" rIns="179285" bIns="143428" rtlCol="0">
-            <a:spAutoFit/>
-          </a:bodyPr>
-          <a:lstStyle/>
-          <a:p>
-            <a:pPr>
-              <a:lnSpc>
-                <a:spcPct val="90000"/>
-              </a:lnSpc>
-              <a:spcAft>
-                <a:spcPts val="588"/>
-              </a:spcAft>
-            </a:pPr>
-            <a:r>
-              <a:rPr lang="en-US" sz="2353" dirty="0">
-                <a:hlinkClick r:id="rId3"/>
-              </a:rPr>
-              <a:t>https://www.techempower.com/benchmarks</a:t>
-            </a:r>
-            <a:endParaRPr lang="en-US" sz="2353" dirty="0"/>
-          </a:p>
-        </p:txBody>
-      </p:sp>
-    </p:spTree>
-    <p:extLst>
-      <p:ext uri="{BB962C8B-B14F-4D97-AF65-F5344CB8AC3E}">
-        <p14:creationId xmlns:p14="http://schemas.microsoft.com/office/powerpoint/2010/main" val="2815977247"/>
-      </p:ext>
-    </p:extLst>
-  </p:cSld>
-  <p:clrMapOvr>
-    <a:masterClrMapping/>
-  </p:clrMapOvr>
-  <mc:AlternateContent xmlns:mc="http://schemas.openxmlformats.org/markup-compatibility/2006" xmlns:p14="http://schemas.microsoft.com/office/powerpoint/2010/main">
-    <mc:Choice Requires="p14">
-      <p:transition spd="med" p14:dur="700" advTm="2164">
-        <p:fade/>
-      </p:transition>
-    </mc:Choice>
-    <mc:Fallback xmlns="">
-      <p:transition spd="med" advTm="2164">
         <p:fade/>
       </p:transition>
     </mc:Fallback>
@@ -35348,7 +35687,7 @@
           <p:cNvPr id="2" name="Title 1">
             <a:extLst>
               <a:ext uri="{FF2B5EF4-FFF2-40B4-BE49-F238E27FC236}">
-                <a16:creationId xmlns:a16="http://schemas.microsoft.com/office/drawing/2014/main" id="{C8B11A64-6E73-43EE-99BA-E09E27AFF419}"/>
+                <a16:creationId xmlns:a16="http://schemas.microsoft.com/office/drawing/2014/main" id="{59A0494B-38A5-4333-A4F4-734AFC774323}"/>
               </a:ext>
             </a:extLst>
           </p:cNvPr>
@@ -35366,17 +35705,17 @@
           <a:p>
             <a:r>
               <a:rPr lang="en-US" dirty="0"/>
-              <a:t>A new CLR</a:t>
+              <a:t>The kestrel</a:t>
             </a:r>
           </a:p>
         </p:txBody>
       </p:sp>
       <p:sp>
         <p:nvSpPr>
-          <p:cNvPr id="4" name="Text Placeholder 7">
+          <p:cNvPr id="3" name="Text Placeholder 2">
             <a:extLst>
               <a:ext uri="{FF2B5EF4-FFF2-40B4-BE49-F238E27FC236}">
-                <a16:creationId xmlns:a16="http://schemas.microsoft.com/office/drawing/2014/main" id="{3A5FF330-0425-4C1B-B8B8-FE7E4813E64F}"/>
+                <a16:creationId xmlns:a16="http://schemas.microsoft.com/office/drawing/2014/main" id="{6AF3D086-7543-426D-BE34-CD0FDAE0585F}"/>
               </a:ext>
             </a:extLst>
           </p:cNvPr>
@@ -35390,7 +35729,7 @@
         <p:spPr>
           <a:xfrm>
             <a:off x="269303" y="1187963"/>
-            <a:ext cx="11655078" cy="4718999"/>
+            <a:ext cx="11655078" cy="3415542"/>
           </a:xfrm>
         </p:spPr>
         <p:txBody>
@@ -35399,33 +35738,15 @@
           <a:p>
             <a:r>
               <a:rPr lang="en-US" sz="3137" dirty="0"/>
-              <a:t>.NET Core comes with a new runtime for application execution called </a:t>
-            </a:r>
-            <a:r>
-              <a:rPr lang="en-US" sz="3137" b="1" dirty="0" err="1"/>
-              <a:t>CoreCLR</a:t>
+              <a:t>Be default, every ASP.NET Core application has Kestrel as built-in web server which is responsible for receiving raw requests and constructing an internal representation of the data. The resulting </a:t>
+            </a:r>
+            <a:r>
+              <a:rPr lang="en-US" sz="3137" i="1" dirty="0" err="1"/>
+              <a:t>HttpContext</a:t>
             </a:r>
             <a:r>
               <a:rPr lang="en-US" sz="3137" dirty="0"/>
-              <a:t>. It follows the same layout and architecture of .NET CLR and does things like loading the IL code, compiling to machine-level, and collecting garbage. </a:t>
-            </a:r>
-            <a:br>
-              <a:rPr lang="en-US" sz="3137" dirty="0"/>
-            </a:br>
-            <a:br>
-              <a:rPr lang="en-US" sz="3137" dirty="0"/>
-            </a:br>
-            <a:r>
-              <a:rPr lang="en-US" sz="3137" dirty="0"/>
-              <a:t>However, the </a:t>
-            </a:r>
-            <a:r>
-              <a:rPr lang="en-US" sz="3137" dirty="0" err="1"/>
-              <a:t>CoreCLR</a:t>
-            </a:r>
-            <a:r>
-              <a:rPr lang="en-US" sz="3137" dirty="0"/>
-              <a:t> doesn’t support features that are too specific for the Windows platform or are proved to be unnecessary like application domains and code access security.</a:t>
+              <a:t> object will then be available to the rest of the application.</a:t>
             </a:r>
           </a:p>
           <a:p>
@@ -35436,7 +35757,7 @@
               <a:rPr lang="en-US" sz="3137" dirty="0">
                 <a:hlinkClick r:id="rId3"/>
               </a:rPr>
-              <a:t>https://github.com/dotnet/runtime</a:t>
+              <a:t>https://github.com/aspnet/KestrelHttpServer</a:t>
             </a:r>
             <a:endParaRPr lang="en-US" sz="3137" dirty="0"/>
           </a:p>
@@ -35445,7 +35766,7 @@
     </p:spTree>
     <p:extLst>
       <p:ext uri="{BB962C8B-B14F-4D97-AF65-F5344CB8AC3E}">
-        <p14:creationId xmlns:p14="http://schemas.microsoft.com/office/powerpoint/2010/main" val="4196422211"/>
+        <p14:creationId xmlns:p14="http://schemas.microsoft.com/office/powerpoint/2010/main" val="3116010510"/>
       </p:ext>
     </p:extLst>
   </p:cSld>
@@ -35454,12 +35775,12 @@
   </p:clrMapOvr>
   <mc:AlternateContent xmlns:mc="http://schemas.openxmlformats.org/markup-compatibility/2006" xmlns:p14="http://schemas.microsoft.com/office/powerpoint/2010/main">
     <mc:Choice Requires="p14">
-      <p:transition spd="med" p14:dur="700" advTm="2634">
+      <p:transition spd="med" p14:dur="700" advTm="2166">
         <p:fade/>
       </p:transition>
     </mc:Choice>
     <mc:Fallback xmlns="">
-      <p:transition spd="med" advTm="2634">
+      <p:transition spd="med" advTm="2166">
         <p:fade/>
       </p:transition>
     </mc:Fallback>
